--- a/files&pdfs/CSE111_ProjectUpdated.pptx
+++ b/files&pdfs/CSE111_ProjectUpdated.pptx
@@ -1,32 +1,33 @@
 
 <file path=ppt/presentation.xml><?xml version="1.0" encoding="utf-8"?>
-<p:presentation xmlns:a="http://schemas.openxmlformats.org/drawingml/2006/main" xmlns:r="http://schemas.openxmlformats.org/officeDocument/2006/relationships" xmlns:mc="http://schemas.openxmlformats.org/markup-compatibility/2006" xmlns:mv="urn:schemas-microsoft-com:mac:vml" xmlns:p="http://schemas.openxmlformats.org/presentationml/2006/main" xmlns:c="http://schemas.openxmlformats.org/drawingml/2006/chart" xmlns:dgm="http://schemas.openxmlformats.org/drawingml/2006/diagram" xmlns:o="urn:schemas-microsoft-com:office:office" xmlns:v="urn:schemas-microsoft-com:vml" xmlns:pvml="urn:schemas-microsoft-com:office:powerpoint" xmlns:com="http://schemas.openxmlformats.org/drawingml/2006/compatibility" xmlns:p14="http://schemas.microsoft.com/office/powerpoint/2010/main" xmlns:p15="http://schemas.microsoft.com/office/powerpoint/2012/main" xmlns:ahyp="http://schemas.microsoft.com/office/drawing/2018/hyperlinkcolor" autoCompressPictures="0" embedTrueTypeFonts="1" strictFirstAndLastChars="0" saveSubsetFonts="1">
+<p:presentation xmlns:a="http://schemas.openxmlformats.org/drawingml/2006/main" xmlns:r="http://schemas.openxmlformats.org/officeDocument/2006/relationships" xmlns:p="http://schemas.openxmlformats.org/presentationml/2006/main" strictFirstAndLastChars="0" embedTrueTypeFonts="1" saveSubsetFonts="1" autoCompressPictures="0">
   <p:sldMasterIdLst>
-    <p:sldMasterId id="2147483659" r:id="rId5"/>
+    <p:sldMasterId id="2147483659" r:id="rId1"/>
   </p:sldMasterIdLst>
   <p:notesMasterIdLst>
-    <p:notesMasterId r:id="rId6"/>
+    <p:notesMasterId r:id="rId9"/>
   </p:notesMasterIdLst>
   <p:sldIdLst>
-    <p:sldId id="256" r:id="rId7"/>
-    <p:sldId id="257" r:id="rId8"/>
-    <p:sldId id="258" r:id="rId9"/>
-    <p:sldId id="259" r:id="rId10"/>
-    <p:sldId id="260" r:id="rId11"/>
-    <p:sldId id="261" r:id="rId12"/>
+    <p:sldId id="256" r:id="rId2"/>
+    <p:sldId id="257" r:id="rId3"/>
+    <p:sldId id="258" r:id="rId4"/>
+    <p:sldId id="259" r:id="rId5"/>
+    <p:sldId id="260" r:id="rId6"/>
+    <p:sldId id="261" r:id="rId7"/>
+    <p:sldId id="262" r:id="rId8"/>
   </p:sldIdLst>
-  <p:sldSz cy="5143500" cx="9144000"/>
+  <p:sldSz cx="9144000" cy="5143500" type="screen16x9"/>
   <p:notesSz cx="6858000" cy="9144000"/>
   <p:embeddedFontLst>
     <p:embeddedFont>
-      <p:font typeface="Old Standard TT"/>
-      <p:regular r:id="rId13"/>
-      <p:bold r:id="rId14"/>
-      <p:italic r:id="rId15"/>
+      <p:font typeface="Old Standard TT" panose="020B0604020202020204" charset="0"/>
+      <p:regular r:id="rId10"/>
+      <p:bold r:id="rId11"/>
+      <p:italic r:id="rId12"/>
     </p:embeddedFont>
   </p:embeddedFontLst>
   <p:defaultTextStyle>
-    <a:defPPr lvl="0" marR="0" rtl="0" algn="l">
+    <a:defPPr marR="0" lvl="0" algn="l" rtl="0">
       <a:lnSpc>
         <a:spcPct val="100000"/>
       </a:lnSpc>
@@ -37,7 +38,7 @@
         <a:spcPts val="0"/>
       </a:spcAft>
     </a:defPPr>
-    <a:lvl1pPr lvl="0" marR="0" rtl="0" algn="l">
+    <a:lvl1pPr marR="0" lvl="0" algn="l" rtl="0">
       <a:lnSpc>
         <a:spcPct val="100000"/>
       </a:lnSpc>
@@ -51,7 +52,7 @@
         <a:srgbClr val="000000"/>
       </a:buClr>
       <a:buFont typeface="Arial"/>
-      <a:defRPr b="0" i="0" sz="1400" u="none" cap="none" strike="noStrike">
+      <a:defRPr sz="1400" b="0" i="0" u="none" strike="noStrike" cap="none">
         <a:solidFill>
           <a:srgbClr val="000000"/>
         </a:solidFill>
@@ -61,7 +62,7 @@
         <a:sym typeface="Arial"/>
       </a:defRPr>
     </a:lvl1pPr>
-    <a:lvl2pPr lvl="1" marR="0" rtl="0" algn="l">
+    <a:lvl2pPr marR="0" lvl="1" algn="l" rtl="0">
       <a:lnSpc>
         <a:spcPct val="100000"/>
       </a:lnSpc>
@@ -75,7 +76,7 @@
         <a:srgbClr val="000000"/>
       </a:buClr>
       <a:buFont typeface="Arial"/>
-      <a:defRPr b="0" i="0" sz="1400" u="none" cap="none" strike="noStrike">
+      <a:defRPr sz="1400" b="0" i="0" u="none" strike="noStrike" cap="none">
         <a:solidFill>
           <a:srgbClr val="000000"/>
         </a:solidFill>
@@ -85,7 +86,7 @@
         <a:sym typeface="Arial"/>
       </a:defRPr>
     </a:lvl2pPr>
-    <a:lvl3pPr lvl="2" marR="0" rtl="0" algn="l">
+    <a:lvl3pPr marR="0" lvl="2" algn="l" rtl="0">
       <a:lnSpc>
         <a:spcPct val="100000"/>
       </a:lnSpc>
@@ -99,7 +100,7 @@
         <a:srgbClr val="000000"/>
       </a:buClr>
       <a:buFont typeface="Arial"/>
-      <a:defRPr b="0" i="0" sz="1400" u="none" cap="none" strike="noStrike">
+      <a:defRPr sz="1400" b="0" i="0" u="none" strike="noStrike" cap="none">
         <a:solidFill>
           <a:srgbClr val="000000"/>
         </a:solidFill>
@@ -109,7 +110,7 @@
         <a:sym typeface="Arial"/>
       </a:defRPr>
     </a:lvl3pPr>
-    <a:lvl4pPr lvl="3" marR="0" rtl="0" algn="l">
+    <a:lvl4pPr marR="0" lvl="3" algn="l" rtl="0">
       <a:lnSpc>
         <a:spcPct val="100000"/>
       </a:lnSpc>
@@ -123,7 +124,7 @@
         <a:srgbClr val="000000"/>
       </a:buClr>
       <a:buFont typeface="Arial"/>
-      <a:defRPr b="0" i="0" sz="1400" u="none" cap="none" strike="noStrike">
+      <a:defRPr sz="1400" b="0" i="0" u="none" strike="noStrike" cap="none">
         <a:solidFill>
           <a:srgbClr val="000000"/>
         </a:solidFill>
@@ -133,7 +134,7 @@
         <a:sym typeface="Arial"/>
       </a:defRPr>
     </a:lvl4pPr>
-    <a:lvl5pPr lvl="4" marR="0" rtl="0" algn="l">
+    <a:lvl5pPr marR="0" lvl="4" algn="l" rtl="0">
       <a:lnSpc>
         <a:spcPct val="100000"/>
       </a:lnSpc>
@@ -147,7 +148,7 @@
         <a:srgbClr val="000000"/>
       </a:buClr>
       <a:buFont typeface="Arial"/>
-      <a:defRPr b="0" i="0" sz="1400" u="none" cap="none" strike="noStrike">
+      <a:defRPr sz="1400" b="0" i="0" u="none" strike="noStrike" cap="none">
         <a:solidFill>
           <a:srgbClr val="000000"/>
         </a:solidFill>
@@ -157,7 +158,7 @@
         <a:sym typeface="Arial"/>
       </a:defRPr>
     </a:lvl5pPr>
-    <a:lvl6pPr lvl="5" marR="0" rtl="0" algn="l">
+    <a:lvl6pPr marR="0" lvl="5" algn="l" rtl="0">
       <a:lnSpc>
         <a:spcPct val="100000"/>
       </a:lnSpc>
@@ -171,7 +172,7 @@
         <a:srgbClr val="000000"/>
       </a:buClr>
       <a:buFont typeface="Arial"/>
-      <a:defRPr b="0" i="0" sz="1400" u="none" cap="none" strike="noStrike">
+      <a:defRPr sz="1400" b="0" i="0" u="none" strike="noStrike" cap="none">
         <a:solidFill>
           <a:srgbClr val="000000"/>
         </a:solidFill>
@@ -181,7 +182,7 @@
         <a:sym typeface="Arial"/>
       </a:defRPr>
     </a:lvl6pPr>
-    <a:lvl7pPr lvl="6" marR="0" rtl="0" algn="l">
+    <a:lvl7pPr marR="0" lvl="6" algn="l" rtl="0">
       <a:lnSpc>
         <a:spcPct val="100000"/>
       </a:lnSpc>
@@ -195,7 +196,7 @@
         <a:srgbClr val="000000"/>
       </a:buClr>
       <a:buFont typeface="Arial"/>
-      <a:defRPr b="0" i="0" sz="1400" u="none" cap="none" strike="noStrike">
+      <a:defRPr sz="1400" b="0" i="0" u="none" strike="noStrike" cap="none">
         <a:solidFill>
           <a:srgbClr val="000000"/>
         </a:solidFill>
@@ -205,7 +206,7 @@
         <a:sym typeface="Arial"/>
       </a:defRPr>
     </a:lvl7pPr>
-    <a:lvl8pPr lvl="7" marR="0" rtl="0" algn="l">
+    <a:lvl8pPr marR="0" lvl="7" algn="l" rtl="0">
       <a:lnSpc>
         <a:spcPct val="100000"/>
       </a:lnSpc>
@@ -219,7 +220,7 @@
         <a:srgbClr val="000000"/>
       </a:buClr>
       <a:buFont typeface="Arial"/>
-      <a:defRPr b="0" i="0" sz="1400" u="none" cap="none" strike="noStrike">
+      <a:defRPr sz="1400" b="0" i="0" u="none" strike="noStrike" cap="none">
         <a:solidFill>
           <a:srgbClr val="000000"/>
         </a:solidFill>
@@ -229,7 +230,7 @@
         <a:sym typeface="Arial"/>
       </a:defRPr>
     </a:lvl8pPr>
-    <a:lvl9pPr lvl="8" marR="0" rtl="0" algn="l">
+    <a:lvl9pPr marR="0" lvl="8" algn="l" rtl="0">
       <a:lnSpc>
         <a:spcPct val="100000"/>
       </a:lnSpc>
@@ -243,7 +244,7 @@
         <a:srgbClr val="000000"/>
       </a:buClr>
       <a:buFont typeface="Arial"/>
-      <a:defRPr b="0" i="0" sz="1400" u="none" cap="none" strike="noStrike">
+      <a:defRPr sz="1400" b="0" i="0" u="none" strike="noStrike" cap="none">
         <a:solidFill>
           <a:srgbClr val="000000"/>
         </a:solidFill>
@@ -256,7 +257,7 @@
   </p:defaultTextStyle>
   <p:extLst>
     <p:ext uri="{EFAFB233-063F-42B5-8137-9DF3F51BA10A}">
-      <p15:sldGuideLst>
+      <p15:sldGuideLst xmlns:p15="http://schemas.microsoft.com/office/powerpoint/2012/main">
         <p15:guide id="1" orient="horz" pos="1620">
           <p15:clr>
             <a:srgbClr val="A4A3A4"/>
@@ -274,11 +275,16 @@
 </file>
 
 <file path=ppt/notesMasters/notesMaster1.xml><?xml version="1.0" encoding="utf-8"?>
-<p:notesMaster xmlns:a="http://schemas.openxmlformats.org/drawingml/2006/main" xmlns:r="http://schemas.openxmlformats.org/officeDocument/2006/relationships" xmlns:mc="http://schemas.openxmlformats.org/markup-compatibility/2006" xmlns:mv="urn:schemas-microsoft-com:mac:vml" xmlns:p="http://schemas.openxmlformats.org/presentationml/2006/main" xmlns:c="http://schemas.openxmlformats.org/drawingml/2006/chart" xmlns:dgm="http://schemas.openxmlformats.org/drawingml/2006/diagram" xmlns:o="urn:schemas-microsoft-com:office:office" xmlns:v="urn:schemas-microsoft-com:vml" xmlns:pvml="urn:schemas-microsoft-com:office:powerpoint" xmlns:com="http://schemas.openxmlformats.org/drawingml/2006/compatibility" xmlns:p14="http://schemas.microsoft.com/office/powerpoint/2010/main" xmlns:p15="http://schemas.microsoft.com/office/powerpoint/2012/main" xmlns:ahyp="http://schemas.microsoft.com/office/drawing/2018/hyperlinkcolor">
+<p:notesMaster xmlns:a="http://schemas.openxmlformats.org/drawingml/2006/main" xmlns:r="http://schemas.openxmlformats.org/officeDocument/2006/relationships" xmlns:p="http://schemas.openxmlformats.org/presentationml/2006/main">
   <p:cSld>
+    <p:bg>
+      <p:bgRef idx="1001">
+        <a:schemeClr val="bg1"/>
+      </p:bgRef>
+    </p:bg>
     <p:spTree>
       <p:nvGrpSpPr>
-        <p:cNvPr id="2" name="Shape 2"/>
+        <p:cNvPr id="1" name="Shape 2"/>
         <p:cNvGrpSpPr/>
         <p:nvPr/>
       </p:nvGrpSpPr>
@@ -293,9 +299,11 @@
       <p:sp>
         <p:nvSpPr>
           <p:cNvPr id="3" name="Google Shape;3;n"/>
-          <p:cNvSpPr/>
+          <p:cNvSpPr>
+            <a:spLocks noGrp="1" noRot="1" noChangeAspect="1"/>
+          </p:cNvSpPr>
           <p:nvPr>
-            <p:ph idx="2" type="sldImg"/>
+            <p:ph type="sldImg" idx="2"/>
           </p:nvPr>
         </p:nvSpPr>
         <p:spPr>
@@ -304,9 +312,13 @@
             <a:ext cx="6096075" cy="3429000"/>
           </a:xfrm>
           <a:custGeom>
-            <a:rect b="b" l="l" r="r" t="t"/>
+            <a:avLst/>
+            <a:gdLst/>
+            <a:ahLst/>
+            <a:cxnLst/>
+            <a:rect l="l" t="t" r="r" b="b"/>
             <a:pathLst>
-              <a:path extrusionOk="0" h="120000" w="120000">
+              <a:path w="120000" h="120000" extrusionOk="0">
                 <a:moveTo>
                   <a:pt x="0" y="0"/>
                 </a:moveTo>
@@ -324,23 +336,25 @@
             </a:pathLst>
           </a:custGeom>
           <a:noFill/>
-          <a:ln cap="flat" cmpd="sng" w="9525">
+          <a:ln w="9525" cap="flat" cmpd="sng">
             <a:solidFill>
               <a:srgbClr val="000000"/>
             </a:solidFill>
             <a:prstDash val="solid"/>
             <a:round/>
-            <a:headEnd len="sm" w="sm" type="none"/>
-            <a:tailEnd len="sm" w="sm" type="none"/>
+            <a:headEnd type="none" w="sm" len="sm"/>
+            <a:tailEnd type="none" w="sm" len="sm"/>
           </a:ln>
         </p:spPr>
       </p:sp>
       <p:sp>
         <p:nvSpPr>
           <p:cNvPr id="4" name="Google Shape;4;n"/>
-          <p:cNvSpPr txBox="1"/>
+          <p:cNvSpPr txBox="1">
+            <a:spLocks noGrp="1"/>
+          </p:cNvSpPr>
           <p:nvPr>
-            <p:ph idx="1" type="body"/>
+            <p:ph type="body" idx="1"/>
           </p:nvPr>
         </p:nvSpPr>
         <p:spPr>
@@ -357,11 +371,11 @@
           </a:ln>
         </p:spPr>
         <p:txBody>
-          <a:bodyPr anchorCtr="0" anchor="t" bIns="91425" lIns="91425" spcFirstLastPara="1" rIns="91425" wrap="square" tIns="91425">
+          <a:bodyPr spcFirstLastPara="1" wrap="square" lIns="91425" tIns="91425" rIns="91425" bIns="91425" anchor="t" anchorCtr="0">
             <a:noAutofit/>
           </a:bodyPr>
           <a:lstStyle>
-            <a:lvl1pPr indent="-298450" lvl="0" marL="457200">
+            <a:lvl1pPr marL="457200" lvl="0" indent="-298450">
               <a:spcBef>
                 <a:spcPts val="0"/>
               </a:spcBef>
@@ -372,7 +386,7 @@
               <a:buChar char="●"/>
               <a:defRPr sz="1100"/>
             </a:lvl1pPr>
-            <a:lvl2pPr indent="-298450" lvl="1" marL="914400">
+            <a:lvl2pPr marL="914400" lvl="1" indent="-298450">
               <a:spcBef>
                 <a:spcPts val="0"/>
               </a:spcBef>
@@ -383,7 +397,7 @@
               <a:buChar char="○"/>
               <a:defRPr sz="1100"/>
             </a:lvl2pPr>
-            <a:lvl3pPr indent="-298450" lvl="2" marL="1371600">
+            <a:lvl3pPr marL="1371600" lvl="2" indent="-298450">
               <a:spcBef>
                 <a:spcPts val="0"/>
               </a:spcBef>
@@ -394,7 +408,7 @@
               <a:buChar char="■"/>
               <a:defRPr sz="1100"/>
             </a:lvl3pPr>
-            <a:lvl4pPr indent="-298450" lvl="3" marL="1828800">
+            <a:lvl4pPr marL="1828800" lvl="3" indent="-298450">
               <a:spcBef>
                 <a:spcPts val="0"/>
               </a:spcBef>
@@ -405,7 +419,7 @@
               <a:buChar char="●"/>
               <a:defRPr sz="1100"/>
             </a:lvl4pPr>
-            <a:lvl5pPr indent="-298450" lvl="4" marL="2286000">
+            <a:lvl5pPr marL="2286000" lvl="4" indent="-298450">
               <a:spcBef>
                 <a:spcPts val="0"/>
               </a:spcBef>
@@ -416,7 +430,7 @@
               <a:buChar char="○"/>
               <a:defRPr sz="1100"/>
             </a:lvl5pPr>
-            <a:lvl6pPr indent="-298450" lvl="5" marL="2743200">
+            <a:lvl6pPr marL="2743200" lvl="5" indent="-298450">
               <a:spcBef>
                 <a:spcPts val="0"/>
               </a:spcBef>
@@ -427,7 +441,7 @@
               <a:buChar char="■"/>
               <a:defRPr sz="1100"/>
             </a:lvl6pPr>
-            <a:lvl7pPr indent="-298450" lvl="6" marL="3200400">
+            <a:lvl7pPr marL="3200400" lvl="6" indent="-298450">
               <a:spcBef>
                 <a:spcPts val="0"/>
               </a:spcBef>
@@ -438,7 +452,7 @@
               <a:buChar char="●"/>
               <a:defRPr sz="1100"/>
             </a:lvl7pPr>
-            <a:lvl8pPr indent="-298450" lvl="7" marL="3657600">
+            <a:lvl8pPr marL="3657600" lvl="7" indent="-298450">
               <a:spcBef>
                 <a:spcPts val="0"/>
               </a:spcBef>
@@ -449,7 +463,7 @@
               <a:buChar char="○"/>
               <a:defRPr sz="1100"/>
             </a:lvl8pPr>
-            <a:lvl9pPr indent="-298450" lvl="8" marL="4114800">
+            <a:lvl9pPr marL="4114800" lvl="8" indent="-298450">
               <a:spcBef>
                 <a:spcPts val="0"/>
               </a:spcBef>
@@ -461,14 +475,16 @@
               <a:defRPr sz="1100"/>
             </a:lvl9pPr>
           </a:lstStyle>
-          <a:p/>
+          <a:p>
+            <a:endParaRPr/>
+          </a:p>
         </p:txBody>
       </p:sp>
     </p:spTree>
   </p:cSld>
-  <p:clrMap accent1="accent1" accent2="accent2" accent3="accent3" accent4="accent4" accent5="accent5" accent6="accent6" bg1="lt1" bg2="dk2" tx1="dk1" tx2="lt2" folHlink="folHlink" hlink="hlink"/>
+  <p:clrMap bg1="lt1" tx1="dk1" bg2="dk2" tx2="lt2" accent1="accent1" accent2="accent2" accent3="accent3" accent4="accent4" accent5="accent5" accent6="accent6" hlink="hlink" folHlink="folHlink"/>
   <p:notesStyle>
-    <a:defPPr lvl="0" marR="0" rtl="0" algn="l">
+    <a:defPPr marR="0" lvl="0" algn="l" rtl="0">
       <a:lnSpc>
         <a:spcPct val="100000"/>
       </a:lnSpc>
@@ -479,7 +495,7 @@
         <a:spcPts val="0"/>
       </a:spcAft>
     </a:defPPr>
-    <a:lvl1pPr lvl="0" marR="0" rtl="0" algn="l">
+    <a:lvl1pPr marR="0" lvl="0" algn="l" rtl="0">
       <a:lnSpc>
         <a:spcPct val="100000"/>
       </a:lnSpc>
@@ -493,7 +509,7 @@
         <a:srgbClr val="000000"/>
       </a:buClr>
       <a:buFont typeface="Arial"/>
-      <a:defRPr b="0" i="0" sz="1400" u="none" cap="none" strike="noStrike">
+      <a:defRPr sz="1400" b="0" i="0" u="none" strike="noStrike" cap="none">
         <a:solidFill>
           <a:srgbClr val="000000"/>
         </a:solidFill>
@@ -503,7 +519,7 @@
         <a:sym typeface="Arial"/>
       </a:defRPr>
     </a:lvl1pPr>
-    <a:lvl2pPr lvl="1" marR="0" rtl="0" algn="l">
+    <a:lvl2pPr marR="0" lvl="1" algn="l" rtl="0">
       <a:lnSpc>
         <a:spcPct val="100000"/>
       </a:lnSpc>
@@ -517,7 +533,7 @@
         <a:srgbClr val="000000"/>
       </a:buClr>
       <a:buFont typeface="Arial"/>
-      <a:defRPr b="0" i="0" sz="1400" u="none" cap="none" strike="noStrike">
+      <a:defRPr sz="1400" b="0" i="0" u="none" strike="noStrike" cap="none">
         <a:solidFill>
           <a:srgbClr val="000000"/>
         </a:solidFill>
@@ -527,7 +543,7 @@
         <a:sym typeface="Arial"/>
       </a:defRPr>
     </a:lvl2pPr>
-    <a:lvl3pPr lvl="2" marR="0" rtl="0" algn="l">
+    <a:lvl3pPr marR="0" lvl="2" algn="l" rtl="0">
       <a:lnSpc>
         <a:spcPct val="100000"/>
       </a:lnSpc>
@@ -541,7 +557,7 @@
         <a:srgbClr val="000000"/>
       </a:buClr>
       <a:buFont typeface="Arial"/>
-      <a:defRPr b="0" i="0" sz="1400" u="none" cap="none" strike="noStrike">
+      <a:defRPr sz="1400" b="0" i="0" u="none" strike="noStrike" cap="none">
         <a:solidFill>
           <a:srgbClr val="000000"/>
         </a:solidFill>
@@ -551,7 +567,7 @@
         <a:sym typeface="Arial"/>
       </a:defRPr>
     </a:lvl3pPr>
-    <a:lvl4pPr lvl="3" marR="0" rtl="0" algn="l">
+    <a:lvl4pPr marR="0" lvl="3" algn="l" rtl="0">
       <a:lnSpc>
         <a:spcPct val="100000"/>
       </a:lnSpc>
@@ -565,7 +581,7 @@
         <a:srgbClr val="000000"/>
       </a:buClr>
       <a:buFont typeface="Arial"/>
-      <a:defRPr b="0" i="0" sz="1400" u="none" cap="none" strike="noStrike">
+      <a:defRPr sz="1400" b="0" i="0" u="none" strike="noStrike" cap="none">
         <a:solidFill>
           <a:srgbClr val="000000"/>
         </a:solidFill>
@@ -575,7 +591,7 @@
         <a:sym typeface="Arial"/>
       </a:defRPr>
     </a:lvl4pPr>
-    <a:lvl5pPr lvl="4" marR="0" rtl="0" algn="l">
+    <a:lvl5pPr marR="0" lvl="4" algn="l" rtl="0">
       <a:lnSpc>
         <a:spcPct val="100000"/>
       </a:lnSpc>
@@ -589,7 +605,7 @@
         <a:srgbClr val="000000"/>
       </a:buClr>
       <a:buFont typeface="Arial"/>
-      <a:defRPr b="0" i="0" sz="1400" u="none" cap="none" strike="noStrike">
+      <a:defRPr sz="1400" b="0" i="0" u="none" strike="noStrike" cap="none">
         <a:solidFill>
           <a:srgbClr val="000000"/>
         </a:solidFill>
@@ -599,7 +615,7 @@
         <a:sym typeface="Arial"/>
       </a:defRPr>
     </a:lvl5pPr>
-    <a:lvl6pPr lvl="5" marR="0" rtl="0" algn="l">
+    <a:lvl6pPr marR="0" lvl="5" algn="l" rtl="0">
       <a:lnSpc>
         <a:spcPct val="100000"/>
       </a:lnSpc>
@@ -613,7 +629,7 @@
         <a:srgbClr val="000000"/>
       </a:buClr>
       <a:buFont typeface="Arial"/>
-      <a:defRPr b="0" i="0" sz="1400" u="none" cap="none" strike="noStrike">
+      <a:defRPr sz="1400" b="0" i="0" u="none" strike="noStrike" cap="none">
         <a:solidFill>
           <a:srgbClr val="000000"/>
         </a:solidFill>
@@ -623,7 +639,7 @@
         <a:sym typeface="Arial"/>
       </a:defRPr>
     </a:lvl6pPr>
-    <a:lvl7pPr lvl="6" marR="0" rtl="0" algn="l">
+    <a:lvl7pPr marR="0" lvl="6" algn="l" rtl="0">
       <a:lnSpc>
         <a:spcPct val="100000"/>
       </a:lnSpc>
@@ -637,7 +653,7 @@
         <a:srgbClr val="000000"/>
       </a:buClr>
       <a:buFont typeface="Arial"/>
-      <a:defRPr b="0" i="0" sz="1400" u="none" cap="none" strike="noStrike">
+      <a:defRPr sz="1400" b="0" i="0" u="none" strike="noStrike" cap="none">
         <a:solidFill>
           <a:srgbClr val="000000"/>
         </a:solidFill>
@@ -647,7 +663,7 @@
         <a:sym typeface="Arial"/>
       </a:defRPr>
     </a:lvl7pPr>
-    <a:lvl8pPr lvl="7" marR="0" rtl="0" algn="l">
+    <a:lvl8pPr marR="0" lvl="7" algn="l" rtl="0">
       <a:lnSpc>
         <a:spcPct val="100000"/>
       </a:lnSpc>
@@ -661,7 +677,7 @@
         <a:srgbClr val="000000"/>
       </a:buClr>
       <a:buFont typeface="Arial"/>
-      <a:defRPr b="0" i="0" sz="1400" u="none" cap="none" strike="noStrike">
+      <a:defRPr sz="1400" b="0" i="0" u="none" strike="noStrike" cap="none">
         <a:solidFill>
           <a:srgbClr val="000000"/>
         </a:solidFill>
@@ -671,7 +687,7 @@
         <a:sym typeface="Arial"/>
       </a:defRPr>
     </a:lvl8pPr>
-    <a:lvl9pPr lvl="8" marR="0" rtl="0" algn="l">
+    <a:lvl9pPr marR="0" lvl="8" algn="l" rtl="0">
       <a:lnSpc>
         <a:spcPct val="100000"/>
       </a:lnSpc>
@@ -685,7 +701,7 @@
         <a:srgbClr val="000000"/>
       </a:buClr>
       <a:buFont typeface="Arial"/>
-      <a:defRPr b="0" i="0" sz="1400" u="none" cap="none" strike="noStrike">
+      <a:defRPr sz="1400" b="0" i="0" u="none" strike="noStrike" cap="none">
         <a:solidFill>
           <a:srgbClr val="000000"/>
         </a:solidFill>
@@ -700,11 +716,11 @@
 </file>
 
 <file path=ppt/notesSlides/notesSlide1.xml><?xml version="1.0" encoding="utf-8"?>
-<p:notes xmlns:a="http://schemas.openxmlformats.org/drawingml/2006/main" xmlns:r="http://schemas.openxmlformats.org/officeDocument/2006/relationships" xmlns:mc="http://schemas.openxmlformats.org/markup-compatibility/2006" xmlns:mv="urn:schemas-microsoft-com:mac:vml" xmlns:p="http://schemas.openxmlformats.org/presentationml/2006/main" xmlns:c="http://schemas.openxmlformats.org/drawingml/2006/chart" xmlns:dgm="http://schemas.openxmlformats.org/drawingml/2006/diagram" xmlns:o="urn:schemas-microsoft-com:office:office" xmlns:v="urn:schemas-microsoft-com:vml" xmlns:pvml="urn:schemas-microsoft-com:office:powerpoint" xmlns:com="http://schemas.openxmlformats.org/drawingml/2006/compatibility" xmlns:p14="http://schemas.microsoft.com/office/powerpoint/2010/main" xmlns:p15="http://schemas.microsoft.com/office/powerpoint/2012/main" xmlns:ahyp="http://schemas.microsoft.com/office/drawing/2018/hyperlinkcolor" showMasterPhAnim="0" showMasterSp="0">
+<p:notes xmlns:a="http://schemas.openxmlformats.org/drawingml/2006/main" xmlns:r="http://schemas.openxmlformats.org/officeDocument/2006/relationships" xmlns:p="http://schemas.openxmlformats.org/presentationml/2006/main" showMasterSp="0" showMasterPhAnim="0">
   <p:cSld>
     <p:spTree>
       <p:nvGrpSpPr>
-        <p:cNvPr id="55" name="Shape 55"/>
+        <p:cNvPr id="1" name="Shape 55"/>
         <p:cNvGrpSpPr/>
         <p:nvPr/>
       </p:nvGrpSpPr>
@@ -719,9 +735,11 @@
       <p:sp>
         <p:nvSpPr>
           <p:cNvPr id="56" name="Google Shape;56;p:notes"/>
-          <p:cNvSpPr/>
+          <p:cNvSpPr>
+            <a:spLocks noGrp="1" noRot="1" noChangeAspect="1"/>
+          </p:cNvSpPr>
           <p:nvPr>
-            <p:ph idx="2" type="sldImg"/>
+            <p:ph type="sldImg" idx="2"/>
           </p:nvPr>
         </p:nvSpPr>
         <p:spPr>
@@ -730,9 +748,13 @@
             <a:ext cx="6096075" cy="3429000"/>
           </a:xfrm>
           <a:custGeom>
-            <a:rect b="b" l="l" r="r" t="t"/>
+            <a:avLst/>
+            <a:gdLst/>
+            <a:ahLst/>
+            <a:cxnLst/>
+            <a:rect l="l" t="t" r="r" b="b"/>
             <a:pathLst>
-              <a:path extrusionOk="0" h="120000" w="120000">
+              <a:path w="120000" h="120000" extrusionOk="0">
                 <a:moveTo>
                   <a:pt x="0" y="0"/>
                 </a:moveTo>
@@ -754,9 +776,11 @@
       <p:sp>
         <p:nvSpPr>
           <p:cNvPr id="57" name="Google Shape;57;p:notes"/>
-          <p:cNvSpPr txBox="1"/>
+          <p:cNvSpPr txBox="1">
+            <a:spLocks noGrp="1"/>
+          </p:cNvSpPr>
           <p:nvPr>
-            <p:ph idx="1" type="body"/>
+            <p:ph type="body" idx="1"/>
           </p:nvPr>
         </p:nvSpPr>
         <p:spPr>
@@ -769,12 +793,12 @@
           </a:prstGeom>
         </p:spPr>
         <p:txBody>
-          <a:bodyPr anchorCtr="0" anchor="t" bIns="91425" lIns="91425" spcFirstLastPara="1" rIns="91425" wrap="square" tIns="91425">
+          <a:bodyPr spcFirstLastPara="1" wrap="square" lIns="91425" tIns="91425" rIns="91425" bIns="91425" anchor="t" anchorCtr="0">
             <a:noAutofit/>
           </a:bodyPr>
           <a:lstStyle/>
           <a:p>
-            <a:pPr indent="0" lvl="0" marL="0" rtl="0" algn="l">
+            <a:pPr marL="0" lvl="0" indent="0" algn="l" rtl="0">
               <a:spcBef>
                 <a:spcPts val="0"/>
               </a:spcBef>
@@ -783,9 +807,6 @@
               </a:spcAft>
               <a:buNone/>
             </a:pPr>
-            <a:r>
-              <a:t/>
-            </a:r>
             <a:endParaRPr/>
           </a:p>
         </p:txBody>
@@ -799,11 +820,11 @@
 </file>
 
 <file path=ppt/notesSlides/notesSlide2.xml><?xml version="1.0" encoding="utf-8"?>
-<p:notes xmlns:a="http://schemas.openxmlformats.org/drawingml/2006/main" xmlns:r="http://schemas.openxmlformats.org/officeDocument/2006/relationships" xmlns:mc="http://schemas.openxmlformats.org/markup-compatibility/2006" xmlns:mv="urn:schemas-microsoft-com:mac:vml" xmlns:p="http://schemas.openxmlformats.org/presentationml/2006/main" xmlns:c="http://schemas.openxmlformats.org/drawingml/2006/chart" xmlns:dgm="http://schemas.openxmlformats.org/drawingml/2006/diagram" xmlns:o="urn:schemas-microsoft-com:office:office" xmlns:v="urn:schemas-microsoft-com:vml" xmlns:pvml="urn:schemas-microsoft-com:office:powerpoint" xmlns:com="http://schemas.openxmlformats.org/drawingml/2006/compatibility" xmlns:p14="http://schemas.microsoft.com/office/powerpoint/2010/main" xmlns:p15="http://schemas.microsoft.com/office/powerpoint/2012/main" xmlns:ahyp="http://schemas.microsoft.com/office/drawing/2018/hyperlinkcolor" showMasterPhAnim="0" showMasterSp="0">
+<p:notes xmlns:a="http://schemas.openxmlformats.org/drawingml/2006/main" xmlns:r="http://schemas.openxmlformats.org/officeDocument/2006/relationships" xmlns:p="http://schemas.openxmlformats.org/presentationml/2006/main" showMasterSp="0" showMasterPhAnim="0">
   <p:cSld>
     <p:spTree>
       <p:nvGrpSpPr>
-        <p:cNvPr id="61" name="Shape 61"/>
+        <p:cNvPr id="1" name="Shape 61"/>
         <p:cNvGrpSpPr/>
         <p:nvPr/>
       </p:nvGrpSpPr>
@@ -818,20 +839,26 @@
       <p:sp>
         <p:nvSpPr>
           <p:cNvPr id="62" name="Google Shape;62;g1603d1cc2b6_0_0:notes"/>
-          <p:cNvSpPr/>
+          <p:cNvSpPr>
+            <a:spLocks noGrp="1" noRot="1" noChangeAspect="1"/>
+          </p:cNvSpPr>
           <p:nvPr>
-            <p:ph idx="2" type="sldImg"/>
+            <p:ph type="sldImg" idx="2"/>
           </p:nvPr>
         </p:nvSpPr>
         <p:spPr>
           <a:xfrm>
-            <a:off x="381300" y="685800"/>
+            <a:off x="381000" y="685800"/>
             <a:ext cx="6096000" cy="3429000"/>
           </a:xfrm>
           <a:custGeom>
-            <a:rect b="b" l="l" r="r" t="t"/>
+            <a:avLst/>
+            <a:gdLst/>
+            <a:ahLst/>
+            <a:cxnLst/>
+            <a:rect l="l" t="t" r="r" b="b"/>
             <a:pathLst>
-              <a:path extrusionOk="0" h="120000" w="120000">
+              <a:path w="120000" h="120000" extrusionOk="0">
                 <a:moveTo>
                   <a:pt x="0" y="0"/>
                 </a:moveTo>
@@ -853,9 +880,11 @@
       <p:sp>
         <p:nvSpPr>
           <p:cNvPr id="63" name="Google Shape;63;g1603d1cc2b6_0_0:notes"/>
-          <p:cNvSpPr txBox="1"/>
+          <p:cNvSpPr txBox="1">
+            <a:spLocks noGrp="1"/>
+          </p:cNvSpPr>
           <p:nvPr>
-            <p:ph idx="1" type="body"/>
+            <p:ph type="body" idx="1"/>
           </p:nvPr>
         </p:nvSpPr>
         <p:spPr>
@@ -868,12 +897,12 @@
           </a:prstGeom>
         </p:spPr>
         <p:txBody>
-          <a:bodyPr anchorCtr="0" anchor="t" bIns="91425" lIns="91425" spcFirstLastPara="1" rIns="91425" wrap="square" tIns="91425">
+          <a:bodyPr spcFirstLastPara="1" wrap="square" lIns="91425" tIns="91425" rIns="91425" bIns="91425" anchor="t" anchorCtr="0">
             <a:noAutofit/>
           </a:bodyPr>
           <a:lstStyle/>
           <a:p>
-            <a:pPr indent="0" lvl="0" marL="0" rtl="0" algn="l">
+            <a:pPr marL="0" lvl="0" indent="0" algn="l" rtl="0">
               <a:spcBef>
                 <a:spcPts val="0"/>
               </a:spcBef>
@@ -882,9 +911,6 @@
               </a:spcAft>
               <a:buNone/>
             </a:pPr>
-            <a:r>
-              <a:t/>
-            </a:r>
             <a:endParaRPr/>
           </a:p>
         </p:txBody>
@@ -898,11 +924,11 @@
 </file>
 
 <file path=ppt/notesSlides/notesSlide3.xml><?xml version="1.0" encoding="utf-8"?>
-<p:notes xmlns:a="http://schemas.openxmlformats.org/drawingml/2006/main" xmlns:r="http://schemas.openxmlformats.org/officeDocument/2006/relationships" xmlns:mc="http://schemas.openxmlformats.org/markup-compatibility/2006" xmlns:mv="urn:schemas-microsoft-com:mac:vml" xmlns:p="http://schemas.openxmlformats.org/presentationml/2006/main" xmlns:c="http://schemas.openxmlformats.org/drawingml/2006/chart" xmlns:dgm="http://schemas.openxmlformats.org/drawingml/2006/diagram" xmlns:o="urn:schemas-microsoft-com:office:office" xmlns:v="urn:schemas-microsoft-com:vml" xmlns:pvml="urn:schemas-microsoft-com:office:powerpoint" xmlns:com="http://schemas.openxmlformats.org/drawingml/2006/compatibility" xmlns:p14="http://schemas.microsoft.com/office/powerpoint/2010/main" xmlns:p15="http://schemas.microsoft.com/office/powerpoint/2012/main" xmlns:ahyp="http://schemas.microsoft.com/office/drawing/2018/hyperlinkcolor" showMasterPhAnim="0" showMasterSp="0">
+<p:notes xmlns:a="http://schemas.openxmlformats.org/drawingml/2006/main" xmlns:r="http://schemas.openxmlformats.org/officeDocument/2006/relationships" xmlns:p="http://schemas.openxmlformats.org/presentationml/2006/main" showMasterSp="0" showMasterPhAnim="0">
   <p:cSld>
     <p:spTree>
       <p:nvGrpSpPr>
-        <p:cNvPr id="67" name="Shape 67"/>
+        <p:cNvPr id="1" name="Shape 67"/>
         <p:cNvGrpSpPr/>
         <p:nvPr/>
       </p:nvGrpSpPr>
@@ -917,20 +943,26 @@
       <p:sp>
         <p:nvSpPr>
           <p:cNvPr id="68" name="Google Shape;68;g17a14cc0d0c_0_54:notes"/>
-          <p:cNvSpPr/>
+          <p:cNvSpPr>
+            <a:spLocks noGrp="1" noRot="1" noChangeAspect="1"/>
+          </p:cNvSpPr>
           <p:nvPr>
-            <p:ph idx="2" type="sldImg"/>
+            <p:ph type="sldImg" idx="2"/>
           </p:nvPr>
         </p:nvSpPr>
         <p:spPr>
           <a:xfrm>
-            <a:off x="381300" y="685800"/>
+            <a:off x="381000" y="685800"/>
             <a:ext cx="6096000" cy="3429000"/>
           </a:xfrm>
           <a:custGeom>
-            <a:rect b="b" l="l" r="r" t="t"/>
+            <a:avLst/>
+            <a:gdLst/>
+            <a:ahLst/>
+            <a:cxnLst/>
+            <a:rect l="l" t="t" r="r" b="b"/>
             <a:pathLst>
-              <a:path extrusionOk="0" h="120000" w="120000">
+              <a:path w="120000" h="120000" extrusionOk="0">
                 <a:moveTo>
                   <a:pt x="0" y="0"/>
                 </a:moveTo>
@@ -952,9 +984,11 @@
       <p:sp>
         <p:nvSpPr>
           <p:cNvPr id="69" name="Google Shape;69;g17a14cc0d0c_0_54:notes"/>
-          <p:cNvSpPr txBox="1"/>
+          <p:cNvSpPr txBox="1">
+            <a:spLocks noGrp="1"/>
+          </p:cNvSpPr>
           <p:nvPr>
-            <p:ph idx="1" type="body"/>
+            <p:ph type="body" idx="1"/>
           </p:nvPr>
         </p:nvSpPr>
         <p:spPr>
@@ -967,12 +1001,12 @@
           </a:prstGeom>
         </p:spPr>
         <p:txBody>
-          <a:bodyPr anchorCtr="0" anchor="t" bIns="91425" lIns="91425" spcFirstLastPara="1" rIns="91425" wrap="square" tIns="91425">
+          <a:bodyPr spcFirstLastPara="1" wrap="square" lIns="91425" tIns="91425" rIns="91425" bIns="91425" anchor="t" anchorCtr="0">
             <a:noAutofit/>
           </a:bodyPr>
           <a:lstStyle/>
           <a:p>
-            <a:pPr indent="0" lvl="0" marL="0" rtl="0" algn="l">
+            <a:pPr marL="0" lvl="0" indent="0" algn="l" rtl="0">
               <a:spcBef>
                 <a:spcPts val="0"/>
               </a:spcBef>
@@ -981,9 +1015,6 @@
               </a:spcAft>
               <a:buNone/>
             </a:pPr>
-            <a:r>
-              <a:t/>
-            </a:r>
             <a:endParaRPr/>
           </a:p>
         </p:txBody>
@@ -997,11 +1028,11 @@
 </file>
 
 <file path=ppt/notesSlides/notesSlide4.xml><?xml version="1.0" encoding="utf-8"?>
-<p:notes xmlns:a="http://schemas.openxmlformats.org/drawingml/2006/main" xmlns:r="http://schemas.openxmlformats.org/officeDocument/2006/relationships" xmlns:mc="http://schemas.openxmlformats.org/markup-compatibility/2006" xmlns:mv="urn:schemas-microsoft-com:mac:vml" xmlns:p="http://schemas.openxmlformats.org/presentationml/2006/main" xmlns:c="http://schemas.openxmlformats.org/drawingml/2006/chart" xmlns:dgm="http://schemas.openxmlformats.org/drawingml/2006/diagram" xmlns:o="urn:schemas-microsoft-com:office:office" xmlns:v="urn:schemas-microsoft-com:vml" xmlns:pvml="urn:schemas-microsoft-com:office:powerpoint" xmlns:com="http://schemas.openxmlformats.org/drawingml/2006/compatibility" xmlns:p14="http://schemas.microsoft.com/office/powerpoint/2010/main" xmlns:p15="http://schemas.microsoft.com/office/powerpoint/2012/main" xmlns:ahyp="http://schemas.microsoft.com/office/drawing/2018/hyperlinkcolor" showMasterPhAnim="0" showMasterSp="0">
+<p:notes xmlns:a="http://schemas.openxmlformats.org/drawingml/2006/main" xmlns:r="http://schemas.openxmlformats.org/officeDocument/2006/relationships" xmlns:p="http://schemas.openxmlformats.org/presentationml/2006/main" showMasterSp="0" showMasterPhAnim="0">
   <p:cSld>
     <p:spTree>
       <p:nvGrpSpPr>
-        <p:cNvPr id="91" name="Shape 91"/>
+        <p:cNvPr id="1" name="Shape 91"/>
         <p:cNvGrpSpPr/>
         <p:nvPr/>
       </p:nvGrpSpPr>
@@ -1016,20 +1047,26 @@
       <p:sp>
         <p:nvSpPr>
           <p:cNvPr id="92" name="Google Shape;92;g17a14cc0d0c_0_0:notes"/>
-          <p:cNvSpPr/>
+          <p:cNvSpPr>
+            <a:spLocks noGrp="1" noRot="1" noChangeAspect="1"/>
+          </p:cNvSpPr>
           <p:nvPr>
-            <p:ph idx="2" type="sldImg"/>
+            <p:ph type="sldImg" idx="2"/>
           </p:nvPr>
         </p:nvSpPr>
         <p:spPr>
           <a:xfrm>
-            <a:off x="381300" y="685800"/>
+            <a:off x="381000" y="685800"/>
             <a:ext cx="6096000" cy="3429000"/>
           </a:xfrm>
           <a:custGeom>
-            <a:rect b="b" l="l" r="r" t="t"/>
+            <a:avLst/>
+            <a:gdLst/>
+            <a:ahLst/>
+            <a:cxnLst/>
+            <a:rect l="l" t="t" r="r" b="b"/>
             <a:pathLst>
-              <a:path extrusionOk="0" h="120000" w="120000">
+              <a:path w="120000" h="120000" extrusionOk="0">
                 <a:moveTo>
                   <a:pt x="0" y="0"/>
                 </a:moveTo>
@@ -1051,9 +1088,11 @@
       <p:sp>
         <p:nvSpPr>
           <p:cNvPr id="93" name="Google Shape;93;g17a14cc0d0c_0_0:notes"/>
-          <p:cNvSpPr txBox="1"/>
+          <p:cNvSpPr txBox="1">
+            <a:spLocks noGrp="1"/>
+          </p:cNvSpPr>
           <p:nvPr>
-            <p:ph idx="1" type="body"/>
+            <p:ph type="body" idx="1"/>
           </p:nvPr>
         </p:nvSpPr>
         <p:spPr>
@@ -1066,12 +1105,12 @@
           </a:prstGeom>
         </p:spPr>
         <p:txBody>
-          <a:bodyPr anchorCtr="0" anchor="t" bIns="91425" lIns="91425" spcFirstLastPara="1" rIns="91425" wrap="square" tIns="91425">
+          <a:bodyPr spcFirstLastPara="1" wrap="square" lIns="91425" tIns="91425" rIns="91425" bIns="91425" anchor="t" anchorCtr="0">
             <a:noAutofit/>
           </a:bodyPr>
           <a:lstStyle/>
           <a:p>
-            <a:pPr indent="0" lvl="0" marL="0" rtl="0" algn="l">
+            <a:pPr marL="0" lvl="0" indent="0" algn="l" rtl="0">
               <a:spcBef>
                 <a:spcPts val="0"/>
               </a:spcBef>
@@ -1080,9 +1119,6 @@
               </a:spcAft>
               <a:buNone/>
             </a:pPr>
-            <a:r>
-              <a:t/>
-            </a:r>
             <a:endParaRPr/>
           </a:p>
         </p:txBody>
@@ -1096,11 +1132,11 @@
 </file>
 
 <file path=ppt/notesSlides/notesSlide5.xml><?xml version="1.0" encoding="utf-8"?>
-<p:notes xmlns:a="http://schemas.openxmlformats.org/drawingml/2006/main" xmlns:r="http://schemas.openxmlformats.org/officeDocument/2006/relationships" xmlns:mc="http://schemas.openxmlformats.org/markup-compatibility/2006" xmlns:mv="urn:schemas-microsoft-com:mac:vml" xmlns:p="http://schemas.openxmlformats.org/presentationml/2006/main" xmlns:c="http://schemas.openxmlformats.org/drawingml/2006/chart" xmlns:dgm="http://schemas.openxmlformats.org/drawingml/2006/diagram" xmlns:o="urn:schemas-microsoft-com:office:office" xmlns:v="urn:schemas-microsoft-com:vml" xmlns:pvml="urn:schemas-microsoft-com:office:powerpoint" xmlns:com="http://schemas.openxmlformats.org/drawingml/2006/compatibility" xmlns:p14="http://schemas.microsoft.com/office/powerpoint/2010/main" xmlns:p15="http://schemas.microsoft.com/office/powerpoint/2012/main" xmlns:ahyp="http://schemas.microsoft.com/office/drawing/2018/hyperlinkcolor" showMasterPhAnim="0" showMasterSp="0">
+<p:notes xmlns:a="http://schemas.openxmlformats.org/drawingml/2006/main" xmlns:r="http://schemas.openxmlformats.org/officeDocument/2006/relationships" xmlns:p="http://schemas.openxmlformats.org/presentationml/2006/main" showMasterSp="0" showMasterPhAnim="0">
   <p:cSld>
     <p:spTree>
       <p:nvGrpSpPr>
-        <p:cNvPr id="126" name="Shape 126"/>
+        <p:cNvPr id="1" name="Shape 126"/>
         <p:cNvGrpSpPr/>
         <p:nvPr/>
       </p:nvGrpSpPr>
@@ -1115,20 +1151,26 @@
       <p:sp>
         <p:nvSpPr>
           <p:cNvPr id="127" name="Google Shape;127;g16b0ca37848_0_165:notes"/>
-          <p:cNvSpPr/>
+          <p:cNvSpPr>
+            <a:spLocks noGrp="1" noRot="1" noChangeAspect="1"/>
+          </p:cNvSpPr>
           <p:nvPr>
-            <p:ph idx="2" type="sldImg"/>
+            <p:ph type="sldImg" idx="2"/>
           </p:nvPr>
         </p:nvSpPr>
         <p:spPr>
           <a:xfrm>
-            <a:off x="381300" y="685800"/>
+            <a:off x="381000" y="685800"/>
             <a:ext cx="6096000" cy="3429000"/>
           </a:xfrm>
           <a:custGeom>
-            <a:rect b="b" l="l" r="r" t="t"/>
+            <a:avLst/>
+            <a:gdLst/>
+            <a:ahLst/>
+            <a:cxnLst/>
+            <a:rect l="l" t="t" r="r" b="b"/>
             <a:pathLst>
-              <a:path extrusionOk="0" h="120000" w="120000">
+              <a:path w="120000" h="120000" extrusionOk="0">
                 <a:moveTo>
                   <a:pt x="0" y="0"/>
                 </a:moveTo>
@@ -1150,9 +1192,11 @@
       <p:sp>
         <p:nvSpPr>
           <p:cNvPr id="128" name="Google Shape;128;g16b0ca37848_0_165:notes"/>
-          <p:cNvSpPr txBox="1"/>
+          <p:cNvSpPr txBox="1">
+            <a:spLocks noGrp="1"/>
+          </p:cNvSpPr>
           <p:nvPr>
-            <p:ph idx="1" type="body"/>
+            <p:ph type="body" idx="1"/>
           </p:nvPr>
         </p:nvSpPr>
         <p:spPr>
@@ -1165,12 +1209,12 @@
           </a:prstGeom>
         </p:spPr>
         <p:txBody>
-          <a:bodyPr anchorCtr="0" anchor="t" bIns="91425" lIns="91425" spcFirstLastPara="1" rIns="91425" wrap="square" tIns="91425">
+          <a:bodyPr spcFirstLastPara="1" wrap="square" lIns="91425" tIns="91425" rIns="91425" bIns="91425" anchor="t" anchorCtr="0">
             <a:noAutofit/>
           </a:bodyPr>
           <a:lstStyle/>
           <a:p>
-            <a:pPr indent="0" lvl="0" marL="0" rtl="0" algn="l">
+            <a:pPr marL="0" lvl="0" indent="0" algn="l" rtl="0">
               <a:spcBef>
                 <a:spcPts val="0"/>
               </a:spcBef>
@@ -1179,13 +1223,10 @@
               </a:spcAft>
               <a:buNone/>
             </a:pPr>
-            <a:r>
-              <a:t/>
-            </a:r>
             <a:endParaRPr/>
           </a:p>
           <a:p>
-            <a:pPr indent="0" lvl="0" marL="0" rtl="0" algn="l">
+            <a:pPr marL="0" lvl="0" indent="0" algn="l" rtl="0">
               <a:spcBef>
                 <a:spcPts val="0"/>
               </a:spcBef>
@@ -1194,9 +1235,6 @@
               </a:spcAft>
               <a:buNone/>
             </a:pPr>
-            <a:r>
-              <a:t/>
-            </a:r>
             <a:endParaRPr/>
           </a:p>
         </p:txBody>
@@ -1210,11 +1248,11 @@
 </file>
 
 <file path=ppt/notesSlides/notesSlide6.xml><?xml version="1.0" encoding="utf-8"?>
-<p:notes xmlns:a="http://schemas.openxmlformats.org/drawingml/2006/main" xmlns:r="http://schemas.openxmlformats.org/officeDocument/2006/relationships" xmlns:mc="http://schemas.openxmlformats.org/markup-compatibility/2006" xmlns:mv="urn:schemas-microsoft-com:mac:vml" xmlns:p="http://schemas.openxmlformats.org/presentationml/2006/main" xmlns:c="http://schemas.openxmlformats.org/drawingml/2006/chart" xmlns:dgm="http://schemas.openxmlformats.org/drawingml/2006/diagram" xmlns:o="urn:schemas-microsoft-com:office:office" xmlns:v="urn:schemas-microsoft-com:vml" xmlns:pvml="urn:schemas-microsoft-com:office:powerpoint" xmlns:com="http://schemas.openxmlformats.org/drawingml/2006/compatibility" xmlns:p14="http://schemas.microsoft.com/office/powerpoint/2010/main" xmlns:p15="http://schemas.microsoft.com/office/powerpoint/2012/main" xmlns:ahyp="http://schemas.microsoft.com/office/drawing/2018/hyperlinkcolor" showMasterPhAnim="0" showMasterSp="0">
+<p:notes xmlns:a="http://schemas.openxmlformats.org/drawingml/2006/main" xmlns:r="http://schemas.openxmlformats.org/officeDocument/2006/relationships" xmlns:p="http://schemas.openxmlformats.org/presentationml/2006/main" showMasterSp="0" showMasterPhAnim="0">
   <p:cSld>
     <p:spTree>
       <p:nvGrpSpPr>
-        <p:cNvPr id="132" name="Shape 132"/>
+        <p:cNvPr id="1" name="Shape 132"/>
         <p:cNvGrpSpPr/>
         <p:nvPr/>
       </p:nvGrpSpPr>
@@ -1229,9 +1267,11 @@
       <p:sp>
         <p:nvSpPr>
           <p:cNvPr id="133" name="Google Shape;133;g1603d1cc2b6_0_15:notes"/>
-          <p:cNvSpPr/>
+          <p:cNvSpPr>
+            <a:spLocks noGrp="1" noRot="1" noChangeAspect="1"/>
+          </p:cNvSpPr>
           <p:nvPr>
-            <p:ph idx="2" type="sldImg"/>
+            <p:ph type="sldImg" idx="2"/>
           </p:nvPr>
         </p:nvSpPr>
         <p:spPr>
@@ -1240,9 +1280,13 @@
             <a:ext cx="6096000" cy="3429000"/>
           </a:xfrm>
           <a:custGeom>
-            <a:rect b="b" l="l" r="r" t="t"/>
+            <a:avLst/>
+            <a:gdLst/>
+            <a:ahLst/>
+            <a:cxnLst/>
+            <a:rect l="l" t="t" r="r" b="b"/>
             <a:pathLst>
-              <a:path extrusionOk="0" h="120000" w="120000">
+              <a:path w="120000" h="120000" extrusionOk="0">
                 <a:moveTo>
                   <a:pt x="0" y="0"/>
                 </a:moveTo>
@@ -1264,9 +1308,11 @@
       <p:sp>
         <p:nvSpPr>
           <p:cNvPr id="134" name="Google Shape;134;g1603d1cc2b6_0_15:notes"/>
-          <p:cNvSpPr txBox="1"/>
+          <p:cNvSpPr txBox="1">
+            <a:spLocks noGrp="1"/>
+          </p:cNvSpPr>
           <p:nvPr>
-            <p:ph idx="1" type="body"/>
+            <p:ph type="body" idx="1"/>
           </p:nvPr>
         </p:nvSpPr>
         <p:spPr>
@@ -1279,12 +1325,12 @@
           </a:prstGeom>
         </p:spPr>
         <p:txBody>
-          <a:bodyPr anchorCtr="0" anchor="t" bIns="91425" lIns="91425" spcFirstLastPara="1" rIns="91425" wrap="square" tIns="91425">
+          <a:bodyPr spcFirstLastPara="1" wrap="square" lIns="91425" tIns="91425" rIns="91425" bIns="91425" anchor="t" anchorCtr="0">
             <a:noAutofit/>
           </a:bodyPr>
           <a:lstStyle/>
           <a:p>
-            <a:pPr indent="0" lvl="0" marL="0" rtl="0" algn="l">
+            <a:pPr marL="0" lvl="0" indent="0" algn="l" rtl="0">
               <a:spcBef>
                 <a:spcPts val="0"/>
               </a:spcBef>
@@ -1293,9 +1339,6 @@
               </a:spcAft>
               <a:buNone/>
             </a:pPr>
-            <a:r>
-              <a:t/>
-            </a:r>
             <a:endParaRPr/>
           </a:p>
         </p:txBody>
@@ -1309,18 +1352,19 @@
 </file>
 
 <file path=ppt/slideLayouts/slideLayout1.xml><?xml version="1.0" encoding="utf-8"?>
-<p:sldLayout xmlns:a="http://schemas.openxmlformats.org/drawingml/2006/main" xmlns:r="http://schemas.openxmlformats.org/officeDocument/2006/relationships" xmlns:mc="http://schemas.openxmlformats.org/markup-compatibility/2006" xmlns:mv="urn:schemas-microsoft-com:mac:vml" xmlns:p="http://schemas.openxmlformats.org/presentationml/2006/main" xmlns:c="http://schemas.openxmlformats.org/drawingml/2006/chart" xmlns:dgm="http://schemas.openxmlformats.org/drawingml/2006/diagram" xmlns:o="urn:schemas-microsoft-com:office:office" xmlns:v="urn:schemas-microsoft-com:vml" xmlns:pvml="urn:schemas-microsoft-com:office:powerpoint" xmlns:com="http://schemas.openxmlformats.org/drawingml/2006/compatibility" xmlns:p14="http://schemas.microsoft.com/office/powerpoint/2010/main" xmlns:p15="http://schemas.microsoft.com/office/powerpoint/2012/main" xmlns:ahyp="http://schemas.microsoft.com/office/drawing/2018/hyperlinkcolor" matchingName="Title slide" type="title">
+<p:sldLayout xmlns:a="http://schemas.openxmlformats.org/drawingml/2006/main" xmlns:r="http://schemas.openxmlformats.org/officeDocument/2006/relationships" xmlns:p="http://schemas.openxmlformats.org/presentationml/2006/main" matchingName="Title slide" type="title">
   <p:cSld name="TITLE">
     <p:bg>
       <p:bgPr>
         <a:solidFill>
           <a:schemeClr val="dk1"/>
         </a:solidFill>
+        <a:effectLst/>
       </p:bgPr>
     </p:bg>
     <p:spTree>
       <p:nvGrpSpPr>
-        <p:cNvPr id="9" name="Shape 9"/>
+        <p:cNvPr id="1" name="Shape 9"/>
         <p:cNvGrpSpPr/>
         <p:nvPr/>
       </p:nvGrpSpPr>
@@ -1354,12 +1398,12 @@
           </a:ln>
         </p:spPr>
         <p:txBody>
-          <a:bodyPr anchorCtr="0" anchor="ctr" bIns="91425" lIns="91425" spcFirstLastPara="1" rIns="91425" wrap="square" tIns="91425">
+          <a:bodyPr spcFirstLastPara="1" wrap="square" lIns="91425" tIns="91425" rIns="91425" bIns="91425" anchor="ctr" anchorCtr="0">
             <a:noAutofit/>
           </a:bodyPr>
           <a:lstStyle/>
           <a:p>
-            <a:pPr indent="0" lvl="0" marL="0" rtl="0" algn="l">
+            <a:pPr marL="0" lvl="0" indent="0" algn="l" rtl="0">
               <a:spcBef>
                 <a:spcPts val="0"/>
               </a:spcBef>
@@ -1368,9 +1412,6 @@
               </a:spcAft>
               <a:buNone/>
             </a:pPr>
-            <a:r>
-              <a:t/>
-            </a:r>
             <a:endParaRPr/>
           </a:p>
         </p:txBody>
@@ -1390,21 +1431,23 @@
             <a:avLst/>
           </a:prstGeom>
           <a:noFill/>
-          <a:ln cap="flat" cmpd="sng" w="28575">
+          <a:ln w="28575" cap="flat" cmpd="sng">
             <a:solidFill>
               <a:schemeClr val="accent1"/>
             </a:solidFill>
             <a:prstDash val="solid"/>
             <a:round/>
-            <a:headEnd len="sm" w="sm" type="none"/>
-            <a:tailEnd len="sm" w="sm" type="none"/>
+            <a:headEnd type="none" w="sm" len="sm"/>
+            <a:tailEnd type="none" w="sm" len="sm"/>
           </a:ln>
         </p:spPr>
       </p:cxnSp>
       <p:sp>
         <p:nvSpPr>
           <p:cNvPr id="12" name="Google Shape;12;p2"/>
-          <p:cNvSpPr txBox="1"/>
+          <p:cNvSpPr txBox="1">
+            <a:spLocks noGrp="1"/>
+          </p:cNvSpPr>
           <p:nvPr>
             <p:ph type="ctrTitle"/>
           </p:nvPr>
@@ -1419,7 +1462,7 @@
           </a:prstGeom>
         </p:spPr>
         <p:txBody>
-          <a:bodyPr anchorCtr="0" anchor="b" bIns="91425" lIns="91425" spcFirstLastPara="1" rIns="91425" wrap="square" tIns="91425">
+          <a:bodyPr spcFirstLastPara="1" wrap="square" lIns="91425" tIns="91425" rIns="91425" bIns="91425" anchor="b" anchorCtr="0">
             <a:normAutofit/>
           </a:bodyPr>
           <a:lstStyle>
@@ -1586,15 +1629,19 @@
               </a:defRPr>
             </a:lvl9pPr>
           </a:lstStyle>
-          <a:p/>
+          <a:p>
+            <a:endParaRPr/>
+          </a:p>
         </p:txBody>
       </p:sp>
       <p:sp>
         <p:nvSpPr>
           <p:cNvPr id="13" name="Google Shape;13;p2"/>
-          <p:cNvSpPr txBox="1"/>
+          <p:cNvSpPr txBox="1">
+            <a:spLocks noGrp="1"/>
+          </p:cNvSpPr>
           <p:nvPr>
-            <p:ph idx="1" type="subTitle"/>
+            <p:ph type="subTitle" idx="1"/>
           </p:nvPr>
         </p:nvSpPr>
         <p:spPr>
@@ -1607,7 +1654,7 @@
           </a:prstGeom>
         </p:spPr>
         <p:txBody>
-          <a:bodyPr anchorCtr="0" anchor="t" bIns="91425" lIns="91425" spcFirstLastPara="1" rIns="91425" wrap="square" tIns="91425">
+          <a:bodyPr spcFirstLastPara="1" wrap="square" lIns="91425" tIns="91425" rIns="91425" bIns="91425" anchor="t" anchorCtr="0">
             <a:normAutofit/>
           </a:bodyPr>
           <a:lstStyle>
@@ -1801,15 +1848,19 @@
               </a:defRPr>
             </a:lvl9pPr>
           </a:lstStyle>
-          <a:p/>
+          <a:p>
+            <a:endParaRPr/>
+          </a:p>
         </p:txBody>
       </p:sp>
       <p:sp>
         <p:nvSpPr>
           <p:cNvPr id="14" name="Google Shape;14;p2"/>
-          <p:cNvSpPr txBox="1"/>
+          <p:cNvSpPr txBox="1">
+            <a:spLocks noGrp="1"/>
+          </p:cNvSpPr>
           <p:nvPr>
-            <p:ph idx="12" type="sldNum"/>
+            <p:ph type="sldNum" idx="12"/>
           </p:nvPr>
         </p:nvSpPr>
         <p:spPr>
@@ -1822,7 +1873,7 @@
           </a:prstGeom>
         </p:spPr>
         <p:txBody>
-          <a:bodyPr anchorCtr="0" anchor="ctr" bIns="91425" lIns="91425" spcFirstLastPara="1" rIns="91425" wrap="square" tIns="91425">
+          <a:bodyPr spcFirstLastPara="1" wrap="square" lIns="91425" tIns="91425" rIns="91425" bIns="91425" anchor="ctr" anchorCtr="0">
             <a:normAutofit/>
           </a:bodyPr>
           <a:lstStyle>
@@ -1900,7 +1951,7 @@
             </a:lvl9pPr>
           </a:lstStyle>
           <a:p>
-            <a:pPr indent="0" lvl="0" marL="0" rtl="0" algn="r">
+            <a:pPr marL="0" lvl="0" indent="0" algn="r" rtl="0">
               <a:spcBef>
                 <a:spcPts val="0"/>
               </a:spcBef>
@@ -1926,11 +1977,11 @@
 </file>
 
 <file path=ppt/slideLayouts/slideLayout10.xml><?xml version="1.0" encoding="utf-8"?>
-<p:sldLayout xmlns:a="http://schemas.openxmlformats.org/drawingml/2006/main" xmlns:r="http://schemas.openxmlformats.org/officeDocument/2006/relationships" xmlns:mc="http://schemas.openxmlformats.org/markup-compatibility/2006" xmlns:mv="urn:schemas-microsoft-com:mac:vml" xmlns:p="http://schemas.openxmlformats.org/presentationml/2006/main" xmlns:c="http://schemas.openxmlformats.org/drawingml/2006/chart" xmlns:dgm="http://schemas.openxmlformats.org/drawingml/2006/diagram" xmlns:o="urn:schemas-microsoft-com:office:office" xmlns:v="urn:schemas-microsoft-com:vml" xmlns:pvml="urn:schemas-microsoft-com:office:powerpoint" xmlns:com="http://schemas.openxmlformats.org/drawingml/2006/compatibility" xmlns:p14="http://schemas.microsoft.com/office/powerpoint/2010/main" xmlns:p15="http://schemas.microsoft.com/office/powerpoint/2012/main" xmlns:ahyp="http://schemas.microsoft.com/office/drawing/2018/hyperlinkcolor" matchingName="Big number">
+<p:sldLayout xmlns:a="http://schemas.openxmlformats.org/drawingml/2006/main" xmlns:r="http://schemas.openxmlformats.org/officeDocument/2006/relationships" xmlns:p="http://schemas.openxmlformats.org/presentationml/2006/main" matchingName="Big number">
   <p:cSld name="BIG_NUMBER">
     <p:spTree>
       <p:nvGrpSpPr>
-        <p:cNvPr id="49" name="Shape 49"/>
+        <p:cNvPr id="1" name="Shape 49"/>
         <p:cNvGrpSpPr/>
         <p:nvPr/>
       </p:nvGrpSpPr>
@@ -1945,9 +1996,11 @@
       <p:sp>
         <p:nvSpPr>
           <p:cNvPr id="50" name="Google Shape;50;p11"/>
-          <p:cNvSpPr txBox="1"/>
+          <p:cNvSpPr txBox="1">
+            <a:spLocks noGrp="1"/>
+          </p:cNvSpPr>
           <p:nvPr>
-            <p:ph hasCustomPrompt="1" type="title"/>
+            <p:ph type="title" hasCustomPrompt="1"/>
           </p:nvPr>
         </p:nvSpPr>
         <p:spPr>
@@ -1960,7 +2013,7 @@
           </a:prstGeom>
         </p:spPr>
         <p:txBody>
-          <a:bodyPr anchorCtr="0" anchor="b" bIns="91425" lIns="91425" spcFirstLastPara="1" rIns="91425" wrap="square" tIns="91425">
+          <a:bodyPr spcFirstLastPara="1" wrap="square" lIns="91425" tIns="91425" rIns="91425" bIns="91425" anchor="b" anchorCtr="0">
             <a:normAutofit/>
           </a:bodyPr>
           <a:lstStyle>
@@ -1973,7 +2026,7 @@
               </a:spcAft>
               <a:buSzPts val="14000"/>
               <a:buNone/>
-              <a:defRPr b="1" sz="14000"/>
+              <a:defRPr sz="14000" b="1"/>
             </a:lvl1pPr>
             <a:lvl2pPr lvl="1" algn="ctr">
               <a:spcBef>
@@ -1984,7 +2037,7 @@
               </a:spcAft>
               <a:buSzPts val="14000"/>
               <a:buNone/>
-              <a:defRPr b="1" sz="14000"/>
+              <a:defRPr sz="14000" b="1"/>
             </a:lvl2pPr>
             <a:lvl3pPr lvl="2" algn="ctr">
               <a:spcBef>
@@ -1995,7 +2048,7 @@
               </a:spcAft>
               <a:buSzPts val="14000"/>
               <a:buNone/>
-              <a:defRPr b="1" sz="14000"/>
+              <a:defRPr sz="14000" b="1"/>
             </a:lvl3pPr>
             <a:lvl4pPr lvl="3" algn="ctr">
               <a:spcBef>
@@ -2006,7 +2059,7 @@
               </a:spcAft>
               <a:buSzPts val="14000"/>
               <a:buNone/>
-              <a:defRPr b="1" sz="14000"/>
+              <a:defRPr sz="14000" b="1"/>
             </a:lvl4pPr>
             <a:lvl5pPr lvl="4" algn="ctr">
               <a:spcBef>
@@ -2017,7 +2070,7 @@
               </a:spcAft>
               <a:buSzPts val="14000"/>
               <a:buNone/>
-              <a:defRPr b="1" sz="14000"/>
+              <a:defRPr sz="14000" b="1"/>
             </a:lvl5pPr>
             <a:lvl6pPr lvl="5" algn="ctr">
               <a:spcBef>
@@ -2028,7 +2081,7 @@
               </a:spcAft>
               <a:buSzPts val="14000"/>
               <a:buNone/>
-              <a:defRPr b="1" sz="14000"/>
+              <a:defRPr sz="14000" b="1"/>
             </a:lvl6pPr>
             <a:lvl7pPr lvl="6" algn="ctr">
               <a:spcBef>
@@ -2039,7 +2092,7 @@
               </a:spcAft>
               <a:buSzPts val="14000"/>
               <a:buNone/>
-              <a:defRPr b="1" sz="14000"/>
+              <a:defRPr sz="14000" b="1"/>
             </a:lvl7pPr>
             <a:lvl8pPr lvl="7" algn="ctr">
               <a:spcBef>
@@ -2050,7 +2103,7 @@
               </a:spcAft>
               <a:buSzPts val="14000"/>
               <a:buNone/>
-              <a:defRPr b="1" sz="14000"/>
+              <a:defRPr sz="14000" b="1"/>
             </a:lvl8pPr>
             <a:lvl9pPr lvl="8" algn="ctr">
               <a:spcBef>
@@ -2061,7 +2114,7 @@
               </a:spcAft>
               <a:buSzPts val="14000"/>
               <a:buNone/>
-              <a:defRPr b="1" sz="14000"/>
+              <a:defRPr sz="14000" b="1"/>
             </a:lvl9pPr>
           </a:lstStyle>
           <a:p>
@@ -2074,9 +2127,11 @@
       <p:sp>
         <p:nvSpPr>
           <p:cNvPr id="51" name="Google Shape;51;p11"/>
-          <p:cNvSpPr txBox="1"/>
+          <p:cNvSpPr txBox="1">
+            <a:spLocks noGrp="1"/>
+          </p:cNvSpPr>
           <p:nvPr>
-            <p:ph idx="1" type="body"/>
+            <p:ph type="body" idx="1"/>
           </p:nvPr>
         </p:nvSpPr>
         <p:spPr>
@@ -2089,11 +2144,11 @@
           </a:prstGeom>
         </p:spPr>
         <p:txBody>
-          <a:bodyPr anchorCtr="0" anchor="t" bIns="91425" lIns="91425" spcFirstLastPara="1" rIns="91425" wrap="square" tIns="91425">
+          <a:bodyPr spcFirstLastPara="1" wrap="square" lIns="91425" tIns="91425" rIns="91425" bIns="91425" anchor="t" anchorCtr="0">
             <a:normAutofit/>
           </a:bodyPr>
           <a:lstStyle>
-            <a:lvl1pPr indent="-342900" lvl="0" marL="457200" algn="ctr">
+            <a:lvl1pPr marL="457200" lvl="0" indent="-342900" algn="ctr">
               <a:spcBef>
                 <a:spcPts val="0"/>
               </a:spcBef>
@@ -2104,7 +2159,7 @@
               <a:buChar char="●"/>
               <a:defRPr/>
             </a:lvl1pPr>
-            <a:lvl2pPr indent="-317500" lvl="1" marL="914400" algn="ctr">
+            <a:lvl2pPr marL="914400" lvl="1" indent="-317500" algn="ctr">
               <a:spcBef>
                 <a:spcPts val="0"/>
               </a:spcBef>
@@ -2115,7 +2170,7 @@
               <a:buChar char="○"/>
               <a:defRPr/>
             </a:lvl2pPr>
-            <a:lvl3pPr indent="-317500" lvl="2" marL="1371600" algn="ctr">
+            <a:lvl3pPr marL="1371600" lvl="2" indent="-317500" algn="ctr">
               <a:spcBef>
                 <a:spcPts val="0"/>
               </a:spcBef>
@@ -2126,7 +2181,7 @@
               <a:buChar char="■"/>
               <a:defRPr/>
             </a:lvl3pPr>
-            <a:lvl4pPr indent="-317500" lvl="3" marL="1828800" algn="ctr">
+            <a:lvl4pPr marL="1828800" lvl="3" indent="-317500" algn="ctr">
               <a:spcBef>
                 <a:spcPts val="0"/>
               </a:spcBef>
@@ -2137,7 +2192,7 @@
               <a:buChar char="●"/>
               <a:defRPr/>
             </a:lvl4pPr>
-            <a:lvl5pPr indent="-317500" lvl="4" marL="2286000" algn="ctr">
+            <a:lvl5pPr marL="2286000" lvl="4" indent="-317500" algn="ctr">
               <a:spcBef>
                 <a:spcPts val="0"/>
               </a:spcBef>
@@ -2148,7 +2203,7 @@
               <a:buChar char="○"/>
               <a:defRPr/>
             </a:lvl5pPr>
-            <a:lvl6pPr indent="-317500" lvl="5" marL="2743200" algn="ctr">
+            <a:lvl6pPr marL="2743200" lvl="5" indent="-317500" algn="ctr">
               <a:spcBef>
                 <a:spcPts val="0"/>
               </a:spcBef>
@@ -2159,7 +2214,7 @@
               <a:buChar char="■"/>
               <a:defRPr/>
             </a:lvl6pPr>
-            <a:lvl7pPr indent="-317500" lvl="6" marL="3200400" algn="ctr">
+            <a:lvl7pPr marL="3200400" lvl="6" indent="-317500" algn="ctr">
               <a:spcBef>
                 <a:spcPts val="0"/>
               </a:spcBef>
@@ -2170,7 +2225,7 @@
               <a:buChar char="●"/>
               <a:defRPr/>
             </a:lvl7pPr>
-            <a:lvl8pPr indent="-317500" lvl="7" marL="3657600" algn="ctr">
+            <a:lvl8pPr marL="3657600" lvl="7" indent="-317500" algn="ctr">
               <a:spcBef>
                 <a:spcPts val="0"/>
               </a:spcBef>
@@ -2181,7 +2236,7 @@
               <a:buChar char="○"/>
               <a:defRPr/>
             </a:lvl8pPr>
-            <a:lvl9pPr indent="-317500" lvl="8" marL="4114800" algn="ctr">
+            <a:lvl9pPr marL="4114800" lvl="8" indent="-317500" algn="ctr">
               <a:spcBef>
                 <a:spcPts val="0"/>
               </a:spcBef>
@@ -2193,15 +2248,19 @@
               <a:defRPr/>
             </a:lvl9pPr>
           </a:lstStyle>
-          <a:p/>
+          <a:p>
+            <a:endParaRPr/>
+          </a:p>
         </p:txBody>
       </p:sp>
       <p:sp>
         <p:nvSpPr>
           <p:cNvPr id="52" name="Google Shape;52;p11"/>
-          <p:cNvSpPr txBox="1"/>
+          <p:cNvSpPr txBox="1">
+            <a:spLocks noGrp="1"/>
+          </p:cNvSpPr>
           <p:nvPr>
-            <p:ph idx="12" type="sldNum"/>
+            <p:ph type="sldNum" idx="12"/>
           </p:nvPr>
         </p:nvSpPr>
         <p:spPr>
@@ -2214,7 +2273,7 @@
           </a:prstGeom>
         </p:spPr>
         <p:txBody>
-          <a:bodyPr anchorCtr="0" anchor="ctr" bIns="91425" lIns="91425" spcFirstLastPara="1" rIns="91425" wrap="square" tIns="91425">
+          <a:bodyPr spcFirstLastPara="1" wrap="square" lIns="91425" tIns="91425" rIns="91425" bIns="91425" anchor="ctr" anchorCtr="0">
             <a:normAutofit/>
           </a:bodyPr>
           <a:lstStyle>
@@ -2256,7 +2315,7 @@
             </a:lvl9pPr>
           </a:lstStyle>
           <a:p>
-            <a:pPr indent="0" lvl="0" marL="0" rtl="0" algn="r">
+            <a:pPr marL="0" lvl="0" indent="0" algn="r" rtl="0">
               <a:spcBef>
                 <a:spcPts val="0"/>
               </a:spcBef>
@@ -2282,11 +2341,11 @@
 </file>
 
 <file path=ppt/slideLayouts/slideLayout11.xml><?xml version="1.0" encoding="utf-8"?>
-<p:sldLayout xmlns:a="http://schemas.openxmlformats.org/drawingml/2006/main" xmlns:r="http://schemas.openxmlformats.org/officeDocument/2006/relationships" xmlns:mc="http://schemas.openxmlformats.org/markup-compatibility/2006" xmlns:mv="urn:schemas-microsoft-com:mac:vml" xmlns:p="http://schemas.openxmlformats.org/presentationml/2006/main" xmlns:c="http://schemas.openxmlformats.org/drawingml/2006/chart" xmlns:dgm="http://schemas.openxmlformats.org/drawingml/2006/diagram" xmlns:o="urn:schemas-microsoft-com:office:office" xmlns:v="urn:schemas-microsoft-com:vml" xmlns:pvml="urn:schemas-microsoft-com:office:powerpoint" xmlns:com="http://schemas.openxmlformats.org/drawingml/2006/compatibility" xmlns:p14="http://schemas.microsoft.com/office/powerpoint/2010/main" xmlns:p15="http://schemas.microsoft.com/office/powerpoint/2012/main" xmlns:ahyp="http://schemas.microsoft.com/office/drawing/2018/hyperlinkcolor" matchingName="Blank" type="blank">
+<p:sldLayout xmlns:a="http://schemas.openxmlformats.org/drawingml/2006/main" xmlns:r="http://schemas.openxmlformats.org/officeDocument/2006/relationships" xmlns:p="http://schemas.openxmlformats.org/presentationml/2006/main" matchingName="Blank" type="blank">
   <p:cSld name="BLANK">
     <p:spTree>
       <p:nvGrpSpPr>
-        <p:cNvPr id="53" name="Shape 53"/>
+        <p:cNvPr id="1" name="Shape 53"/>
         <p:cNvGrpSpPr/>
         <p:nvPr/>
       </p:nvGrpSpPr>
@@ -2301,9 +2360,11 @@
       <p:sp>
         <p:nvSpPr>
           <p:cNvPr id="54" name="Google Shape;54;p12"/>
-          <p:cNvSpPr txBox="1"/>
+          <p:cNvSpPr txBox="1">
+            <a:spLocks noGrp="1"/>
+          </p:cNvSpPr>
           <p:nvPr>
-            <p:ph idx="12" type="sldNum"/>
+            <p:ph type="sldNum" idx="12"/>
           </p:nvPr>
         </p:nvSpPr>
         <p:spPr>
@@ -2316,7 +2377,7 @@
           </a:prstGeom>
         </p:spPr>
         <p:txBody>
-          <a:bodyPr anchorCtr="0" anchor="ctr" bIns="91425" lIns="91425" spcFirstLastPara="1" rIns="91425" wrap="square" tIns="91425">
+          <a:bodyPr spcFirstLastPara="1" wrap="square" lIns="91425" tIns="91425" rIns="91425" bIns="91425" anchor="ctr" anchorCtr="0">
             <a:normAutofit/>
           </a:bodyPr>
           <a:lstStyle>
@@ -2358,7 +2419,7 @@
             </a:lvl9pPr>
           </a:lstStyle>
           <a:p>
-            <a:pPr indent="0" lvl="0" marL="0" rtl="0" algn="r">
+            <a:pPr marL="0" lvl="0" indent="0" algn="r" rtl="0">
               <a:spcBef>
                 <a:spcPts val="0"/>
               </a:spcBef>
@@ -2384,18 +2445,19 @@
 </file>
 
 <file path=ppt/slideLayouts/slideLayout2.xml><?xml version="1.0" encoding="utf-8"?>
-<p:sldLayout xmlns:a="http://schemas.openxmlformats.org/drawingml/2006/main" xmlns:r="http://schemas.openxmlformats.org/officeDocument/2006/relationships" xmlns:mc="http://schemas.openxmlformats.org/markup-compatibility/2006" xmlns:mv="urn:schemas-microsoft-com:mac:vml" xmlns:p="http://schemas.openxmlformats.org/presentationml/2006/main" xmlns:c="http://schemas.openxmlformats.org/drawingml/2006/chart" xmlns:dgm="http://schemas.openxmlformats.org/drawingml/2006/diagram" xmlns:o="urn:schemas-microsoft-com:office:office" xmlns:v="urn:schemas-microsoft-com:vml" xmlns:pvml="urn:schemas-microsoft-com:office:powerpoint" xmlns:com="http://schemas.openxmlformats.org/drawingml/2006/compatibility" xmlns:p14="http://schemas.microsoft.com/office/powerpoint/2010/main" xmlns:p15="http://schemas.microsoft.com/office/powerpoint/2012/main" xmlns:ahyp="http://schemas.microsoft.com/office/drawing/2018/hyperlinkcolor" matchingName="Section header" type="secHead">
+<p:sldLayout xmlns:a="http://schemas.openxmlformats.org/drawingml/2006/main" xmlns:r="http://schemas.openxmlformats.org/officeDocument/2006/relationships" xmlns:p="http://schemas.openxmlformats.org/presentationml/2006/main" matchingName="Section header" type="secHead">
   <p:cSld name="SECTION_HEADER">
     <p:bg>
       <p:bgPr>
         <a:solidFill>
           <a:schemeClr val="dk1"/>
         </a:solidFill>
+        <a:effectLst/>
       </p:bgPr>
     </p:bg>
     <p:spTree>
       <p:nvGrpSpPr>
-        <p:cNvPr id="15" name="Shape 15"/>
+        <p:cNvPr id="1" name="Shape 15"/>
         <p:cNvGrpSpPr/>
         <p:nvPr/>
       </p:nvGrpSpPr>
@@ -2422,21 +2484,23 @@
             <a:avLst/>
           </a:prstGeom>
           <a:noFill/>
-          <a:ln cap="flat" cmpd="sng" w="28575">
+          <a:ln w="28575" cap="flat" cmpd="sng">
             <a:solidFill>
               <a:schemeClr val="lt2"/>
             </a:solidFill>
             <a:prstDash val="solid"/>
             <a:round/>
-            <a:headEnd len="sm" w="sm" type="none"/>
-            <a:tailEnd len="sm" w="sm" type="none"/>
+            <a:headEnd type="none" w="sm" len="sm"/>
+            <a:tailEnd type="none" w="sm" len="sm"/>
           </a:ln>
         </p:spPr>
       </p:cxnSp>
       <p:sp>
         <p:nvSpPr>
           <p:cNvPr id="17" name="Google Shape;17;p3"/>
-          <p:cNvSpPr txBox="1"/>
+          <p:cNvSpPr txBox="1">
+            <a:spLocks noGrp="1"/>
+          </p:cNvSpPr>
           <p:nvPr>
             <p:ph type="title"/>
           </p:nvPr>
@@ -2451,7 +2515,7 @@
           </a:prstGeom>
         </p:spPr>
         <p:txBody>
-          <a:bodyPr anchorCtr="0" anchor="b" bIns="91425" lIns="91425" spcFirstLastPara="1" rIns="91425" wrap="square" tIns="91425">
+          <a:bodyPr spcFirstLastPara="1" wrap="square" lIns="91425" tIns="91425" rIns="91425" bIns="91425" anchor="b" anchorCtr="0">
             <a:normAutofit/>
           </a:bodyPr>
           <a:lstStyle>
@@ -2618,15 +2682,19 @@
               </a:defRPr>
             </a:lvl9pPr>
           </a:lstStyle>
-          <a:p/>
+          <a:p>
+            <a:endParaRPr/>
+          </a:p>
         </p:txBody>
       </p:sp>
       <p:sp>
         <p:nvSpPr>
           <p:cNvPr id="18" name="Google Shape;18;p3"/>
-          <p:cNvSpPr txBox="1"/>
+          <p:cNvSpPr txBox="1">
+            <a:spLocks noGrp="1"/>
+          </p:cNvSpPr>
           <p:nvPr>
-            <p:ph idx="12" type="sldNum"/>
+            <p:ph type="sldNum" idx="12"/>
           </p:nvPr>
         </p:nvSpPr>
         <p:spPr>
@@ -2639,7 +2707,7 @@
           </a:prstGeom>
         </p:spPr>
         <p:txBody>
-          <a:bodyPr anchorCtr="0" anchor="ctr" bIns="91425" lIns="91425" spcFirstLastPara="1" rIns="91425" wrap="square" tIns="91425">
+          <a:bodyPr spcFirstLastPara="1" wrap="square" lIns="91425" tIns="91425" rIns="91425" bIns="91425" anchor="ctr" anchorCtr="0">
             <a:normAutofit/>
           </a:bodyPr>
           <a:lstStyle>
@@ -2717,7 +2785,7 @@
             </a:lvl9pPr>
           </a:lstStyle>
           <a:p>
-            <a:pPr indent="0" lvl="0" marL="0" rtl="0" algn="r">
+            <a:pPr marL="0" lvl="0" indent="0" algn="r" rtl="0">
               <a:spcBef>
                 <a:spcPts val="0"/>
               </a:spcBef>
@@ -2743,11 +2811,11 @@
 </file>
 
 <file path=ppt/slideLayouts/slideLayout3.xml><?xml version="1.0" encoding="utf-8"?>
-<p:sldLayout xmlns:a="http://schemas.openxmlformats.org/drawingml/2006/main" xmlns:r="http://schemas.openxmlformats.org/officeDocument/2006/relationships" xmlns:mc="http://schemas.openxmlformats.org/markup-compatibility/2006" xmlns:mv="urn:schemas-microsoft-com:mac:vml" xmlns:p="http://schemas.openxmlformats.org/presentationml/2006/main" xmlns:c="http://schemas.openxmlformats.org/drawingml/2006/chart" xmlns:dgm="http://schemas.openxmlformats.org/drawingml/2006/diagram" xmlns:o="urn:schemas-microsoft-com:office:office" xmlns:v="urn:schemas-microsoft-com:vml" xmlns:pvml="urn:schemas-microsoft-com:office:powerpoint" xmlns:com="http://schemas.openxmlformats.org/drawingml/2006/compatibility" xmlns:p14="http://schemas.microsoft.com/office/powerpoint/2010/main" xmlns:p15="http://schemas.microsoft.com/office/powerpoint/2012/main" xmlns:ahyp="http://schemas.microsoft.com/office/drawing/2018/hyperlinkcolor" matchingName="Title and body" type="tx">
+<p:sldLayout xmlns:a="http://schemas.openxmlformats.org/drawingml/2006/main" xmlns:r="http://schemas.openxmlformats.org/officeDocument/2006/relationships" xmlns:p="http://schemas.openxmlformats.org/presentationml/2006/main" matchingName="Title and body" type="tx">
   <p:cSld name="TITLE_AND_BODY">
     <p:spTree>
       <p:nvGrpSpPr>
-        <p:cNvPr id="19" name="Shape 19"/>
+        <p:cNvPr id="1" name="Shape 19"/>
         <p:cNvGrpSpPr/>
         <p:nvPr/>
       </p:nvGrpSpPr>
@@ -2781,12 +2849,12 @@
           </a:ln>
         </p:spPr>
         <p:txBody>
-          <a:bodyPr anchorCtr="0" anchor="ctr" bIns="91425" lIns="91425" spcFirstLastPara="1" rIns="91425" wrap="square" tIns="91425">
+          <a:bodyPr spcFirstLastPara="1" wrap="square" lIns="91425" tIns="91425" rIns="91425" bIns="91425" anchor="ctr" anchorCtr="0">
             <a:noAutofit/>
           </a:bodyPr>
           <a:lstStyle/>
           <a:p>
-            <a:pPr indent="0" lvl="0" marL="0" rtl="0" algn="l">
+            <a:pPr marL="0" lvl="0" indent="0" algn="l" rtl="0">
               <a:spcBef>
                 <a:spcPts val="0"/>
               </a:spcBef>
@@ -2795,9 +2863,6 @@
               </a:spcAft>
               <a:buNone/>
             </a:pPr>
-            <a:r>
-              <a:t/>
-            </a:r>
             <a:endParaRPr/>
           </a:p>
         </p:txBody>
@@ -2805,7 +2870,9 @@
       <p:sp>
         <p:nvSpPr>
           <p:cNvPr id="21" name="Google Shape;21;p4"/>
-          <p:cNvSpPr txBox="1"/>
+          <p:cNvSpPr txBox="1">
+            <a:spLocks noGrp="1"/>
+          </p:cNvSpPr>
           <p:nvPr>
             <p:ph type="title"/>
           </p:nvPr>
@@ -2820,7 +2887,7 @@
           </a:prstGeom>
         </p:spPr>
         <p:txBody>
-          <a:bodyPr anchorCtr="0" anchor="t" bIns="91425" lIns="91425" spcFirstLastPara="1" rIns="91425" wrap="square" tIns="91425">
+          <a:bodyPr spcFirstLastPara="1" wrap="square" lIns="91425" tIns="91425" rIns="91425" bIns="91425" anchor="t" anchorCtr="0">
             <a:normAutofit/>
           </a:bodyPr>
           <a:lstStyle>
@@ -2924,15 +2991,19 @@
               <a:defRPr/>
             </a:lvl9pPr>
           </a:lstStyle>
-          <a:p/>
+          <a:p>
+            <a:endParaRPr/>
+          </a:p>
         </p:txBody>
       </p:sp>
       <p:sp>
         <p:nvSpPr>
           <p:cNvPr id="22" name="Google Shape;22;p4"/>
-          <p:cNvSpPr txBox="1"/>
+          <p:cNvSpPr txBox="1">
+            <a:spLocks noGrp="1"/>
+          </p:cNvSpPr>
           <p:nvPr>
-            <p:ph idx="1" type="body"/>
+            <p:ph type="body" idx="1"/>
           </p:nvPr>
         </p:nvSpPr>
         <p:spPr>
@@ -2945,11 +3016,11 @@
           </a:prstGeom>
         </p:spPr>
         <p:txBody>
-          <a:bodyPr anchorCtr="0" anchor="t" bIns="91425" lIns="91425" spcFirstLastPara="1" rIns="91425" wrap="square" tIns="91425">
+          <a:bodyPr spcFirstLastPara="1" wrap="square" lIns="91425" tIns="91425" rIns="91425" bIns="91425" anchor="t" anchorCtr="0">
             <a:normAutofit/>
           </a:bodyPr>
           <a:lstStyle>
-            <a:lvl1pPr indent="-342900" lvl="0" marL="457200">
+            <a:lvl1pPr marL="457200" lvl="0" indent="-342900">
               <a:spcBef>
                 <a:spcPts val="0"/>
               </a:spcBef>
@@ -2960,7 +3031,7 @@
               <a:buChar char="●"/>
               <a:defRPr/>
             </a:lvl1pPr>
-            <a:lvl2pPr indent="-317500" lvl="1" marL="914400">
+            <a:lvl2pPr marL="914400" lvl="1" indent="-317500">
               <a:spcBef>
                 <a:spcPts val="0"/>
               </a:spcBef>
@@ -2971,7 +3042,7 @@
               <a:buChar char="○"/>
               <a:defRPr/>
             </a:lvl2pPr>
-            <a:lvl3pPr indent="-317500" lvl="2" marL="1371600">
+            <a:lvl3pPr marL="1371600" lvl="2" indent="-317500">
               <a:spcBef>
                 <a:spcPts val="0"/>
               </a:spcBef>
@@ -2982,7 +3053,7 @@
               <a:buChar char="■"/>
               <a:defRPr/>
             </a:lvl3pPr>
-            <a:lvl4pPr indent="-317500" lvl="3" marL="1828800">
+            <a:lvl4pPr marL="1828800" lvl="3" indent="-317500">
               <a:spcBef>
                 <a:spcPts val="0"/>
               </a:spcBef>
@@ -2993,7 +3064,7 @@
               <a:buChar char="●"/>
               <a:defRPr/>
             </a:lvl4pPr>
-            <a:lvl5pPr indent="-317500" lvl="4" marL="2286000">
+            <a:lvl5pPr marL="2286000" lvl="4" indent="-317500">
               <a:spcBef>
                 <a:spcPts val="0"/>
               </a:spcBef>
@@ -3004,7 +3075,7 @@
               <a:buChar char="○"/>
               <a:defRPr/>
             </a:lvl5pPr>
-            <a:lvl6pPr indent="-317500" lvl="5" marL="2743200">
+            <a:lvl6pPr marL="2743200" lvl="5" indent="-317500">
               <a:spcBef>
                 <a:spcPts val="0"/>
               </a:spcBef>
@@ -3015,7 +3086,7 @@
               <a:buChar char="■"/>
               <a:defRPr/>
             </a:lvl6pPr>
-            <a:lvl7pPr indent="-317500" lvl="6" marL="3200400">
+            <a:lvl7pPr marL="3200400" lvl="6" indent="-317500">
               <a:spcBef>
                 <a:spcPts val="0"/>
               </a:spcBef>
@@ -3026,7 +3097,7 @@
               <a:buChar char="●"/>
               <a:defRPr/>
             </a:lvl7pPr>
-            <a:lvl8pPr indent="-317500" lvl="7" marL="3657600">
+            <a:lvl8pPr marL="3657600" lvl="7" indent="-317500">
               <a:spcBef>
                 <a:spcPts val="0"/>
               </a:spcBef>
@@ -3037,7 +3108,7 @@
               <a:buChar char="○"/>
               <a:defRPr/>
             </a:lvl8pPr>
-            <a:lvl9pPr indent="-317500" lvl="8" marL="4114800">
+            <a:lvl9pPr marL="4114800" lvl="8" indent="-317500">
               <a:spcBef>
                 <a:spcPts val="0"/>
               </a:spcBef>
@@ -3049,15 +3120,19 @@
               <a:defRPr/>
             </a:lvl9pPr>
           </a:lstStyle>
-          <a:p/>
+          <a:p>
+            <a:endParaRPr/>
+          </a:p>
         </p:txBody>
       </p:sp>
       <p:sp>
         <p:nvSpPr>
           <p:cNvPr id="23" name="Google Shape;23;p4"/>
-          <p:cNvSpPr txBox="1"/>
+          <p:cNvSpPr txBox="1">
+            <a:spLocks noGrp="1"/>
+          </p:cNvSpPr>
           <p:nvPr>
-            <p:ph idx="12" type="sldNum"/>
+            <p:ph type="sldNum" idx="12"/>
           </p:nvPr>
         </p:nvSpPr>
         <p:spPr>
@@ -3070,7 +3145,7 @@
           </a:prstGeom>
         </p:spPr>
         <p:txBody>
-          <a:bodyPr anchorCtr="0" anchor="ctr" bIns="91425" lIns="91425" spcFirstLastPara="1" rIns="91425" wrap="square" tIns="91425">
+          <a:bodyPr spcFirstLastPara="1" wrap="square" lIns="91425" tIns="91425" rIns="91425" bIns="91425" anchor="ctr" anchorCtr="0">
             <a:normAutofit/>
           </a:bodyPr>
           <a:lstStyle>
@@ -3112,7 +3187,7 @@
             </a:lvl9pPr>
           </a:lstStyle>
           <a:p>
-            <a:pPr indent="0" lvl="0" marL="0" rtl="0" algn="r">
+            <a:pPr marL="0" lvl="0" indent="0" algn="r" rtl="0">
               <a:spcBef>
                 <a:spcPts val="0"/>
               </a:spcBef>
@@ -3138,11 +3213,11 @@
 </file>
 
 <file path=ppt/slideLayouts/slideLayout4.xml><?xml version="1.0" encoding="utf-8"?>
-<p:sldLayout xmlns:a="http://schemas.openxmlformats.org/drawingml/2006/main" xmlns:r="http://schemas.openxmlformats.org/officeDocument/2006/relationships" xmlns:mc="http://schemas.openxmlformats.org/markup-compatibility/2006" xmlns:mv="urn:schemas-microsoft-com:mac:vml" xmlns:p="http://schemas.openxmlformats.org/presentationml/2006/main" xmlns:c="http://schemas.openxmlformats.org/drawingml/2006/chart" xmlns:dgm="http://schemas.openxmlformats.org/drawingml/2006/diagram" xmlns:o="urn:schemas-microsoft-com:office:office" xmlns:v="urn:schemas-microsoft-com:vml" xmlns:pvml="urn:schemas-microsoft-com:office:powerpoint" xmlns:com="http://schemas.openxmlformats.org/drawingml/2006/compatibility" xmlns:p14="http://schemas.microsoft.com/office/powerpoint/2010/main" xmlns:p15="http://schemas.microsoft.com/office/powerpoint/2012/main" xmlns:ahyp="http://schemas.microsoft.com/office/drawing/2018/hyperlinkcolor" matchingName="Title and two columns" type="twoColTx">
+<p:sldLayout xmlns:a="http://schemas.openxmlformats.org/drawingml/2006/main" xmlns:r="http://schemas.openxmlformats.org/officeDocument/2006/relationships" xmlns:p="http://schemas.openxmlformats.org/presentationml/2006/main" matchingName="Title and two columns" type="twoColTx">
   <p:cSld name="TITLE_AND_TWO_COLUMNS">
     <p:spTree>
       <p:nvGrpSpPr>
-        <p:cNvPr id="24" name="Shape 24"/>
+        <p:cNvPr id="1" name="Shape 24"/>
         <p:cNvGrpSpPr/>
         <p:nvPr/>
       </p:nvGrpSpPr>
@@ -3157,7 +3232,9 @@
       <p:sp>
         <p:nvSpPr>
           <p:cNvPr id="25" name="Google Shape;25;p5"/>
-          <p:cNvSpPr txBox="1"/>
+          <p:cNvSpPr txBox="1">
+            <a:spLocks noGrp="1"/>
+          </p:cNvSpPr>
           <p:nvPr>
             <p:ph type="title"/>
           </p:nvPr>
@@ -3172,7 +3249,7 @@
           </a:prstGeom>
         </p:spPr>
         <p:txBody>
-          <a:bodyPr anchorCtr="0" anchor="t" bIns="91425" lIns="91425" spcFirstLastPara="1" rIns="91425" wrap="square" tIns="91425">
+          <a:bodyPr spcFirstLastPara="1" wrap="square" lIns="91425" tIns="91425" rIns="91425" bIns="91425" anchor="t" anchorCtr="0">
             <a:normAutofit/>
           </a:bodyPr>
           <a:lstStyle>
@@ -3276,15 +3353,19 @@
               <a:defRPr/>
             </a:lvl9pPr>
           </a:lstStyle>
-          <a:p/>
+          <a:p>
+            <a:endParaRPr/>
+          </a:p>
         </p:txBody>
       </p:sp>
       <p:sp>
         <p:nvSpPr>
           <p:cNvPr id="26" name="Google Shape;26;p5"/>
-          <p:cNvSpPr txBox="1"/>
+          <p:cNvSpPr txBox="1">
+            <a:spLocks noGrp="1"/>
+          </p:cNvSpPr>
           <p:nvPr>
-            <p:ph idx="1" type="body"/>
+            <p:ph type="body" idx="1"/>
           </p:nvPr>
         </p:nvSpPr>
         <p:spPr>
@@ -3297,11 +3378,11 @@
           </a:prstGeom>
         </p:spPr>
         <p:txBody>
-          <a:bodyPr anchorCtr="0" anchor="t" bIns="91425" lIns="91425" spcFirstLastPara="1" rIns="91425" wrap="square" tIns="91425">
+          <a:bodyPr spcFirstLastPara="1" wrap="square" lIns="91425" tIns="91425" rIns="91425" bIns="91425" anchor="t" anchorCtr="0">
             <a:normAutofit/>
           </a:bodyPr>
           <a:lstStyle>
-            <a:lvl1pPr indent="-317500" lvl="0" marL="457200">
+            <a:lvl1pPr marL="457200" lvl="0" indent="-317500">
               <a:spcBef>
                 <a:spcPts val="0"/>
               </a:spcBef>
@@ -3312,7 +3393,7 @@
               <a:buChar char="●"/>
               <a:defRPr sz="1400"/>
             </a:lvl1pPr>
-            <a:lvl2pPr indent="-304800" lvl="1" marL="914400">
+            <a:lvl2pPr marL="914400" lvl="1" indent="-304800">
               <a:spcBef>
                 <a:spcPts val="0"/>
               </a:spcBef>
@@ -3323,7 +3404,7 @@
               <a:buChar char="○"/>
               <a:defRPr sz="1200"/>
             </a:lvl2pPr>
-            <a:lvl3pPr indent="-304800" lvl="2" marL="1371600">
+            <a:lvl3pPr marL="1371600" lvl="2" indent="-304800">
               <a:spcBef>
                 <a:spcPts val="0"/>
               </a:spcBef>
@@ -3334,7 +3415,7 @@
               <a:buChar char="■"/>
               <a:defRPr sz="1200"/>
             </a:lvl3pPr>
-            <a:lvl4pPr indent="-304800" lvl="3" marL="1828800">
+            <a:lvl4pPr marL="1828800" lvl="3" indent="-304800">
               <a:spcBef>
                 <a:spcPts val="0"/>
               </a:spcBef>
@@ -3345,7 +3426,7 @@
               <a:buChar char="●"/>
               <a:defRPr sz="1200"/>
             </a:lvl4pPr>
-            <a:lvl5pPr indent="-304800" lvl="4" marL="2286000">
+            <a:lvl5pPr marL="2286000" lvl="4" indent="-304800">
               <a:spcBef>
                 <a:spcPts val="0"/>
               </a:spcBef>
@@ -3356,7 +3437,7 @@
               <a:buChar char="○"/>
               <a:defRPr sz="1200"/>
             </a:lvl5pPr>
-            <a:lvl6pPr indent="-304800" lvl="5" marL="2743200">
+            <a:lvl6pPr marL="2743200" lvl="5" indent="-304800">
               <a:spcBef>
                 <a:spcPts val="0"/>
               </a:spcBef>
@@ -3367,7 +3448,7 @@
               <a:buChar char="■"/>
               <a:defRPr sz="1200"/>
             </a:lvl6pPr>
-            <a:lvl7pPr indent="-304800" lvl="6" marL="3200400">
+            <a:lvl7pPr marL="3200400" lvl="6" indent="-304800">
               <a:spcBef>
                 <a:spcPts val="0"/>
               </a:spcBef>
@@ -3378,7 +3459,7 @@
               <a:buChar char="●"/>
               <a:defRPr sz="1200"/>
             </a:lvl7pPr>
-            <a:lvl8pPr indent="-304800" lvl="7" marL="3657600">
+            <a:lvl8pPr marL="3657600" lvl="7" indent="-304800">
               <a:spcBef>
                 <a:spcPts val="0"/>
               </a:spcBef>
@@ -3389,7 +3470,7 @@
               <a:buChar char="○"/>
               <a:defRPr sz="1200"/>
             </a:lvl8pPr>
-            <a:lvl9pPr indent="-304800" lvl="8" marL="4114800">
+            <a:lvl9pPr marL="4114800" lvl="8" indent="-304800">
               <a:spcBef>
                 <a:spcPts val="0"/>
               </a:spcBef>
@@ -3401,15 +3482,19 @@
               <a:defRPr sz="1200"/>
             </a:lvl9pPr>
           </a:lstStyle>
-          <a:p/>
+          <a:p>
+            <a:endParaRPr/>
+          </a:p>
         </p:txBody>
       </p:sp>
       <p:sp>
         <p:nvSpPr>
           <p:cNvPr id="27" name="Google Shape;27;p5"/>
-          <p:cNvSpPr txBox="1"/>
+          <p:cNvSpPr txBox="1">
+            <a:spLocks noGrp="1"/>
+          </p:cNvSpPr>
           <p:nvPr>
-            <p:ph idx="2" type="body"/>
+            <p:ph type="body" idx="2"/>
           </p:nvPr>
         </p:nvSpPr>
         <p:spPr>
@@ -3422,11 +3507,11 @@
           </a:prstGeom>
         </p:spPr>
         <p:txBody>
-          <a:bodyPr anchorCtr="0" anchor="t" bIns="91425" lIns="91425" spcFirstLastPara="1" rIns="91425" wrap="square" tIns="91425">
+          <a:bodyPr spcFirstLastPara="1" wrap="square" lIns="91425" tIns="91425" rIns="91425" bIns="91425" anchor="t" anchorCtr="0">
             <a:normAutofit/>
           </a:bodyPr>
           <a:lstStyle>
-            <a:lvl1pPr indent="-317500" lvl="0" marL="457200">
+            <a:lvl1pPr marL="457200" lvl="0" indent="-317500">
               <a:spcBef>
                 <a:spcPts val="0"/>
               </a:spcBef>
@@ -3437,7 +3522,7 @@
               <a:buChar char="●"/>
               <a:defRPr sz="1400"/>
             </a:lvl1pPr>
-            <a:lvl2pPr indent="-304800" lvl="1" marL="914400">
+            <a:lvl2pPr marL="914400" lvl="1" indent="-304800">
               <a:spcBef>
                 <a:spcPts val="0"/>
               </a:spcBef>
@@ -3448,7 +3533,7 @@
               <a:buChar char="○"/>
               <a:defRPr sz="1200"/>
             </a:lvl2pPr>
-            <a:lvl3pPr indent="-304800" lvl="2" marL="1371600">
+            <a:lvl3pPr marL="1371600" lvl="2" indent="-304800">
               <a:spcBef>
                 <a:spcPts val="0"/>
               </a:spcBef>
@@ -3459,7 +3544,7 @@
               <a:buChar char="■"/>
               <a:defRPr sz="1200"/>
             </a:lvl3pPr>
-            <a:lvl4pPr indent="-304800" lvl="3" marL="1828800">
+            <a:lvl4pPr marL="1828800" lvl="3" indent="-304800">
               <a:spcBef>
                 <a:spcPts val="0"/>
               </a:spcBef>
@@ -3470,7 +3555,7 @@
               <a:buChar char="●"/>
               <a:defRPr sz="1200"/>
             </a:lvl4pPr>
-            <a:lvl5pPr indent="-304800" lvl="4" marL="2286000">
+            <a:lvl5pPr marL="2286000" lvl="4" indent="-304800">
               <a:spcBef>
                 <a:spcPts val="0"/>
               </a:spcBef>
@@ -3481,7 +3566,7 @@
               <a:buChar char="○"/>
               <a:defRPr sz="1200"/>
             </a:lvl5pPr>
-            <a:lvl6pPr indent="-304800" lvl="5" marL="2743200">
+            <a:lvl6pPr marL="2743200" lvl="5" indent="-304800">
               <a:spcBef>
                 <a:spcPts val="0"/>
               </a:spcBef>
@@ -3492,7 +3577,7 @@
               <a:buChar char="■"/>
               <a:defRPr sz="1200"/>
             </a:lvl6pPr>
-            <a:lvl7pPr indent="-304800" lvl="6" marL="3200400">
+            <a:lvl7pPr marL="3200400" lvl="6" indent="-304800">
               <a:spcBef>
                 <a:spcPts val="0"/>
               </a:spcBef>
@@ -3503,7 +3588,7 @@
               <a:buChar char="●"/>
               <a:defRPr sz="1200"/>
             </a:lvl7pPr>
-            <a:lvl8pPr indent="-304800" lvl="7" marL="3657600">
+            <a:lvl8pPr marL="3657600" lvl="7" indent="-304800">
               <a:spcBef>
                 <a:spcPts val="0"/>
               </a:spcBef>
@@ -3514,7 +3599,7 @@
               <a:buChar char="○"/>
               <a:defRPr sz="1200"/>
             </a:lvl8pPr>
-            <a:lvl9pPr indent="-304800" lvl="8" marL="4114800">
+            <a:lvl9pPr marL="4114800" lvl="8" indent="-304800">
               <a:spcBef>
                 <a:spcPts val="0"/>
               </a:spcBef>
@@ -3526,15 +3611,19 @@
               <a:defRPr sz="1200"/>
             </a:lvl9pPr>
           </a:lstStyle>
-          <a:p/>
+          <a:p>
+            <a:endParaRPr/>
+          </a:p>
         </p:txBody>
       </p:sp>
       <p:sp>
         <p:nvSpPr>
           <p:cNvPr id="28" name="Google Shape;28;p5"/>
-          <p:cNvSpPr txBox="1"/>
+          <p:cNvSpPr txBox="1">
+            <a:spLocks noGrp="1"/>
+          </p:cNvSpPr>
           <p:nvPr>
-            <p:ph idx="12" type="sldNum"/>
+            <p:ph type="sldNum" idx="12"/>
           </p:nvPr>
         </p:nvSpPr>
         <p:spPr>
@@ -3547,7 +3636,7 @@
           </a:prstGeom>
         </p:spPr>
         <p:txBody>
-          <a:bodyPr anchorCtr="0" anchor="ctr" bIns="91425" lIns="91425" spcFirstLastPara="1" rIns="91425" wrap="square" tIns="91425">
+          <a:bodyPr spcFirstLastPara="1" wrap="square" lIns="91425" tIns="91425" rIns="91425" bIns="91425" anchor="ctr" anchorCtr="0">
             <a:normAutofit/>
           </a:bodyPr>
           <a:lstStyle>
@@ -3589,7 +3678,7 @@
             </a:lvl9pPr>
           </a:lstStyle>
           <a:p>
-            <a:pPr indent="0" lvl="0" marL="0" rtl="0" algn="r">
+            <a:pPr marL="0" lvl="0" indent="0" algn="r" rtl="0">
               <a:spcBef>
                 <a:spcPts val="0"/>
               </a:spcBef>
@@ -3615,11 +3704,11 @@
 </file>
 
 <file path=ppt/slideLayouts/slideLayout5.xml><?xml version="1.0" encoding="utf-8"?>
-<p:sldLayout xmlns:a="http://schemas.openxmlformats.org/drawingml/2006/main" xmlns:r="http://schemas.openxmlformats.org/officeDocument/2006/relationships" xmlns:mc="http://schemas.openxmlformats.org/markup-compatibility/2006" xmlns:mv="urn:schemas-microsoft-com:mac:vml" xmlns:p="http://schemas.openxmlformats.org/presentationml/2006/main" xmlns:c="http://schemas.openxmlformats.org/drawingml/2006/chart" xmlns:dgm="http://schemas.openxmlformats.org/drawingml/2006/diagram" xmlns:o="urn:schemas-microsoft-com:office:office" xmlns:v="urn:schemas-microsoft-com:vml" xmlns:pvml="urn:schemas-microsoft-com:office:powerpoint" xmlns:com="http://schemas.openxmlformats.org/drawingml/2006/compatibility" xmlns:p14="http://schemas.microsoft.com/office/powerpoint/2010/main" xmlns:p15="http://schemas.microsoft.com/office/powerpoint/2012/main" xmlns:ahyp="http://schemas.microsoft.com/office/drawing/2018/hyperlinkcolor" matchingName="Title only" type="titleOnly">
+<p:sldLayout xmlns:a="http://schemas.openxmlformats.org/drawingml/2006/main" xmlns:r="http://schemas.openxmlformats.org/officeDocument/2006/relationships" xmlns:p="http://schemas.openxmlformats.org/presentationml/2006/main" matchingName="Title only" type="titleOnly">
   <p:cSld name="TITLE_ONLY">
     <p:spTree>
       <p:nvGrpSpPr>
-        <p:cNvPr id="29" name="Shape 29"/>
+        <p:cNvPr id="1" name="Shape 29"/>
         <p:cNvGrpSpPr/>
         <p:nvPr/>
       </p:nvGrpSpPr>
@@ -3634,7 +3723,9 @@
       <p:sp>
         <p:nvSpPr>
           <p:cNvPr id="30" name="Google Shape;30;p6"/>
-          <p:cNvSpPr txBox="1"/>
+          <p:cNvSpPr txBox="1">
+            <a:spLocks noGrp="1"/>
+          </p:cNvSpPr>
           <p:nvPr>
             <p:ph type="title"/>
           </p:nvPr>
@@ -3649,7 +3740,7 @@
           </a:prstGeom>
         </p:spPr>
         <p:txBody>
-          <a:bodyPr anchorCtr="0" anchor="t" bIns="91425" lIns="91425" spcFirstLastPara="1" rIns="91425" wrap="square" tIns="91425">
+          <a:bodyPr spcFirstLastPara="1" wrap="square" lIns="91425" tIns="91425" rIns="91425" bIns="91425" anchor="t" anchorCtr="0">
             <a:normAutofit/>
           </a:bodyPr>
           <a:lstStyle>
@@ -3753,15 +3844,19 @@
               <a:defRPr/>
             </a:lvl9pPr>
           </a:lstStyle>
-          <a:p/>
+          <a:p>
+            <a:endParaRPr/>
+          </a:p>
         </p:txBody>
       </p:sp>
       <p:sp>
         <p:nvSpPr>
           <p:cNvPr id="31" name="Google Shape;31;p6"/>
-          <p:cNvSpPr txBox="1"/>
+          <p:cNvSpPr txBox="1">
+            <a:spLocks noGrp="1"/>
+          </p:cNvSpPr>
           <p:nvPr>
-            <p:ph idx="12" type="sldNum"/>
+            <p:ph type="sldNum" idx="12"/>
           </p:nvPr>
         </p:nvSpPr>
         <p:spPr>
@@ -3774,7 +3869,7 @@
           </a:prstGeom>
         </p:spPr>
         <p:txBody>
-          <a:bodyPr anchorCtr="0" anchor="ctr" bIns="91425" lIns="91425" spcFirstLastPara="1" rIns="91425" wrap="square" tIns="91425">
+          <a:bodyPr spcFirstLastPara="1" wrap="square" lIns="91425" tIns="91425" rIns="91425" bIns="91425" anchor="ctr" anchorCtr="0">
             <a:normAutofit/>
           </a:bodyPr>
           <a:lstStyle>
@@ -3816,7 +3911,7 @@
             </a:lvl9pPr>
           </a:lstStyle>
           <a:p>
-            <a:pPr indent="0" lvl="0" marL="0" rtl="0" algn="r">
+            <a:pPr marL="0" lvl="0" indent="0" algn="r" rtl="0">
               <a:spcBef>
                 <a:spcPts val="0"/>
               </a:spcBef>
@@ -3842,11 +3937,11 @@
 </file>
 
 <file path=ppt/slideLayouts/slideLayout6.xml><?xml version="1.0" encoding="utf-8"?>
-<p:sldLayout xmlns:a="http://schemas.openxmlformats.org/drawingml/2006/main" xmlns:r="http://schemas.openxmlformats.org/officeDocument/2006/relationships" xmlns:mc="http://schemas.openxmlformats.org/markup-compatibility/2006" xmlns:mv="urn:schemas-microsoft-com:mac:vml" xmlns:p="http://schemas.openxmlformats.org/presentationml/2006/main" xmlns:c="http://schemas.openxmlformats.org/drawingml/2006/chart" xmlns:dgm="http://schemas.openxmlformats.org/drawingml/2006/diagram" xmlns:o="urn:schemas-microsoft-com:office:office" xmlns:v="urn:schemas-microsoft-com:vml" xmlns:pvml="urn:schemas-microsoft-com:office:powerpoint" xmlns:com="http://schemas.openxmlformats.org/drawingml/2006/compatibility" xmlns:p14="http://schemas.microsoft.com/office/powerpoint/2010/main" xmlns:p15="http://schemas.microsoft.com/office/powerpoint/2012/main" xmlns:ahyp="http://schemas.microsoft.com/office/drawing/2018/hyperlinkcolor" matchingName="One column text">
+<p:sldLayout xmlns:a="http://schemas.openxmlformats.org/drawingml/2006/main" xmlns:r="http://schemas.openxmlformats.org/officeDocument/2006/relationships" xmlns:p="http://schemas.openxmlformats.org/presentationml/2006/main" matchingName="One column text">
   <p:cSld name="ONE_COLUMN_TEXT">
     <p:spTree>
       <p:nvGrpSpPr>
-        <p:cNvPr id="32" name="Shape 32"/>
+        <p:cNvPr id="1" name="Shape 32"/>
         <p:cNvGrpSpPr/>
         <p:nvPr/>
       </p:nvGrpSpPr>
@@ -3861,7 +3956,9 @@
       <p:sp>
         <p:nvSpPr>
           <p:cNvPr id="33" name="Google Shape;33;p7"/>
-          <p:cNvSpPr txBox="1"/>
+          <p:cNvSpPr txBox="1">
+            <a:spLocks noGrp="1"/>
+          </p:cNvSpPr>
           <p:nvPr>
             <p:ph type="title"/>
           </p:nvPr>
@@ -3876,7 +3973,7 @@
           </a:prstGeom>
         </p:spPr>
         <p:txBody>
-          <a:bodyPr anchorCtr="0" anchor="b" bIns="91425" lIns="91425" spcFirstLastPara="1" rIns="91425" wrap="square" tIns="91425">
+          <a:bodyPr spcFirstLastPara="1" wrap="square" lIns="91425" tIns="91425" rIns="91425" bIns="91425" anchor="b" anchorCtr="0">
             <a:normAutofit/>
           </a:bodyPr>
           <a:lstStyle>
@@ -3980,15 +4077,19 @@
               <a:defRPr sz="2400"/>
             </a:lvl9pPr>
           </a:lstStyle>
-          <a:p/>
+          <a:p>
+            <a:endParaRPr/>
+          </a:p>
         </p:txBody>
       </p:sp>
       <p:sp>
         <p:nvSpPr>
           <p:cNvPr id="34" name="Google Shape;34;p7"/>
-          <p:cNvSpPr txBox="1"/>
+          <p:cNvSpPr txBox="1">
+            <a:spLocks noGrp="1"/>
+          </p:cNvSpPr>
           <p:nvPr>
-            <p:ph idx="1" type="body"/>
+            <p:ph type="body" idx="1"/>
           </p:nvPr>
         </p:nvSpPr>
         <p:spPr>
@@ -4001,11 +4102,11 @@
           </a:prstGeom>
         </p:spPr>
         <p:txBody>
-          <a:bodyPr anchorCtr="0" anchor="t" bIns="91425" lIns="91425" spcFirstLastPara="1" rIns="91425" wrap="square" tIns="91425">
+          <a:bodyPr spcFirstLastPara="1" wrap="square" lIns="91425" tIns="91425" rIns="91425" bIns="91425" anchor="t" anchorCtr="0">
             <a:normAutofit/>
           </a:bodyPr>
           <a:lstStyle>
-            <a:lvl1pPr indent="-304800" lvl="0" marL="457200">
+            <a:lvl1pPr marL="457200" lvl="0" indent="-304800">
               <a:spcBef>
                 <a:spcPts val="0"/>
               </a:spcBef>
@@ -4016,7 +4117,7 @@
               <a:buChar char="●"/>
               <a:defRPr sz="1200"/>
             </a:lvl1pPr>
-            <a:lvl2pPr indent="-304800" lvl="1" marL="914400">
+            <a:lvl2pPr marL="914400" lvl="1" indent="-304800">
               <a:spcBef>
                 <a:spcPts val="0"/>
               </a:spcBef>
@@ -4027,7 +4128,7 @@
               <a:buChar char="○"/>
               <a:defRPr sz="1200"/>
             </a:lvl2pPr>
-            <a:lvl3pPr indent="-304800" lvl="2" marL="1371600">
+            <a:lvl3pPr marL="1371600" lvl="2" indent="-304800">
               <a:spcBef>
                 <a:spcPts val="0"/>
               </a:spcBef>
@@ -4038,7 +4139,7 @@
               <a:buChar char="■"/>
               <a:defRPr sz="1200"/>
             </a:lvl3pPr>
-            <a:lvl4pPr indent="-304800" lvl="3" marL="1828800">
+            <a:lvl4pPr marL="1828800" lvl="3" indent="-304800">
               <a:spcBef>
                 <a:spcPts val="0"/>
               </a:spcBef>
@@ -4049,7 +4150,7 @@
               <a:buChar char="●"/>
               <a:defRPr sz="1200"/>
             </a:lvl4pPr>
-            <a:lvl5pPr indent="-304800" lvl="4" marL="2286000">
+            <a:lvl5pPr marL="2286000" lvl="4" indent="-304800">
               <a:spcBef>
                 <a:spcPts val="0"/>
               </a:spcBef>
@@ -4060,7 +4161,7 @@
               <a:buChar char="○"/>
               <a:defRPr sz="1200"/>
             </a:lvl5pPr>
-            <a:lvl6pPr indent="-304800" lvl="5" marL="2743200">
+            <a:lvl6pPr marL="2743200" lvl="5" indent="-304800">
               <a:spcBef>
                 <a:spcPts val="0"/>
               </a:spcBef>
@@ -4071,7 +4172,7 @@
               <a:buChar char="■"/>
               <a:defRPr sz="1200"/>
             </a:lvl6pPr>
-            <a:lvl7pPr indent="-304800" lvl="6" marL="3200400">
+            <a:lvl7pPr marL="3200400" lvl="6" indent="-304800">
               <a:spcBef>
                 <a:spcPts val="0"/>
               </a:spcBef>
@@ -4082,7 +4183,7 @@
               <a:buChar char="●"/>
               <a:defRPr sz="1200"/>
             </a:lvl7pPr>
-            <a:lvl8pPr indent="-304800" lvl="7" marL="3657600">
+            <a:lvl8pPr marL="3657600" lvl="7" indent="-304800">
               <a:spcBef>
                 <a:spcPts val="0"/>
               </a:spcBef>
@@ -4093,7 +4194,7 @@
               <a:buChar char="○"/>
               <a:defRPr sz="1200"/>
             </a:lvl8pPr>
-            <a:lvl9pPr indent="-304800" lvl="8" marL="4114800">
+            <a:lvl9pPr marL="4114800" lvl="8" indent="-304800">
               <a:spcBef>
                 <a:spcPts val="0"/>
               </a:spcBef>
@@ -4105,15 +4206,19 @@
               <a:defRPr sz="1200"/>
             </a:lvl9pPr>
           </a:lstStyle>
-          <a:p/>
+          <a:p>
+            <a:endParaRPr/>
+          </a:p>
         </p:txBody>
       </p:sp>
       <p:sp>
         <p:nvSpPr>
           <p:cNvPr id="35" name="Google Shape;35;p7"/>
-          <p:cNvSpPr txBox="1"/>
+          <p:cNvSpPr txBox="1">
+            <a:spLocks noGrp="1"/>
+          </p:cNvSpPr>
           <p:nvPr>
-            <p:ph idx="12" type="sldNum"/>
+            <p:ph type="sldNum" idx="12"/>
           </p:nvPr>
         </p:nvSpPr>
         <p:spPr>
@@ -4126,7 +4231,7 @@
           </a:prstGeom>
         </p:spPr>
         <p:txBody>
-          <a:bodyPr anchorCtr="0" anchor="ctr" bIns="91425" lIns="91425" spcFirstLastPara="1" rIns="91425" wrap="square" tIns="91425">
+          <a:bodyPr spcFirstLastPara="1" wrap="square" lIns="91425" tIns="91425" rIns="91425" bIns="91425" anchor="ctr" anchorCtr="0">
             <a:normAutofit/>
           </a:bodyPr>
           <a:lstStyle>
@@ -4168,7 +4273,7 @@
             </a:lvl9pPr>
           </a:lstStyle>
           <a:p>
-            <a:pPr indent="0" lvl="0" marL="0" rtl="0" algn="r">
+            <a:pPr marL="0" lvl="0" indent="0" algn="r" rtl="0">
               <a:spcBef>
                 <a:spcPts val="0"/>
               </a:spcBef>
@@ -4194,18 +4299,19 @@
 </file>
 
 <file path=ppt/slideLayouts/slideLayout7.xml><?xml version="1.0" encoding="utf-8"?>
-<p:sldLayout xmlns:a="http://schemas.openxmlformats.org/drawingml/2006/main" xmlns:r="http://schemas.openxmlformats.org/officeDocument/2006/relationships" xmlns:mc="http://schemas.openxmlformats.org/markup-compatibility/2006" xmlns:mv="urn:schemas-microsoft-com:mac:vml" xmlns:p="http://schemas.openxmlformats.org/presentationml/2006/main" xmlns:c="http://schemas.openxmlformats.org/drawingml/2006/chart" xmlns:dgm="http://schemas.openxmlformats.org/drawingml/2006/diagram" xmlns:o="urn:schemas-microsoft-com:office:office" xmlns:v="urn:schemas-microsoft-com:vml" xmlns:pvml="urn:schemas-microsoft-com:office:powerpoint" xmlns:com="http://schemas.openxmlformats.org/drawingml/2006/compatibility" xmlns:p14="http://schemas.microsoft.com/office/powerpoint/2010/main" xmlns:p15="http://schemas.microsoft.com/office/powerpoint/2012/main" xmlns:ahyp="http://schemas.microsoft.com/office/drawing/2018/hyperlinkcolor" matchingName="Main point">
+<p:sldLayout xmlns:a="http://schemas.openxmlformats.org/drawingml/2006/main" xmlns:r="http://schemas.openxmlformats.org/officeDocument/2006/relationships" xmlns:p="http://schemas.openxmlformats.org/presentationml/2006/main" matchingName="Main point">
   <p:cSld name="MAIN_POINT">
     <p:bg>
       <p:bgPr>
         <a:solidFill>
           <a:schemeClr val="lt2"/>
         </a:solidFill>
+        <a:effectLst/>
       </p:bgPr>
     </p:bg>
     <p:spTree>
       <p:nvGrpSpPr>
-        <p:cNvPr id="36" name="Shape 36"/>
+        <p:cNvPr id="1" name="Shape 36"/>
         <p:cNvGrpSpPr/>
         <p:nvPr/>
       </p:nvGrpSpPr>
@@ -4220,7 +4326,9 @@
       <p:sp>
         <p:nvSpPr>
           <p:cNvPr id="37" name="Google Shape;37;p8"/>
-          <p:cNvSpPr txBox="1"/>
+          <p:cNvSpPr txBox="1">
+            <a:spLocks noGrp="1"/>
+          </p:cNvSpPr>
           <p:nvPr>
             <p:ph type="title"/>
           </p:nvPr>
@@ -4235,7 +4343,7 @@
           </a:prstGeom>
         </p:spPr>
         <p:txBody>
-          <a:bodyPr anchorCtr="0" anchor="ctr" bIns="91425" lIns="91425" spcFirstLastPara="1" rIns="91425" wrap="square" tIns="91425">
+          <a:bodyPr spcFirstLastPara="1" wrap="square" lIns="91425" tIns="91425" rIns="91425" bIns="91425" anchor="ctr" anchorCtr="0">
             <a:normAutofit/>
           </a:bodyPr>
           <a:lstStyle>
@@ -4402,15 +4510,19 @@
               </a:defRPr>
             </a:lvl9pPr>
           </a:lstStyle>
-          <a:p/>
+          <a:p>
+            <a:endParaRPr/>
+          </a:p>
         </p:txBody>
       </p:sp>
       <p:sp>
         <p:nvSpPr>
           <p:cNvPr id="38" name="Google Shape;38;p8"/>
-          <p:cNvSpPr txBox="1"/>
+          <p:cNvSpPr txBox="1">
+            <a:spLocks noGrp="1"/>
+          </p:cNvSpPr>
           <p:nvPr>
-            <p:ph idx="12" type="sldNum"/>
+            <p:ph type="sldNum" idx="12"/>
           </p:nvPr>
         </p:nvSpPr>
         <p:spPr>
@@ -4423,7 +4535,7 @@
           </a:prstGeom>
         </p:spPr>
         <p:txBody>
-          <a:bodyPr anchorCtr="0" anchor="ctr" bIns="91425" lIns="91425" spcFirstLastPara="1" rIns="91425" wrap="square" tIns="91425">
+          <a:bodyPr spcFirstLastPara="1" wrap="square" lIns="91425" tIns="91425" rIns="91425" bIns="91425" anchor="ctr" anchorCtr="0">
             <a:normAutofit/>
           </a:bodyPr>
           <a:lstStyle>
@@ -4501,7 +4613,7 @@
             </a:lvl9pPr>
           </a:lstStyle>
           <a:p>
-            <a:pPr indent="0" lvl="0" marL="0" rtl="0" algn="r">
+            <a:pPr marL="0" lvl="0" indent="0" algn="r" rtl="0">
               <a:spcBef>
                 <a:spcPts val="0"/>
               </a:spcBef>
@@ -4527,11 +4639,11 @@
 </file>
 
 <file path=ppt/slideLayouts/slideLayout8.xml><?xml version="1.0" encoding="utf-8"?>
-<p:sldLayout xmlns:a="http://schemas.openxmlformats.org/drawingml/2006/main" xmlns:r="http://schemas.openxmlformats.org/officeDocument/2006/relationships" xmlns:mc="http://schemas.openxmlformats.org/markup-compatibility/2006" xmlns:mv="urn:schemas-microsoft-com:mac:vml" xmlns:p="http://schemas.openxmlformats.org/presentationml/2006/main" xmlns:c="http://schemas.openxmlformats.org/drawingml/2006/chart" xmlns:dgm="http://schemas.openxmlformats.org/drawingml/2006/diagram" xmlns:o="urn:schemas-microsoft-com:office:office" xmlns:v="urn:schemas-microsoft-com:vml" xmlns:pvml="urn:schemas-microsoft-com:office:powerpoint" xmlns:com="http://schemas.openxmlformats.org/drawingml/2006/compatibility" xmlns:p14="http://schemas.microsoft.com/office/powerpoint/2010/main" xmlns:p15="http://schemas.microsoft.com/office/powerpoint/2012/main" xmlns:ahyp="http://schemas.microsoft.com/office/drawing/2018/hyperlinkcolor" matchingName="Section title and description">
+<p:sldLayout xmlns:a="http://schemas.openxmlformats.org/drawingml/2006/main" xmlns:r="http://schemas.openxmlformats.org/officeDocument/2006/relationships" xmlns:p="http://schemas.openxmlformats.org/presentationml/2006/main" matchingName="Section title and description">
   <p:cSld name="SECTION_TITLE_AND_DESCRIPTION">
     <p:spTree>
       <p:nvGrpSpPr>
-        <p:cNvPr id="39" name="Shape 39"/>
+        <p:cNvPr id="1" name="Shape 39"/>
         <p:cNvGrpSpPr/>
         <p:nvPr/>
       </p:nvGrpSpPr>
@@ -4565,12 +4677,12 @@
           </a:ln>
         </p:spPr>
         <p:txBody>
-          <a:bodyPr anchorCtr="0" anchor="ctr" bIns="91425" lIns="91425" spcFirstLastPara="1" rIns="91425" wrap="square" tIns="91425">
+          <a:bodyPr spcFirstLastPara="1" wrap="square" lIns="91425" tIns="91425" rIns="91425" bIns="91425" anchor="ctr" anchorCtr="0">
             <a:noAutofit/>
           </a:bodyPr>
           <a:lstStyle/>
           <a:p>
-            <a:pPr indent="0" lvl="0" marL="0" rtl="0" algn="l">
+            <a:pPr marL="0" lvl="0" indent="0" algn="l" rtl="0">
               <a:spcBef>
                 <a:spcPts val="0"/>
               </a:spcBef>
@@ -4579,9 +4691,6 @@
               </a:spcAft>
               <a:buNone/>
             </a:pPr>
-            <a:r>
-              <a:t/>
-            </a:r>
             <a:endParaRPr/>
           </a:p>
         </p:txBody>
@@ -4601,21 +4710,23 @@
             <a:avLst/>
           </a:prstGeom>
           <a:noFill/>
-          <a:ln cap="flat" cmpd="sng" w="19050">
+          <a:ln w="19050" cap="flat" cmpd="sng">
             <a:solidFill>
               <a:schemeClr val="lt2"/>
             </a:solidFill>
             <a:prstDash val="solid"/>
             <a:round/>
-            <a:headEnd len="sm" w="sm" type="none"/>
-            <a:tailEnd len="sm" w="sm" type="none"/>
+            <a:headEnd type="none" w="sm" len="sm"/>
+            <a:tailEnd type="none" w="sm" len="sm"/>
           </a:ln>
         </p:spPr>
       </p:cxnSp>
       <p:sp>
         <p:nvSpPr>
           <p:cNvPr id="42" name="Google Shape;42;p9"/>
-          <p:cNvSpPr txBox="1"/>
+          <p:cNvSpPr txBox="1">
+            <a:spLocks noGrp="1"/>
+          </p:cNvSpPr>
           <p:nvPr>
             <p:ph type="title"/>
           </p:nvPr>
@@ -4630,7 +4741,7 @@
           </a:prstGeom>
         </p:spPr>
         <p:txBody>
-          <a:bodyPr anchorCtr="0" anchor="b" bIns="91425" lIns="91425" spcFirstLastPara="1" rIns="91425" wrap="square" tIns="91425">
+          <a:bodyPr spcFirstLastPara="1" wrap="square" lIns="91425" tIns="91425" rIns="91425" bIns="91425" anchor="b" anchorCtr="0">
             <a:normAutofit/>
           </a:bodyPr>
           <a:lstStyle>
@@ -4797,15 +4908,19 @@
               </a:defRPr>
             </a:lvl9pPr>
           </a:lstStyle>
-          <a:p/>
+          <a:p>
+            <a:endParaRPr/>
+          </a:p>
         </p:txBody>
       </p:sp>
       <p:sp>
         <p:nvSpPr>
           <p:cNvPr id="43" name="Google Shape;43;p9"/>
-          <p:cNvSpPr txBox="1"/>
+          <p:cNvSpPr txBox="1">
+            <a:spLocks noGrp="1"/>
+          </p:cNvSpPr>
           <p:nvPr>
-            <p:ph idx="1" type="subTitle"/>
+            <p:ph type="subTitle" idx="1"/>
           </p:nvPr>
         </p:nvSpPr>
         <p:spPr>
@@ -4818,7 +4933,7 @@
           </a:prstGeom>
         </p:spPr>
         <p:txBody>
-          <a:bodyPr anchorCtr="0" anchor="t" bIns="91425" lIns="91425" spcFirstLastPara="1" rIns="91425" wrap="square" tIns="91425">
+          <a:bodyPr spcFirstLastPara="1" wrap="square" lIns="91425" tIns="91425" rIns="91425" bIns="91425" anchor="t" anchorCtr="0">
             <a:normAutofit/>
           </a:bodyPr>
           <a:lstStyle>
@@ -4949,15 +5064,19 @@
               <a:defRPr sz="2100"/>
             </a:lvl9pPr>
           </a:lstStyle>
-          <a:p/>
+          <a:p>
+            <a:endParaRPr/>
+          </a:p>
         </p:txBody>
       </p:sp>
       <p:sp>
         <p:nvSpPr>
           <p:cNvPr id="44" name="Google Shape;44;p9"/>
-          <p:cNvSpPr txBox="1"/>
+          <p:cNvSpPr txBox="1">
+            <a:spLocks noGrp="1"/>
+          </p:cNvSpPr>
           <p:nvPr>
-            <p:ph idx="2" type="body"/>
+            <p:ph type="body" idx="2"/>
           </p:nvPr>
         </p:nvSpPr>
         <p:spPr>
@@ -4970,11 +5089,11 @@
           </a:prstGeom>
         </p:spPr>
         <p:txBody>
-          <a:bodyPr anchorCtr="0" anchor="ctr" bIns="91425" lIns="91425" spcFirstLastPara="1" rIns="91425" wrap="square" tIns="91425">
+          <a:bodyPr spcFirstLastPara="1" wrap="square" lIns="91425" tIns="91425" rIns="91425" bIns="91425" anchor="ctr" anchorCtr="0">
             <a:normAutofit/>
           </a:bodyPr>
           <a:lstStyle>
-            <a:lvl1pPr indent="-342900" lvl="0" marL="457200">
+            <a:lvl1pPr marL="457200" lvl="0" indent="-342900">
               <a:spcBef>
                 <a:spcPts val="0"/>
               </a:spcBef>
@@ -4992,7 +5111,7 @@
                 </a:solidFill>
               </a:defRPr>
             </a:lvl1pPr>
-            <a:lvl2pPr indent="-317500" lvl="1" marL="914400">
+            <a:lvl2pPr marL="914400" lvl="1" indent="-317500">
               <a:spcBef>
                 <a:spcPts val="0"/>
               </a:spcBef>
@@ -5010,7 +5129,7 @@
                 </a:solidFill>
               </a:defRPr>
             </a:lvl2pPr>
-            <a:lvl3pPr indent="-317500" lvl="2" marL="1371600">
+            <a:lvl3pPr marL="1371600" lvl="2" indent="-317500">
               <a:spcBef>
                 <a:spcPts val="0"/>
               </a:spcBef>
@@ -5028,7 +5147,7 @@
                 </a:solidFill>
               </a:defRPr>
             </a:lvl3pPr>
-            <a:lvl4pPr indent="-317500" lvl="3" marL="1828800">
+            <a:lvl4pPr marL="1828800" lvl="3" indent="-317500">
               <a:spcBef>
                 <a:spcPts val="0"/>
               </a:spcBef>
@@ -5046,7 +5165,7 @@
                 </a:solidFill>
               </a:defRPr>
             </a:lvl4pPr>
-            <a:lvl5pPr indent="-317500" lvl="4" marL="2286000">
+            <a:lvl5pPr marL="2286000" lvl="4" indent="-317500">
               <a:spcBef>
                 <a:spcPts val="0"/>
               </a:spcBef>
@@ -5064,7 +5183,7 @@
                 </a:solidFill>
               </a:defRPr>
             </a:lvl5pPr>
-            <a:lvl6pPr indent="-317500" lvl="5" marL="2743200">
+            <a:lvl6pPr marL="2743200" lvl="5" indent="-317500">
               <a:spcBef>
                 <a:spcPts val="0"/>
               </a:spcBef>
@@ -5082,7 +5201,7 @@
                 </a:solidFill>
               </a:defRPr>
             </a:lvl6pPr>
-            <a:lvl7pPr indent="-317500" lvl="6" marL="3200400">
+            <a:lvl7pPr marL="3200400" lvl="6" indent="-317500">
               <a:spcBef>
                 <a:spcPts val="0"/>
               </a:spcBef>
@@ -5100,7 +5219,7 @@
                 </a:solidFill>
               </a:defRPr>
             </a:lvl7pPr>
-            <a:lvl8pPr indent="-317500" lvl="7" marL="3657600">
+            <a:lvl8pPr marL="3657600" lvl="7" indent="-317500">
               <a:spcBef>
                 <a:spcPts val="0"/>
               </a:spcBef>
@@ -5118,7 +5237,7 @@
                 </a:solidFill>
               </a:defRPr>
             </a:lvl8pPr>
-            <a:lvl9pPr indent="-317500" lvl="8" marL="4114800">
+            <a:lvl9pPr marL="4114800" lvl="8" indent="-317500">
               <a:spcBef>
                 <a:spcPts val="0"/>
               </a:spcBef>
@@ -5137,15 +5256,19 @@
               </a:defRPr>
             </a:lvl9pPr>
           </a:lstStyle>
-          <a:p/>
+          <a:p>
+            <a:endParaRPr/>
+          </a:p>
         </p:txBody>
       </p:sp>
       <p:sp>
         <p:nvSpPr>
           <p:cNvPr id="45" name="Google Shape;45;p9"/>
-          <p:cNvSpPr txBox="1"/>
+          <p:cNvSpPr txBox="1">
+            <a:spLocks noGrp="1"/>
+          </p:cNvSpPr>
           <p:nvPr>
-            <p:ph idx="12" type="sldNum"/>
+            <p:ph type="sldNum" idx="12"/>
           </p:nvPr>
         </p:nvSpPr>
         <p:spPr>
@@ -5158,7 +5281,7 @@
           </a:prstGeom>
         </p:spPr>
         <p:txBody>
-          <a:bodyPr anchorCtr="0" anchor="ctr" bIns="91425" lIns="91425" spcFirstLastPara="1" rIns="91425" wrap="square" tIns="91425">
+          <a:bodyPr spcFirstLastPara="1" wrap="square" lIns="91425" tIns="91425" rIns="91425" bIns="91425" anchor="ctr" anchorCtr="0">
             <a:normAutofit/>
           </a:bodyPr>
           <a:lstStyle>
@@ -5236,7 +5359,7 @@
             </a:lvl9pPr>
           </a:lstStyle>
           <a:p>
-            <a:pPr indent="0" lvl="0" marL="0" rtl="0" algn="r">
+            <a:pPr marL="0" lvl="0" indent="0" algn="r" rtl="0">
               <a:spcBef>
                 <a:spcPts val="0"/>
               </a:spcBef>
@@ -5262,11 +5385,11 @@
 </file>
 
 <file path=ppt/slideLayouts/slideLayout9.xml><?xml version="1.0" encoding="utf-8"?>
-<p:sldLayout xmlns:a="http://schemas.openxmlformats.org/drawingml/2006/main" xmlns:r="http://schemas.openxmlformats.org/officeDocument/2006/relationships" xmlns:mc="http://schemas.openxmlformats.org/markup-compatibility/2006" xmlns:mv="urn:schemas-microsoft-com:mac:vml" xmlns:p="http://schemas.openxmlformats.org/presentationml/2006/main" xmlns:c="http://schemas.openxmlformats.org/drawingml/2006/chart" xmlns:dgm="http://schemas.openxmlformats.org/drawingml/2006/diagram" xmlns:o="urn:schemas-microsoft-com:office:office" xmlns:v="urn:schemas-microsoft-com:vml" xmlns:pvml="urn:schemas-microsoft-com:office:powerpoint" xmlns:com="http://schemas.openxmlformats.org/drawingml/2006/compatibility" xmlns:p14="http://schemas.microsoft.com/office/powerpoint/2010/main" xmlns:p15="http://schemas.microsoft.com/office/powerpoint/2012/main" xmlns:ahyp="http://schemas.microsoft.com/office/drawing/2018/hyperlinkcolor" matchingName="Caption">
+<p:sldLayout xmlns:a="http://schemas.openxmlformats.org/drawingml/2006/main" xmlns:r="http://schemas.openxmlformats.org/officeDocument/2006/relationships" xmlns:p="http://schemas.openxmlformats.org/presentationml/2006/main" matchingName="Caption">
   <p:cSld name="CAPTION_ONLY">
     <p:spTree>
       <p:nvGrpSpPr>
-        <p:cNvPr id="46" name="Shape 46"/>
+        <p:cNvPr id="1" name="Shape 46"/>
         <p:cNvGrpSpPr/>
         <p:nvPr/>
       </p:nvGrpSpPr>
@@ -5281,9 +5404,11 @@
       <p:sp>
         <p:nvSpPr>
           <p:cNvPr id="47" name="Google Shape;47;p10"/>
-          <p:cNvSpPr txBox="1"/>
+          <p:cNvSpPr txBox="1">
+            <a:spLocks noGrp="1"/>
+          </p:cNvSpPr>
           <p:nvPr>
-            <p:ph idx="1" type="body"/>
+            <p:ph type="body" idx="1"/>
           </p:nvPr>
         </p:nvSpPr>
         <p:spPr>
@@ -5296,11 +5421,11 @@
           </a:prstGeom>
         </p:spPr>
         <p:txBody>
-          <a:bodyPr anchorCtr="0" anchor="ctr" bIns="91425" lIns="91425" spcFirstLastPara="1" rIns="91425" wrap="square" tIns="91425">
+          <a:bodyPr spcFirstLastPara="1" wrap="square" lIns="91425" tIns="91425" rIns="91425" bIns="91425" anchor="ctr" anchorCtr="0">
             <a:normAutofit/>
           </a:bodyPr>
           <a:lstStyle>
-            <a:lvl1pPr indent="-228600" lvl="0" marL="457200">
+            <a:lvl1pPr marL="457200" lvl="0" indent="-228600">
               <a:lnSpc>
                 <a:spcPct val="100000"/>
               </a:lnSpc>
@@ -5315,15 +5440,19 @@
               <a:defRPr/>
             </a:lvl1pPr>
           </a:lstStyle>
-          <a:p/>
+          <a:p>
+            <a:endParaRPr/>
+          </a:p>
         </p:txBody>
       </p:sp>
       <p:sp>
         <p:nvSpPr>
           <p:cNvPr id="48" name="Google Shape;48;p10"/>
-          <p:cNvSpPr txBox="1"/>
+          <p:cNvSpPr txBox="1">
+            <a:spLocks noGrp="1"/>
+          </p:cNvSpPr>
           <p:nvPr>
-            <p:ph idx="12" type="sldNum"/>
+            <p:ph type="sldNum" idx="12"/>
           </p:nvPr>
         </p:nvSpPr>
         <p:spPr>
@@ -5336,7 +5465,7 @@
           </a:prstGeom>
         </p:spPr>
         <p:txBody>
-          <a:bodyPr anchorCtr="0" anchor="ctr" bIns="91425" lIns="91425" spcFirstLastPara="1" rIns="91425" wrap="square" tIns="91425">
+          <a:bodyPr spcFirstLastPara="1" wrap="square" lIns="91425" tIns="91425" rIns="91425" bIns="91425" anchor="ctr" anchorCtr="0">
             <a:normAutofit/>
           </a:bodyPr>
           <a:lstStyle>
@@ -5378,7 +5507,7 @@
             </a:lvl9pPr>
           </a:lstStyle>
           <a:p>
-            <a:pPr indent="0" lvl="0" marL="0" rtl="0" algn="r">
+            <a:pPr marL="0" lvl="0" indent="0" algn="r" rtl="0">
               <a:spcBef>
                 <a:spcPts val="0"/>
               </a:spcBef>
@@ -5404,18 +5533,19 @@
 </file>
 
 <file path=ppt/slideMasters/slideMaster1.xml><?xml version="1.0" encoding="utf-8"?>
-<p:sldMaster xmlns:a="http://schemas.openxmlformats.org/drawingml/2006/main" xmlns:r="http://schemas.openxmlformats.org/officeDocument/2006/relationships" xmlns:mc="http://schemas.openxmlformats.org/markup-compatibility/2006" xmlns:mv="urn:schemas-microsoft-com:mac:vml" xmlns:p="http://schemas.openxmlformats.org/presentationml/2006/main" xmlns:c="http://schemas.openxmlformats.org/drawingml/2006/chart" xmlns:dgm="http://schemas.openxmlformats.org/drawingml/2006/diagram" xmlns:o="urn:schemas-microsoft-com:office:office" xmlns:v="urn:schemas-microsoft-com:vml" xmlns:pvml="urn:schemas-microsoft-com:office:powerpoint" xmlns:com="http://schemas.openxmlformats.org/drawingml/2006/compatibility" xmlns:p14="http://schemas.microsoft.com/office/powerpoint/2010/main" xmlns:p15="http://schemas.microsoft.com/office/powerpoint/2012/main" xmlns:ahyp="http://schemas.microsoft.com/office/drawing/2018/hyperlinkcolor">
+<p:sldMaster xmlns:a="http://schemas.openxmlformats.org/drawingml/2006/main" xmlns:r="http://schemas.openxmlformats.org/officeDocument/2006/relationships" xmlns:p="http://schemas.openxmlformats.org/presentationml/2006/main">
   <p:cSld name="paperback">
     <p:bg>
       <p:bgPr>
         <a:solidFill>
           <a:schemeClr val="accent1"/>
         </a:solidFill>
+        <a:effectLst/>
       </p:bgPr>
     </p:bg>
     <p:spTree>
       <p:nvGrpSpPr>
-        <p:cNvPr id="5" name="Shape 5"/>
+        <p:cNvPr id="1" name="Shape 5"/>
         <p:cNvGrpSpPr/>
         <p:nvPr/>
       </p:nvGrpSpPr>
@@ -5430,7 +5560,9 @@
       <p:sp>
         <p:nvSpPr>
           <p:cNvPr id="6" name="Google Shape;6;p1"/>
-          <p:cNvSpPr txBox="1"/>
+          <p:cNvSpPr txBox="1">
+            <a:spLocks noGrp="1"/>
+          </p:cNvSpPr>
           <p:nvPr>
             <p:ph type="title"/>
           </p:nvPr>
@@ -5449,7 +5581,7 @@
           </a:ln>
         </p:spPr>
         <p:txBody>
-          <a:bodyPr anchorCtr="0" anchor="t" bIns="91425" lIns="91425" spcFirstLastPara="1" rIns="91425" wrap="square" tIns="91425">
+          <a:bodyPr spcFirstLastPara="1" wrap="square" lIns="91425" tIns="91425" rIns="91425" bIns="91425" anchor="t" anchorCtr="0">
             <a:normAutofit/>
           </a:bodyPr>
           <a:lstStyle>
@@ -5661,15 +5793,19 @@
               </a:defRPr>
             </a:lvl9pPr>
           </a:lstStyle>
-          <a:p/>
+          <a:p>
+            <a:endParaRPr/>
+          </a:p>
         </p:txBody>
       </p:sp>
       <p:sp>
         <p:nvSpPr>
           <p:cNvPr id="7" name="Google Shape;7;p1"/>
-          <p:cNvSpPr txBox="1"/>
+          <p:cNvSpPr txBox="1">
+            <a:spLocks noGrp="1"/>
+          </p:cNvSpPr>
           <p:nvPr>
-            <p:ph idx="1" type="body"/>
+            <p:ph type="body" idx="1"/>
           </p:nvPr>
         </p:nvSpPr>
         <p:spPr>
@@ -5686,11 +5822,11 @@
           </a:ln>
         </p:spPr>
         <p:txBody>
-          <a:bodyPr anchorCtr="0" anchor="t" bIns="91425" lIns="91425" spcFirstLastPara="1" rIns="91425" wrap="square" tIns="91425">
+          <a:bodyPr spcFirstLastPara="1" wrap="square" lIns="91425" tIns="91425" rIns="91425" bIns="91425" anchor="t" anchorCtr="0">
             <a:normAutofit/>
           </a:bodyPr>
           <a:lstStyle>
-            <a:lvl1pPr indent="-342900" lvl="0" marL="457200">
+            <a:lvl1pPr marL="457200" lvl="0" indent="-342900">
               <a:lnSpc>
                 <a:spcPct val="115000"/>
               </a:lnSpc>
@@ -5716,7 +5852,7 @@
                 <a:sym typeface="Old Standard TT"/>
               </a:defRPr>
             </a:lvl1pPr>
-            <a:lvl2pPr indent="-317500" lvl="1" marL="914400">
+            <a:lvl2pPr marL="914400" lvl="1" indent="-317500">
               <a:lnSpc>
                 <a:spcPct val="115000"/>
               </a:lnSpc>
@@ -5742,7 +5878,7 @@
                 <a:sym typeface="Old Standard TT"/>
               </a:defRPr>
             </a:lvl2pPr>
-            <a:lvl3pPr indent="-317500" lvl="2" marL="1371600">
+            <a:lvl3pPr marL="1371600" lvl="2" indent="-317500">
               <a:lnSpc>
                 <a:spcPct val="115000"/>
               </a:lnSpc>
@@ -5768,7 +5904,7 @@
                 <a:sym typeface="Old Standard TT"/>
               </a:defRPr>
             </a:lvl3pPr>
-            <a:lvl4pPr indent="-317500" lvl="3" marL="1828800">
+            <a:lvl4pPr marL="1828800" lvl="3" indent="-317500">
               <a:lnSpc>
                 <a:spcPct val="115000"/>
               </a:lnSpc>
@@ -5794,7 +5930,7 @@
                 <a:sym typeface="Old Standard TT"/>
               </a:defRPr>
             </a:lvl4pPr>
-            <a:lvl5pPr indent="-317500" lvl="4" marL="2286000">
+            <a:lvl5pPr marL="2286000" lvl="4" indent="-317500">
               <a:lnSpc>
                 <a:spcPct val="115000"/>
               </a:lnSpc>
@@ -5820,7 +5956,7 @@
                 <a:sym typeface="Old Standard TT"/>
               </a:defRPr>
             </a:lvl5pPr>
-            <a:lvl6pPr indent="-317500" lvl="5" marL="2743200">
+            <a:lvl6pPr marL="2743200" lvl="5" indent="-317500">
               <a:lnSpc>
                 <a:spcPct val="115000"/>
               </a:lnSpc>
@@ -5846,7 +5982,7 @@
                 <a:sym typeface="Old Standard TT"/>
               </a:defRPr>
             </a:lvl6pPr>
-            <a:lvl7pPr indent="-317500" lvl="6" marL="3200400">
+            <a:lvl7pPr marL="3200400" lvl="6" indent="-317500">
               <a:lnSpc>
                 <a:spcPct val="115000"/>
               </a:lnSpc>
@@ -5872,7 +6008,7 @@
                 <a:sym typeface="Old Standard TT"/>
               </a:defRPr>
             </a:lvl7pPr>
-            <a:lvl8pPr indent="-317500" lvl="7" marL="3657600">
+            <a:lvl8pPr marL="3657600" lvl="7" indent="-317500">
               <a:lnSpc>
                 <a:spcPct val="115000"/>
               </a:lnSpc>
@@ -5898,7 +6034,7 @@
                 <a:sym typeface="Old Standard TT"/>
               </a:defRPr>
             </a:lvl8pPr>
-            <a:lvl9pPr indent="-317500" lvl="8" marL="4114800">
+            <a:lvl9pPr marL="4114800" lvl="8" indent="-317500">
               <a:lnSpc>
                 <a:spcPct val="115000"/>
               </a:lnSpc>
@@ -5925,15 +6061,19 @@
               </a:defRPr>
             </a:lvl9pPr>
           </a:lstStyle>
-          <a:p/>
+          <a:p>
+            <a:endParaRPr/>
+          </a:p>
         </p:txBody>
       </p:sp>
       <p:sp>
         <p:nvSpPr>
           <p:cNvPr id="8" name="Google Shape;8;p1"/>
-          <p:cNvSpPr txBox="1"/>
+          <p:cNvSpPr txBox="1">
+            <a:spLocks noGrp="1"/>
+          </p:cNvSpPr>
           <p:nvPr>
-            <p:ph idx="12" type="sldNum"/>
+            <p:ph type="sldNum" idx="12"/>
           </p:nvPr>
         </p:nvSpPr>
         <p:spPr>
@@ -5950,7 +6090,7 @@
           </a:ln>
         </p:spPr>
         <p:txBody>
-          <a:bodyPr anchorCtr="0" anchor="ctr" bIns="91425" lIns="91425" spcFirstLastPara="1" rIns="91425" wrap="square" tIns="91425">
+          <a:bodyPr spcFirstLastPara="1" wrap="square" lIns="91425" tIns="91425" rIns="91425" bIns="91425" anchor="ctr" anchorCtr="0">
             <a:normAutofit/>
           </a:bodyPr>
           <a:lstStyle>
@@ -6064,7 +6204,7 @@
             </a:lvl9pPr>
           </a:lstStyle>
           <a:p>
-            <a:pPr indent="0" lvl="0" marL="0" rtl="0" algn="r">
+            <a:pPr marL="0" lvl="0" indent="0" algn="r" rtl="0">
               <a:spcBef>
                 <a:spcPts val="0"/>
               </a:spcBef>
@@ -6083,7 +6223,7 @@
       </p:sp>
     </p:spTree>
   </p:cSld>
-  <p:clrMap accent1="accent1" accent2="accent2" accent3="accent3" accent4="accent4" accent5="accent5" accent6="accent6" bg1="lt1" bg2="dk2" tx1="dk1" tx2="lt2" folHlink="folHlink" hlink="hlink"/>
+  <p:clrMap bg1="lt1" tx1="dk1" bg2="dk2" tx2="lt2" accent1="accent1" accent2="accent2" accent3="accent3" accent4="accent4" accent5="accent5" accent6="accent6" hlink="hlink" folHlink="folHlink"/>
   <p:sldLayoutIdLst>
     <p:sldLayoutId id="2147483648" r:id="rId1"/>
     <p:sldLayoutId id="2147483649" r:id="rId2"/>
@@ -6097,10 +6237,10 @@
     <p:sldLayoutId id="2147483657" r:id="rId10"/>
     <p:sldLayoutId id="2147483658" r:id="rId11"/>
   </p:sldLayoutIdLst>
-  <p:hf dt="0" ftr="0" hdr="0" sldNum="0"/>
+  <p:hf sldNum="0" hdr="0" ftr="0" dt="0"/>
   <p:txStyles>
     <p:titleStyle>
-      <a:defPPr lvl="0" marR="0" rtl="0" algn="l">
+      <a:defPPr marR="0" lvl="0" algn="l" rtl="0">
         <a:lnSpc>
           <a:spcPct val="100000"/>
         </a:lnSpc>
@@ -6111,7 +6251,7 @@
           <a:spcPts val="0"/>
         </a:spcAft>
       </a:defPPr>
-      <a:lvl1pPr lvl="0" marR="0" rtl="0" algn="l">
+      <a:lvl1pPr marR="0" lvl="0" algn="l" rtl="0">
         <a:lnSpc>
           <a:spcPct val="100000"/>
         </a:lnSpc>
@@ -6125,7 +6265,7 @@
           <a:srgbClr val="000000"/>
         </a:buClr>
         <a:buFont typeface="Arial"/>
-        <a:defRPr b="0" i="0" sz="1400" u="none" cap="none" strike="noStrike">
+        <a:defRPr sz="1400" b="0" i="0" u="none" strike="noStrike" cap="none">
           <a:solidFill>
             <a:srgbClr val="000000"/>
           </a:solidFill>
@@ -6135,7 +6275,7 @@
           <a:sym typeface="Arial"/>
         </a:defRPr>
       </a:lvl1pPr>
-      <a:lvl2pPr lvl="1" marR="0" rtl="0" algn="l">
+      <a:lvl2pPr marR="0" lvl="1" algn="l" rtl="0">
         <a:lnSpc>
           <a:spcPct val="100000"/>
         </a:lnSpc>
@@ -6149,7 +6289,7 @@
           <a:srgbClr val="000000"/>
         </a:buClr>
         <a:buFont typeface="Arial"/>
-        <a:defRPr b="0" i="0" sz="1400" u="none" cap="none" strike="noStrike">
+        <a:defRPr sz="1400" b="0" i="0" u="none" strike="noStrike" cap="none">
           <a:solidFill>
             <a:srgbClr val="000000"/>
           </a:solidFill>
@@ -6159,7 +6299,7 @@
           <a:sym typeface="Arial"/>
         </a:defRPr>
       </a:lvl2pPr>
-      <a:lvl3pPr lvl="2" marR="0" rtl="0" algn="l">
+      <a:lvl3pPr marR="0" lvl="2" algn="l" rtl="0">
         <a:lnSpc>
           <a:spcPct val="100000"/>
         </a:lnSpc>
@@ -6173,7 +6313,7 @@
           <a:srgbClr val="000000"/>
         </a:buClr>
         <a:buFont typeface="Arial"/>
-        <a:defRPr b="0" i="0" sz="1400" u="none" cap="none" strike="noStrike">
+        <a:defRPr sz="1400" b="0" i="0" u="none" strike="noStrike" cap="none">
           <a:solidFill>
             <a:srgbClr val="000000"/>
           </a:solidFill>
@@ -6183,7 +6323,7 @@
           <a:sym typeface="Arial"/>
         </a:defRPr>
       </a:lvl3pPr>
-      <a:lvl4pPr lvl="3" marR="0" rtl="0" algn="l">
+      <a:lvl4pPr marR="0" lvl="3" algn="l" rtl="0">
         <a:lnSpc>
           <a:spcPct val="100000"/>
         </a:lnSpc>
@@ -6197,7 +6337,7 @@
           <a:srgbClr val="000000"/>
         </a:buClr>
         <a:buFont typeface="Arial"/>
-        <a:defRPr b="0" i="0" sz="1400" u="none" cap="none" strike="noStrike">
+        <a:defRPr sz="1400" b="0" i="0" u="none" strike="noStrike" cap="none">
           <a:solidFill>
             <a:srgbClr val="000000"/>
           </a:solidFill>
@@ -6207,7 +6347,7 @@
           <a:sym typeface="Arial"/>
         </a:defRPr>
       </a:lvl4pPr>
-      <a:lvl5pPr lvl="4" marR="0" rtl="0" algn="l">
+      <a:lvl5pPr marR="0" lvl="4" algn="l" rtl="0">
         <a:lnSpc>
           <a:spcPct val="100000"/>
         </a:lnSpc>
@@ -6221,7 +6361,7 @@
           <a:srgbClr val="000000"/>
         </a:buClr>
         <a:buFont typeface="Arial"/>
-        <a:defRPr b="0" i="0" sz="1400" u="none" cap="none" strike="noStrike">
+        <a:defRPr sz="1400" b="0" i="0" u="none" strike="noStrike" cap="none">
           <a:solidFill>
             <a:srgbClr val="000000"/>
           </a:solidFill>
@@ -6231,7 +6371,7 @@
           <a:sym typeface="Arial"/>
         </a:defRPr>
       </a:lvl5pPr>
-      <a:lvl6pPr lvl="5" marR="0" rtl="0" algn="l">
+      <a:lvl6pPr marR="0" lvl="5" algn="l" rtl="0">
         <a:lnSpc>
           <a:spcPct val="100000"/>
         </a:lnSpc>
@@ -6245,7 +6385,7 @@
           <a:srgbClr val="000000"/>
         </a:buClr>
         <a:buFont typeface="Arial"/>
-        <a:defRPr b="0" i="0" sz="1400" u="none" cap="none" strike="noStrike">
+        <a:defRPr sz="1400" b="0" i="0" u="none" strike="noStrike" cap="none">
           <a:solidFill>
             <a:srgbClr val="000000"/>
           </a:solidFill>
@@ -6255,7 +6395,7 @@
           <a:sym typeface="Arial"/>
         </a:defRPr>
       </a:lvl6pPr>
-      <a:lvl7pPr lvl="6" marR="0" rtl="0" algn="l">
+      <a:lvl7pPr marR="0" lvl="6" algn="l" rtl="0">
         <a:lnSpc>
           <a:spcPct val="100000"/>
         </a:lnSpc>
@@ -6269,7 +6409,7 @@
           <a:srgbClr val="000000"/>
         </a:buClr>
         <a:buFont typeface="Arial"/>
-        <a:defRPr b="0" i="0" sz="1400" u="none" cap="none" strike="noStrike">
+        <a:defRPr sz="1400" b="0" i="0" u="none" strike="noStrike" cap="none">
           <a:solidFill>
             <a:srgbClr val="000000"/>
           </a:solidFill>
@@ -6279,7 +6419,7 @@
           <a:sym typeface="Arial"/>
         </a:defRPr>
       </a:lvl7pPr>
-      <a:lvl8pPr lvl="7" marR="0" rtl="0" algn="l">
+      <a:lvl8pPr marR="0" lvl="7" algn="l" rtl="0">
         <a:lnSpc>
           <a:spcPct val="100000"/>
         </a:lnSpc>
@@ -6293,7 +6433,7 @@
           <a:srgbClr val="000000"/>
         </a:buClr>
         <a:buFont typeface="Arial"/>
-        <a:defRPr b="0" i="0" sz="1400" u="none" cap="none" strike="noStrike">
+        <a:defRPr sz="1400" b="0" i="0" u="none" strike="noStrike" cap="none">
           <a:solidFill>
             <a:srgbClr val="000000"/>
           </a:solidFill>
@@ -6303,7 +6443,7 @@
           <a:sym typeface="Arial"/>
         </a:defRPr>
       </a:lvl8pPr>
-      <a:lvl9pPr lvl="8" marR="0" rtl="0" algn="l">
+      <a:lvl9pPr marR="0" lvl="8" algn="l" rtl="0">
         <a:lnSpc>
           <a:spcPct val="100000"/>
         </a:lnSpc>
@@ -6317,7 +6457,7 @@
           <a:srgbClr val="000000"/>
         </a:buClr>
         <a:buFont typeface="Arial"/>
-        <a:defRPr b="0" i="0" sz="1400" u="none" cap="none" strike="noStrike">
+        <a:defRPr sz="1400" b="0" i="0" u="none" strike="noStrike" cap="none">
           <a:solidFill>
             <a:srgbClr val="000000"/>
           </a:solidFill>
@@ -6329,7 +6469,7 @@
       </a:lvl9pPr>
     </p:titleStyle>
     <p:bodyStyle>
-      <a:defPPr lvl="0" marR="0" rtl="0" algn="l">
+      <a:defPPr marR="0" lvl="0" algn="l" rtl="0">
         <a:lnSpc>
           <a:spcPct val="100000"/>
         </a:lnSpc>
@@ -6340,7 +6480,7 @@
           <a:spcPts val="0"/>
         </a:spcAft>
       </a:defPPr>
-      <a:lvl1pPr lvl="0" marR="0" rtl="0" algn="l">
+      <a:lvl1pPr marR="0" lvl="0" algn="l" rtl="0">
         <a:lnSpc>
           <a:spcPct val="100000"/>
         </a:lnSpc>
@@ -6354,7 +6494,7 @@
           <a:srgbClr val="000000"/>
         </a:buClr>
         <a:buFont typeface="Arial"/>
-        <a:defRPr b="0" i="0" sz="1400" u="none" cap="none" strike="noStrike">
+        <a:defRPr sz="1400" b="0" i="0" u="none" strike="noStrike" cap="none">
           <a:solidFill>
             <a:srgbClr val="000000"/>
           </a:solidFill>
@@ -6364,7 +6504,7 @@
           <a:sym typeface="Arial"/>
         </a:defRPr>
       </a:lvl1pPr>
-      <a:lvl2pPr lvl="1" marR="0" rtl="0" algn="l">
+      <a:lvl2pPr marR="0" lvl="1" algn="l" rtl="0">
         <a:lnSpc>
           <a:spcPct val="100000"/>
         </a:lnSpc>
@@ -6378,7 +6518,7 @@
           <a:srgbClr val="000000"/>
         </a:buClr>
         <a:buFont typeface="Arial"/>
-        <a:defRPr b="0" i="0" sz="1400" u="none" cap="none" strike="noStrike">
+        <a:defRPr sz="1400" b="0" i="0" u="none" strike="noStrike" cap="none">
           <a:solidFill>
             <a:srgbClr val="000000"/>
           </a:solidFill>
@@ -6388,7 +6528,7 @@
           <a:sym typeface="Arial"/>
         </a:defRPr>
       </a:lvl2pPr>
-      <a:lvl3pPr lvl="2" marR="0" rtl="0" algn="l">
+      <a:lvl3pPr marR="0" lvl="2" algn="l" rtl="0">
         <a:lnSpc>
           <a:spcPct val="100000"/>
         </a:lnSpc>
@@ -6402,7 +6542,7 @@
           <a:srgbClr val="000000"/>
         </a:buClr>
         <a:buFont typeface="Arial"/>
-        <a:defRPr b="0" i="0" sz="1400" u="none" cap="none" strike="noStrike">
+        <a:defRPr sz="1400" b="0" i="0" u="none" strike="noStrike" cap="none">
           <a:solidFill>
             <a:srgbClr val="000000"/>
           </a:solidFill>
@@ -6412,7 +6552,7 @@
           <a:sym typeface="Arial"/>
         </a:defRPr>
       </a:lvl3pPr>
-      <a:lvl4pPr lvl="3" marR="0" rtl="0" algn="l">
+      <a:lvl4pPr marR="0" lvl="3" algn="l" rtl="0">
         <a:lnSpc>
           <a:spcPct val="100000"/>
         </a:lnSpc>
@@ -6426,7 +6566,7 @@
           <a:srgbClr val="000000"/>
         </a:buClr>
         <a:buFont typeface="Arial"/>
-        <a:defRPr b="0" i="0" sz="1400" u="none" cap="none" strike="noStrike">
+        <a:defRPr sz="1400" b="0" i="0" u="none" strike="noStrike" cap="none">
           <a:solidFill>
             <a:srgbClr val="000000"/>
           </a:solidFill>
@@ -6436,7 +6576,7 @@
           <a:sym typeface="Arial"/>
         </a:defRPr>
       </a:lvl4pPr>
-      <a:lvl5pPr lvl="4" marR="0" rtl="0" algn="l">
+      <a:lvl5pPr marR="0" lvl="4" algn="l" rtl="0">
         <a:lnSpc>
           <a:spcPct val="100000"/>
         </a:lnSpc>
@@ -6450,7 +6590,7 @@
           <a:srgbClr val="000000"/>
         </a:buClr>
         <a:buFont typeface="Arial"/>
-        <a:defRPr b="0" i="0" sz="1400" u="none" cap="none" strike="noStrike">
+        <a:defRPr sz="1400" b="0" i="0" u="none" strike="noStrike" cap="none">
           <a:solidFill>
             <a:srgbClr val="000000"/>
           </a:solidFill>
@@ -6460,7 +6600,7 @@
           <a:sym typeface="Arial"/>
         </a:defRPr>
       </a:lvl5pPr>
-      <a:lvl6pPr lvl="5" marR="0" rtl="0" algn="l">
+      <a:lvl6pPr marR="0" lvl="5" algn="l" rtl="0">
         <a:lnSpc>
           <a:spcPct val="100000"/>
         </a:lnSpc>
@@ -6474,7 +6614,7 @@
           <a:srgbClr val="000000"/>
         </a:buClr>
         <a:buFont typeface="Arial"/>
-        <a:defRPr b="0" i="0" sz="1400" u="none" cap="none" strike="noStrike">
+        <a:defRPr sz="1400" b="0" i="0" u="none" strike="noStrike" cap="none">
           <a:solidFill>
             <a:srgbClr val="000000"/>
           </a:solidFill>
@@ -6484,7 +6624,7 @@
           <a:sym typeface="Arial"/>
         </a:defRPr>
       </a:lvl6pPr>
-      <a:lvl7pPr lvl="6" marR="0" rtl="0" algn="l">
+      <a:lvl7pPr marR="0" lvl="6" algn="l" rtl="0">
         <a:lnSpc>
           <a:spcPct val="100000"/>
         </a:lnSpc>
@@ -6498,7 +6638,7 @@
           <a:srgbClr val="000000"/>
         </a:buClr>
         <a:buFont typeface="Arial"/>
-        <a:defRPr b="0" i="0" sz="1400" u="none" cap="none" strike="noStrike">
+        <a:defRPr sz="1400" b="0" i="0" u="none" strike="noStrike" cap="none">
           <a:solidFill>
             <a:srgbClr val="000000"/>
           </a:solidFill>
@@ -6508,7 +6648,7 @@
           <a:sym typeface="Arial"/>
         </a:defRPr>
       </a:lvl7pPr>
-      <a:lvl8pPr lvl="7" marR="0" rtl="0" algn="l">
+      <a:lvl8pPr marR="0" lvl="7" algn="l" rtl="0">
         <a:lnSpc>
           <a:spcPct val="100000"/>
         </a:lnSpc>
@@ -6522,7 +6662,7 @@
           <a:srgbClr val="000000"/>
         </a:buClr>
         <a:buFont typeface="Arial"/>
-        <a:defRPr b="0" i="0" sz="1400" u="none" cap="none" strike="noStrike">
+        <a:defRPr sz="1400" b="0" i="0" u="none" strike="noStrike" cap="none">
           <a:solidFill>
             <a:srgbClr val="000000"/>
           </a:solidFill>
@@ -6532,7 +6672,7 @@
           <a:sym typeface="Arial"/>
         </a:defRPr>
       </a:lvl8pPr>
-      <a:lvl9pPr lvl="8" marR="0" rtl="0" algn="l">
+      <a:lvl9pPr marR="0" lvl="8" algn="l" rtl="0">
         <a:lnSpc>
           <a:spcPct val="100000"/>
         </a:lnSpc>
@@ -6546,7 +6686,7 @@
           <a:srgbClr val="000000"/>
         </a:buClr>
         <a:buFont typeface="Arial"/>
-        <a:defRPr b="0" i="0" sz="1400" u="none" cap="none" strike="noStrike">
+        <a:defRPr sz="1400" b="0" i="0" u="none" strike="noStrike" cap="none">
           <a:solidFill>
             <a:srgbClr val="000000"/>
           </a:solidFill>
@@ -6558,7 +6698,7 @@
       </a:lvl9pPr>
     </p:bodyStyle>
     <p:otherStyle>
-      <a:defPPr lvl="0" marR="0" rtl="0" algn="l">
+      <a:defPPr marR="0" lvl="0" algn="l" rtl="0">
         <a:lnSpc>
           <a:spcPct val="100000"/>
         </a:lnSpc>
@@ -6569,7 +6709,7 @@
           <a:spcPts val="0"/>
         </a:spcAft>
       </a:defPPr>
-      <a:lvl1pPr lvl="0" marR="0" rtl="0" algn="l">
+      <a:lvl1pPr marR="0" lvl="0" algn="l" rtl="0">
         <a:lnSpc>
           <a:spcPct val="100000"/>
         </a:lnSpc>
@@ -6583,7 +6723,7 @@
           <a:srgbClr val="000000"/>
         </a:buClr>
         <a:buFont typeface="Arial"/>
-        <a:defRPr b="0" i="0" sz="1400" u="none" cap="none" strike="noStrike">
+        <a:defRPr sz="1400" b="0" i="0" u="none" strike="noStrike" cap="none">
           <a:solidFill>
             <a:srgbClr val="000000"/>
           </a:solidFill>
@@ -6593,7 +6733,7 @@
           <a:sym typeface="Arial"/>
         </a:defRPr>
       </a:lvl1pPr>
-      <a:lvl2pPr lvl="1" marR="0" rtl="0" algn="l">
+      <a:lvl2pPr marR="0" lvl="1" algn="l" rtl="0">
         <a:lnSpc>
           <a:spcPct val="100000"/>
         </a:lnSpc>
@@ -6607,7 +6747,7 @@
           <a:srgbClr val="000000"/>
         </a:buClr>
         <a:buFont typeface="Arial"/>
-        <a:defRPr b="0" i="0" sz="1400" u="none" cap="none" strike="noStrike">
+        <a:defRPr sz="1400" b="0" i="0" u="none" strike="noStrike" cap="none">
           <a:solidFill>
             <a:srgbClr val="000000"/>
           </a:solidFill>
@@ -6617,7 +6757,7 @@
           <a:sym typeface="Arial"/>
         </a:defRPr>
       </a:lvl2pPr>
-      <a:lvl3pPr lvl="2" marR="0" rtl="0" algn="l">
+      <a:lvl3pPr marR="0" lvl="2" algn="l" rtl="0">
         <a:lnSpc>
           <a:spcPct val="100000"/>
         </a:lnSpc>
@@ -6631,7 +6771,7 @@
           <a:srgbClr val="000000"/>
         </a:buClr>
         <a:buFont typeface="Arial"/>
-        <a:defRPr b="0" i="0" sz="1400" u="none" cap="none" strike="noStrike">
+        <a:defRPr sz="1400" b="0" i="0" u="none" strike="noStrike" cap="none">
           <a:solidFill>
             <a:srgbClr val="000000"/>
           </a:solidFill>
@@ -6641,7 +6781,7 @@
           <a:sym typeface="Arial"/>
         </a:defRPr>
       </a:lvl3pPr>
-      <a:lvl4pPr lvl="3" marR="0" rtl="0" algn="l">
+      <a:lvl4pPr marR="0" lvl="3" algn="l" rtl="0">
         <a:lnSpc>
           <a:spcPct val="100000"/>
         </a:lnSpc>
@@ -6655,7 +6795,7 @@
           <a:srgbClr val="000000"/>
         </a:buClr>
         <a:buFont typeface="Arial"/>
-        <a:defRPr b="0" i="0" sz="1400" u="none" cap="none" strike="noStrike">
+        <a:defRPr sz="1400" b="0" i="0" u="none" strike="noStrike" cap="none">
           <a:solidFill>
             <a:srgbClr val="000000"/>
           </a:solidFill>
@@ -6665,7 +6805,7 @@
           <a:sym typeface="Arial"/>
         </a:defRPr>
       </a:lvl4pPr>
-      <a:lvl5pPr lvl="4" marR="0" rtl="0" algn="l">
+      <a:lvl5pPr marR="0" lvl="4" algn="l" rtl="0">
         <a:lnSpc>
           <a:spcPct val="100000"/>
         </a:lnSpc>
@@ -6679,7 +6819,7 @@
           <a:srgbClr val="000000"/>
         </a:buClr>
         <a:buFont typeface="Arial"/>
-        <a:defRPr b="0" i="0" sz="1400" u="none" cap="none" strike="noStrike">
+        <a:defRPr sz="1400" b="0" i="0" u="none" strike="noStrike" cap="none">
           <a:solidFill>
             <a:srgbClr val="000000"/>
           </a:solidFill>
@@ -6689,7 +6829,7 @@
           <a:sym typeface="Arial"/>
         </a:defRPr>
       </a:lvl5pPr>
-      <a:lvl6pPr lvl="5" marR="0" rtl="0" algn="l">
+      <a:lvl6pPr marR="0" lvl="5" algn="l" rtl="0">
         <a:lnSpc>
           <a:spcPct val="100000"/>
         </a:lnSpc>
@@ -6703,7 +6843,7 @@
           <a:srgbClr val="000000"/>
         </a:buClr>
         <a:buFont typeface="Arial"/>
-        <a:defRPr b="0" i="0" sz="1400" u="none" cap="none" strike="noStrike">
+        <a:defRPr sz="1400" b="0" i="0" u="none" strike="noStrike" cap="none">
           <a:solidFill>
             <a:srgbClr val="000000"/>
           </a:solidFill>
@@ -6713,7 +6853,7 @@
           <a:sym typeface="Arial"/>
         </a:defRPr>
       </a:lvl6pPr>
-      <a:lvl7pPr lvl="6" marR="0" rtl="0" algn="l">
+      <a:lvl7pPr marR="0" lvl="6" algn="l" rtl="0">
         <a:lnSpc>
           <a:spcPct val="100000"/>
         </a:lnSpc>
@@ -6727,7 +6867,7 @@
           <a:srgbClr val="000000"/>
         </a:buClr>
         <a:buFont typeface="Arial"/>
-        <a:defRPr b="0" i="0" sz="1400" u="none" cap="none" strike="noStrike">
+        <a:defRPr sz="1400" b="0" i="0" u="none" strike="noStrike" cap="none">
           <a:solidFill>
             <a:srgbClr val="000000"/>
           </a:solidFill>
@@ -6737,7 +6877,7 @@
           <a:sym typeface="Arial"/>
         </a:defRPr>
       </a:lvl7pPr>
-      <a:lvl8pPr lvl="7" marR="0" rtl="0" algn="l">
+      <a:lvl8pPr marR="0" lvl="7" algn="l" rtl="0">
         <a:lnSpc>
           <a:spcPct val="100000"/>
         </a:lnSpc>
@@ -6751,7 +6891,7 @@
           <a:srgbClr val="000000"/>
         </a:buClr>
         <a:buFont typeface="Arial"/>
-        <a:defRPr b="0" i="0" sz="1400" u="none" cap="none" strike="noStrike">
+        <a:defRPr sz="1400" b="0" i="0" u="none" strike="noStrike" cap="none">
           <a:solidFill>
             <a:srgbClr val="000000"/>
           </a:solidFill>
@@ -6761,7 +6901,7 @@
           <a:sym typeface="Arial"/>
         </a:defRPr>
       </a:lvl8pPr>
-      <a:lvl9pPr lvl="8" marR="0" rtl="0" algn="l">
+      <a:lvl9pPr marR="0" lvl="8" algn="l" rtl="0">
         <a:lnSpc>
           <a:spcPct val="100000"/>
         </a:lnSpc>
@@ -6775,7 +6915,7 @@
           <a:srgbClr val="000000"/>
         </a:buClr>
         <a:buFont typeface="Arial"/>
-        <a:defRPr b="0" i="0" sz="1400" u="none" cap="none" strike="noStrike">
+        <a:defRPr sz="1400" b="0" i="0" u="none" strike="noStrike" cap="none">
           <a:solidFill>
             <a:srgbClr val="000000"/>
           </a:solidFill>
@@ -6791,11 +6931,11 @@
 </file>
 
 <file path=ppt/slides/slide1.xml><?xml version="1.0" encoding="utf-8"?>
-<p:sld xmlns:a="http://schemas.openxmlformats.org/drawingml/2006/main" xmlns:r="http://schemas.openxmlformats.org/officeDocument/2006/relationships" xmlns:mc="http://schemas.openxmlformats.org/markup-compatibility/2006" xmlns:mv="urn:schemas-microsoft-com:mac:vml" xmlns:p="http://schemas.openxmlformats.org/presentationml/2006/main" xmlns:c="http://schemas.openxmlformats.org/drawingml/2006/chart" xmlns:dgm="http://schemas.openxmlformats.org/drawingml/2006/diagram" xmlns:o="urn:schemas-microsoft-com:office:office" xmlns:v="urn:schemas-microsoft-com:vml" xmlns:pvml="urn:schemas-microsoft-com:office:powerpoint" xmlns:com="http://schemas.openxmlformats.org/drawingml/2006/compatibility" xmlns:p14="http://schemas.microsoft.com/office/powerpoint/2010/main" xmlns:p15="http://schemas.microsoft.com/office/powerpoint/2012/main" xmlns:ahyp="http://schemas.microsoft.com/office/drawing/2018/hyperlinkcolor">
+<p:sld xmlns:a="http://schemas.openxmlformats.org/drawingml/2006/main" xmlns:r="http://schemas.openxmlformats.org/officeDocument/2006/relationships" xmlns:p="http://schemas.openxmlformats.org/presentationml/2006/main">
   <p:cSld>
     <p:spTree>
       <p:nvGrpSpPr>
-        <p:cNvPr id="58" name="Shape 58"/>
+        <p:cNvPr id="1" name="Shape 58"/>
         <p:cNvGrpSpPr/>
         <p:nvPr/>
       </p:nvGrpSpPr>
@@ -6810,7 +6950,9 @@
       <p:sp>
         <p:nvSpPr>
           <p:cNvPr id="59" name="Google Shape;59;p13"/>
-          <p:cNvSpPr txBox="1"/>
+          <p:cNvSpPr txBox="1">
+            <a:spLocks noGrp="1"/>
+          </p:cNvSpPr>
           <p:nvPr>
             <p:ph type="ctrTitle"/>
           </p:nvPr>
@@ -6825,12 +6967,12 @@
           </a:prstGeom>
         </p:spPr>
         <p:txBody>
-          <a:bodyPr anchorCtr="0" anchor="b" bIns="91425" lIns="91425" spcFirstLastPara="1" rIns="91425" wrap="square" tIns="91425">
+          <a:bodyPr spcFirstLastPara="1" wrap="square" lIns="91425" tIns="91425" rIns="91425" bIns="91425" anchor="b" anchorCtr="0">
             <a:normAutofit/>
           </a:bodyPr>
           <a:lstStyle/>
           <a:p>
-            <a:pPr indent="0" lvl="0" marL="0" rtl="0" algn="l">
+            <a:pPr marL="0" lvl="0" indent="0" algn="l" rtl="0">
               <a:spcBef>
                 <a:spcPts val="0"/>
               </a:spcBef>
@@ -6850,9 +6992,11 @@
       <p:sp>
         <p:nvSpPr>
           <p:cNvPr id="60" name="Google Shape;60;p13"/>
-          <p:cNvSpPr txBox="1"/>
+          <p:cNvSpPr txBox="1">
+            <a:spLocks noGrp="1"/>
+          </p:cNvSpPr>
           <p:nvPr>
-            <p:ph idx="1" type="subTitle"/>
+            <p:ph type="subTitle" idx="1"/>
           </p:nvPr>
         </p:nvSpPr>
         <p:spPr>
@@ -6865,12 +7009,12 @@
           </a:prstGeom>
         </p:spPr>
         <p:txBody>
-          <a:bodyPr anchorCtr="0" anchor="t" bIns="91425" lIns="91425" spcFirstLastPara="1" rIns="91425" wrap="square" tIns="91425">
+          <a:bodyPr spcFirstLastPara="1" wrap="square" lIns="91425" tIns="91425" rIns="91425" bIns="91425" anchor="t" anchorCtr="0">
             <a:normAutofit/>
           </a:bodyPr>
           <a:lstStyle/>
           <a:p>
-            <a:pPr indent="0" lvl="0" marL="0" rtl="0" algn="l">
+            <a:pPr marL="0" lvl="0" indent="0" algn="l" rtl="0">
               <a:spcBef>
                 <a:spcPts val="0"/>
               </a:spcBef>
@@ -6904,11 +7048,11 @@
 </file>
 
 <file path=ppt/slides/slide2.xml><?xml version="1.0" encoding="utf-8"?>
-<p:sld xmlns:a="http://schemas.openxmlformats.org/drawingml/2006/main" xmlns:r="http://schemas.openxmlformats.org/officeDocument/2006/relationships" xmlns:mc="http://schemas.openxmlformats.org/markup-compatibility/2006" xmlns:mv="urn:schemas-microsoft-com:mac:vml" xmlns:p="http://schemas.openxmlformats.org/presentationml/2006/main" xmlns:c="http://schemas.openxmlformats.org/drawingml/2006/chart" xmlns:dgm="http://schemas.openxmlformats.org/drawingml/2006/diagram" xmlns:o="urn:schemas-microsoft-com:office:office" xmlns:v="urn:schemas-microsoft-com:vml" xmlns:pvml="urn:schemas-microsoft-com:office:powerpoint" xmlns:com="http://schemas.openxmlformats.org/drawingml/2006/compatibility" xmlns:p14="http://schemas.microsoft.com/office/powerpoint/2010/main" xmlns:p15="http://schemas.microsoft.com/office/powerpoint/2012/main" xmlns:ahyp="http://schemas.microsoft.com/office/drawing/2018/hyperlinkcolor">
+<p:sld xmlns:a="http://schemas.openxmlformats.org/drawingml/2006/main" xmlns:r="http://schemas.openxmlformats.org/officeDocument/2006/relationships" xmlns:p="http://schemas.openxmlformats.org/presentationml/2006/main">
   <p:cSld>
     <p:spTree>
       <p:nvGrpSpPr>
-        <p:cNvPr id="64" name="Shape 64"/>
+        <p:cNvPr id="1" name="Shape 64"/>
         <p:cNvGrpSpPr/>
         <p:nvPr/>
       </p:nvGrpSpPr>
@@ -6923,7 +7067,9 @@
       <p:sp>
         <p:nvSpPr>
           <p:cNvPr id="65" name="Google Shape;65;p14"/>
-          <p:cNvSpPr txBox="1"/>
+          <p:cNvSpPr txBox="1">
+            <a:spLocks noGrp="1"/>
+          </p:cNvSpPr>
           <p:nvPr>
             <p:ph type="title"/>
           </p:nvPr>
@@ -6938,12 +7084,12 @@
           </a:prstGeom>
         </p:spPr>
         <p:txBody>
-          <a:bodyPr anchorCtr="0" anchor="t" bIns="91425" lIns="91425" spcFirstLastPara="1" rIns="91425" wrap="square" tIns="91425">
+          <a:bodyPr spcFirstLastPara="1" wrap="square" lIns="91425" tIns="91425" rIns="91425" bIns="91425" anchor="t" anchorCtr="0">
             <a:normAutofit fontScale="90000"/>
           </a:bodyPr>
           <a:lstStyle/>
           <a:p>
-            <a:pPr indent="0" lvl="0" marL="0" rtl="0" algn="l">
+            <a:pPr marL="0" lvl="0" indent="0" algn="l" rtl="0">
               <a:spcBef>
                 <a:spcPts val="0"/>
               </a:spcBef>
@@ -6963,9 +7109,11 @@
       <p:sp>
         <p:nvSpPr>
           <p:cNvPr id="66" name="Google Shape;66;p14"/>
-          <p:cNvSpPr txBox="1"/>
+          <p:cNvSpPr txBox="1">
+            <a:spLocks noGrp="1"/>
+          </p:cNvSpPr>
           <p:nvPr>
-            <p:ph idx="1" type="body"/>
+            <p:ph type="body" idx="1"/>
           </p:nvPr>
         </p:nvSpPr>
         <p:spPr>
@@ -6978,12 +7126,12 @@
           </a:prstGeom>
         </p:spPr>
         <p:txBody>
-          <a:bodyPr anchorCtr="0" anchor="t" bIns="91425" lIns="91425" spcFirstLastPara="1" rIns="91425" wrap="square" tIns="91425">
+          <a:bodyPr spcFirstLastPara="1" wrap="square" lIns="91425" tIns="91425" rIns="91425" bIns="91425" anchor="t" anchorCtr="0">
             <a:normAutofit/>
           </a:bodyPr>
           <a:lstStyle/>
           <a:p>
-            <a:pPr indent="-342900" lvl="0" marL="457200" rtl="0" algn="l">
+            <a:pPr marL="457200" lvl="0" indent="-342900" algn="l" rtl="0">
               <a:spcBef>
                 <a:spcPts val="0"/>
               </a:spcBef>
@@ -6994,13 +7142,13 @@
               <a:buChar char="●"/>
             </a:pPr>
             <a:r>
-              <a:rPr lang="en"/>
+              <a:rPr lang="en" dirty="0"/>
               <a:t>Goal is to filter through movies based on: a user’s favorite genre, and by title via search bar</a:t>
             </a:r>
-            <a:endParaRPr/>
+            <a:endParaRPr dirty="0"/>
           </a:p>
           <a:p>
-            <a:pPr indent="-342900" lvl="0" marL="457200" rtl="0" algn="l">
+            <a:pPr marL="457200" lvl="0" indent="-342900" algn="l" rtl="0">
               <a:spcBef>
                 <a:spcPts val="0"/>
               </a:spcBef>
@@ -7011,13 +7159,13 @@
               <a:buChar char="●"/>
             </a:pPr>
             <a:r>
-              <a:rPr lang="en"/>
+              <a:rPr lang="en" dirty="0"/>
               <a:t>User can check one or more genres to filter and can combine the genre filter with the search bar filter </a:t>
             </a:r>
-            <a:endParaRPr/>
+            <a:endParaRPr dirty="0"/>
           </a:p>
           <a:p>
-            <a:pPr indent="-342900" lvl="0" marL="457200" rtl="0" algn="l">
+            <a:pPr marL="457200" lvl="0" indent="-342900" algn="l" rtl="0">
               <a:spcBef>
                 <a:spcPts val="0"/>
               </a:spcBef>
@@ -7028,13 +7176,13 @@
               <a:buChar char="●"/>
             </a:pPr>
             <a:r>
-              <a:rPr lang="en"/>
+              <a:rPr lang="en" dirty="0"/>
               <a:t>Each movie has: ratings, reviews, release date, title, directors, etc.</a:t>
             </a:r>
-            <a:endParaRPr/>
+            <a:endParaRPr dirty="0"/>
           </a:p>
           <a:p>
-            <a:pPr indent="-342900" lvl="0" marL="457200" rtl="0" algn="l">
+            <a:pPr marL="457200" lvl="0" indent="-342900" algn="l" rtl="0">
               <a:spcBef>
                 <a:spcPts val="0"/>
               </a:spcBef>
@@ -7045,10 +7193,9 @@
               <a:buChar char="●"/>
             </a:pPr>
             <a:r>
-              <a:rPr lang="en"/>
-              <a:t>User can save movie(s) in a list and separate the list in terms of: currently watching, already watched, and going to watch</a:t>
+              <a:rPr lang="en" dirty="0"/>
+              <a:t>User can save movie(s) in list(s)</a:t>
             </a:r>
-            <a:endParaRPr/>
           </a:p>
         </p:txBody>
       </p:sp>
@@ -7061,11 +7208,11 @@
 </file>
 
 <file path=ppt/slides/slide3.xml><?xml version="1.0" encoding="utf-8"?>
-<p:sld xmlns:a="http://schemas.openxmlformats.org/drawingml/2006/main" xmlns:r="http://schemas.openxmlformats.org/officeDocument/2006/relationships" xmlns:mc="http://schemas.openxmlformats.org/markup-compatibility/2006" xmlns:mv="urn:schemas-microsoft-com:mac:vml" xmlns:p="http://schemas.openxmlformats.org/presentationml/2006/main" xmlns:c="http://schemas.openxmlformats.org/drawingml/2006/chart" xmlns:dgm="http://schemas.openxmlformats.org/drawingml/2006/diagram" xmlns:o="urn:schemas-microsoft-com:office:office" xmlns:v="urn:schemas-microsoft-com:vml" xmlns:pvml="urn:schemas-microsoft-com:office:powerpoint" xmlns:com="http://schemas.openxmlformats.org/drawingml/2006/compatibility" xmlns:p14="http://schemas.microsoft.com/office/powerpoint/2010/main" xmlns:p15="http://schemas.microsoft.com/office/powerpoint/2012/main" xmlns:ahyp="http://schemas.microsoft.com/office/drawing/2018/hyperlinkcolor">
+<p:sld xmlns:a="http://schemas.openxmlformats.org/drawingml/2006/main" xmlns:r="http://schemas.openxmlformats.org/officeDocument/2006/relationships" xmlns:p="http://schemas.openxmlformats.org/presentationml/2006/main">
   <p:cSld>
     <p:spTree>
       <p:nvGrpSpPr>
-        <p:cNvPr id="70" name="Shape 70"/>
+        <p:cNvPr id="1" name="Shape 70"/>
         <p:cNvGrpSpPr/>
         <p:nvPr/>
       </p:nvGrpSpPr>
@@ -7080,7 +7227,9 @@
       <p:sp>
         <p:nvSpPr>
           <p:cNvPr id="71" name="Google Shape;71;p15"/>
-          <p:cNvSpPr txBox="1"/>
+          <p:cNvSpPr txBox="1">
+            <a:spLocks noGrp="1"/>
+          </p:cNvSpPr>
           <p:nvPr>
             <p:ph type="title"/>
           </p:nvPr>
@@ -7095,12 +7244,12 @@
           </a:prstGeom>
         </p:spPr>
         <p:txBody>
-          <a:bodyPr anchorCtr="0" anchor="t" bIns="91425" lIns="91425" spcFirstLastPara="1" rIns="91425" wrap="square" tIns="91425">
+          <a:bodyPr spcFirstLastPara="1" wrap="square" lIns="91425" tIns="91425" rIns="91425" bIns="91425" anchor="t" anchorCtr="0">
             <a:normAutofit fontScale="90000"/>
           </a:bodyPr>
           <a:lstStyle/>
           <a:p>
-            <a:pPr indent="0" lvl="0" marL="0" rtl="0" algn="l">
+            <a:pPr marL="0" lvl="0" indent="0" algn="l" rtl="0">
               <a:spcBef>
                 <a:spcPts val="0"/>
               </a:spcBef>
@@ -7134,23 +7283,23 @@
           <a:solidFill>
             <a:schemeClr val="lt2"/>
           </a:solidFill>
-          <a:ln cap="flat" cmpd="sng" w="9525">
+          <a:ln w="9525" cap="flat" cmpd="sng">
             <a:solidFill>
               <a:schemeClr val="dk2"/>
             </a:solidFill>
             <a:prstDash val="solid"/>
             <a:round/>
-            <a:headEnd len="sm" w="sm" type="none"/>
-            <a:tailEnd len="sm" w="sm" type="none"/>
+            <a:headEnd type="none" w="sm" len="sm"/>
+            <a:tailEnd type="none" w="sm" len="sm"/>
           </a:ln>
         </p:spPr>
         <p:txBody>
-          <a:bodyPr anchorCtr="0" anchor="ctr" bIns="91425" lIns="91425" spcFirstLastPara="1" rIns="91425" wrap="square" tIns="91425">
+          <a:bodyPr spcFirstLastPara="1" wrap="square" lIns="91425" tIns="91425" rIns="91425" bIns="91425" anchor="ctr" anchorCtr="0">
             <a:noAutofit/>
           </a:bodyPr>
           <a:lstStyle/>
           <a:p>
-            <a:pPr indent="0" lvl="0" marL="0" rtl="0" algn="l">
+            <a:pPr marL="0" lvl="0" indent="0" algn="l" rtl="0">
               <a:spcBef>
                 <a:spcPts val="0"/>
               </a:spcBef>
@@ -7184,14 +7333,14 @@
             <a:avLst/>
           </a:prstGeom>
           <a:noFill/>
-          <a:ln cap="flat" cmpd="sng" w="9525">
+          <a:ln w="9525" cap="flat" cmpd="sng">
             <a:solidFill>
               <a:schemeClr val="dk2"/>
             </a:solidFill>
             <a:prstDash val="solid"/>
             <a:round/>
-            <a:headEnd len="med" w="med" type="none"/>
-            <a:tailEnd len="med" w="med" type="none"/>
+            <a:headEnd type="none" w="med" len="med"/>
+            <a:tailEnd type="none" w="med" len="med"/>
           </a:ln>
         </p:spPr>
       </p:cxnSp>
@@ -7202,7 +7351,7 @@
           <p:nvPr/>
         </p:nvCxnSpPr>
         <p:spPr>
-          <a:xfrm flipH="1" rot="10800000">
+          <a:xfrm rot="10800000" flipH="1">
             <a:off x="212751" y="2073584"/>
             <a:ext cx="724800" cy="6900"/>
           </a:xfrm>
@@ -7210,14 +7359,14 @@
             <a:avLst/>
           </a:prstGeom>
           <a:noFill/>
-          <a:ln cap="flat" cmpd="sng" w="9525">
+          <a:ln w="9525" cap="flat" cmpd="sng">
             <a:solidFill>
               <a:schemeClr val="dk2"/>
             </a:solidFill>
             <a:prstDash val="solid"/>
             <a:round/>
-            <a:headEnd len="med" w="med" type="none"/>
-            <a:tailEnd len="med" w="med" type="none"/>
+            <a:headEnd type="none" w="med" len="med"/>
+            <a:tailEnd type="none" w="med" len="med"/>
           </a:ln>
         </p:spPr>
       </p:cxnSp>
@@ -7236,14 +7385,14 @@
             <a:avLst/>
           </a:prstGeom>
           <a:noFill/>
-          <a:ln cap="flat" cmpd="sng" w="9525">
+          <a:ln w="9525" cap="flat" cmpd="sng">
             <a:solidFill>
               <a:schemeClr val="dk2"/>
             </a:solidFill>
             <a:prstDash val="solid"/>
             <a:round/>
-            <a:headEnd len="med" w="med" type="none"/>
-            <a:tailEnd len="med" w="med" type="none"/>
+            <a:headEnd type="none" w="med" len="med"/>
+            <a:tailEnd type="none" w="med" len="med"/>
           </a:ln>
         </p:spPr>
       </p:cxnSp>
@@ -7262,14 +7411,14 @@
             <a:avLst/>
           </a:prstGeom>
           <a:noFill/>
-          <a:ln cap="flat" cmpd="sng" w="9525">
+          <a:ln w="9525" cap="flat" cmpd="sng">
             <a:solidFill>
               <a:schemeClr val="dk2"/>
             </a:solidFill>
             <a:prstDash val="solid"/>
             <a:round/>
-            <a:headEnd len="med" w="med" type="none"/>
-            <a:tailEnd len="med" w="med" type="none"/>
+            <a:headEnd type="none" w="med" len="med"/>
+            <a:tailEnd type="none" w="med" len="med"/>
           </a:ln>
         </p:spPr>
       </p:cxnSp>
@@ -7290,23 +7439,23 @@
           <a:solidFill>
             <a:schemeClr val="lt2"/>
           </a:solidFill>
-          <a:ln cap="flat" cmpd="sng" w="9525">
+          <a:ln w="9525" cap="flat" cmpd="sng">
             <a:solidFill>
               <a:schemeClr val="dk2"/>
             </a:solidFill>
             <a:prstDash val="solid"/>
             <a:round/>
-            <a:headEnd len="sm" w="sm" type="none"/>
-            <a:tailEnd len="sm" w="sm" type="none"/>
+            <a:headEnd type="none" w="sm" len="sm"/>
+            <a:tailEnd type="none" w="sm" len="sm"/>
           </a:ln>
         </p:spPr>
         <p:txBody>
-          <a:bodyPr anchorCtr="0" anchor="ctr" bIns="91425" lIns="91425" spcFirstLastPara="1" rIns="91425" wrap="square" tIns="91425">
+          <a:bodyPr spcFirstLastPara="1" wrap="square" lIns="91425" tIns="91425" rIns="91425" bIns="91425" anchor="ctr" anchorCtr="0">
             <a:noAutofit/>
           </a:bodyPr>
           <a:lstStyle/>
           <a:p>
-            <a:pPr indent="0" lvl="0" marL="0" rtl="0" algn="l">
+            <a:pPr marL="0" lvl="0" indent="0" algn="l" rtl="0">
               <a:spcBef>
                 <a:spcPts val="0"/>
               </a:spcBef>
@@ -7317,11 +7466,7 @@
             </a:pPr>
             <a:r>
               <a:rPr lang="en" sz="1200"/>
-              <a:t>   </a:t>
-            </a:r>
-            <a:r>
-              <a:rPr lang="en" sz="1200"/>
-              <a:t>Databases</a:t>
+              <a:t>   Databases</a:t>
             </a:r>
             <a:endParaRPr sz="1200"/>
           </a:p>
@@ -7344,23 +7489,23 @@
           <a:solidFill>
             <a:schemeClr val="lt2"/>
           </a:solidFill>
-          <a:ln cap="flat" cmpd="sng" w="9525">
+          <a:ln w="9525" cap="flat" cmpd="sng">
             <a:solidFill>
               <a:schemeClr val="dk2"/>
             </a:solidFill>
             <a:prstDash val="solid"/>
             <a:round/>
-            <a:headEnd len="sm" w="sm" type="none"/>
-            <a:tailEnd len="sm" w="sm" type="none"/>
+            <a:headEnd type="none" w="sm" len="sm"/>
+            <a:tailEnd type="none" w="sm" len="sm"/>
           </a:ln>
         </p:spPr>
         <p:txBody>
-          <a:bodyPr anchorCtr="0" anchor="ctr" bIns="91425" lIns="91425" spcFirstLastPara="1" rIns="91425" wrap="square" tIns="91425">
+          <a:bodyPr spcFirstLastPara="1" wrap="square" lIns="91425" tIns="91425" rIns="91425" bIns="91425" anchor="ctr" anchorCtr="0">
             <a:noAutofit/>
           </a:bodyPr>
           <a:lstStyle/>
           <a:p>
-            <a:pPr indent="0" lvl="0" marL="0" rtl="0" algn="l">
+            <a:pPr marL="0" lvl="0" indent="0" algn="ctr" rtl="0">
               <a:spcBef>
                 <a:spcPts val="0"/>
               </a:spcBef>
@@ -7370,10 +7515,10 @@
               <a:buNone/>
             </a:pPr>
             <a:r>
-              <a:rPr lang="en" sz="1000"/>
-              <a:t>Genre Filtered Search</a:t>
+              <a:rPr lang="en" sz="1000" dirty="0"/>
+              <a:t>Filter Search</a:t>
             </a:r>
-            <a:endParaRPr sz="1000"/>
+            <a:endParaRPr sz="1000" dirty="0"/>
           </a:p>
         </p:txBody>
       </p:sp>
@@ -7394,23 +7539,23 @@
           <a:solidFill>
             <a:schemeClr val="lt2"/>
           </a:solidFill>
-          <a:ln cap="flat" cmpd="sng" w="9525">
+          <a:ln w="9525" cap="flat" cmpd="sng">
             <a:solidFill>
               <a:schemeClr val="dk2"/>
             </a:solidFill>
             <a:prstDash val="solid"/>
             <a:round/>
-            <a:headEnd len="sm" w="sm" type="none"/>
-            <a:tailEnd len="sm" w="sm" type="none"/>
+            <a:headEnd type="none" w="sm" len="sm"/>
+            <a:tailEnd type="none" w="sm" len="sm"/>
           </a:ln>
         </p:spPr>
         <p:txBody>
-          <a:bodyPr anchorCtr="0" anchor="ctr" bIns="91425" lIns="91425" spcFirstLastPara="1" rIns="91425" wrap="square" tIns="91425">
+          <a:bodyPr spcFirstLastPara="1" wrap="square" lIns="91425" tIns="91425" rIns="91425" bIns="91425" anchor="ctr" anchorCtr="0">
             <a:noAutofit/>
           </a:bodyPr>
           <a:lstStyle/>
           <a:p>
-            <a:pPr indent="0" lvl="0" marL="0" rtl="0" algn="l">
+            <a:pPr marL="0" lvl="0" indent="0" algn="l" rtl="0">
               <a:spcBef>
                 <a:spcPts val="0"/>
               </a:spcBef>
@@ -7440,30 +7585,30 @@
           </a:xfrm>
           <a:prstGeom prst="rightArrow">
             <a:avLst>
-              <a:gd fmla="val 50000" name="adj1"/>
-              <a:gd fmla="val 50000" name="adj2"/>
+              <a:gd name="adj1" fmla="val 50000"/>
+              <a:gd name="adj2" fmla="val 50000"/>
             </a:avLst>
           </a:prstGeom>
           <a:solidFill>
             <a:schemeClr val="lt2"/>
           </a:solidFill>
-          <a:ln cap="flat" cmpd="sng" w="9525">
+          <a:ln w="9525" cap="flat" cmpd="sng">
             <a:solidFill>
               <a:schemeClr val="dk2"/>
             </a:solidFill>
             <a:prstDash val="solid"/>
             <a:round/>
-            <a:headEnd len="sm" w="sm" type="none"/>
-            <a:tailEnd len="sm" w="sm" type="none"/>
+            <a:headEnd type="none" w="sm" len="sm"/>
+            <a:tailEnd type="none" w="sm" len="sm"/>
           </a:ln>
         </p:spPr>
         <p:txBody>
-          <a:bodyPr anchorCtr="0" anchor="ctr" bIns="91425" lIns="91425" spcFirstLastPara="1" rIns="91425" wrap="square" tIns="91425">
+          <a:bodyPr spcFirstLastPara="1" wrap="square" lIns="91425" tIns="91425" rIns="91425" bIns="91425" anchor="ctr" anchorCtr="0">
             <a:noAutofit/>
           </a:bodyPr>
           <a:lstStyle/>
           <a:p>
-            <a:pPr indent="0" lvl="0" marL="0" rtl="0" algn="ctr">
+            <a:pPr marL="0" lvl="0" indent="0" algn="ctr" rtl="0">
               <a:spcBef>
                 <a:spcPts val="0"/>
               </a:spcBef>
@@ -7487,36 +7632,36 @@
           <p:nvPr/>
         </p:nvSpPr>
         <p:spPr>
-          <a:xfrm flipH="1" rot="-5396108">
+          <a:xfrm rot="-5396108" flipH="1">
             <a:off x="4301666" y="2551020"/>
             <a:ext cx="1324801" cy="307500"/>
           </a:xfrm>
           <a:prstGeom prst="rightArrow">
             <a:avLst>
-              <a:gd fmla="val 50000" name="adj1"/>
-              <a:gd fmla="val 50000" name="adj2"/>
+              <a:gd name="adj1" fmla="val 50000"/>
+              <a:gd name="adj2" fmla="val 50000"/>
             </a:avLst>
           </a:prstGeom>
           <a:solidFill>
             <a:schemeClr val="lt2"/>
           </a:solidFill>
-          <a:ln cap="flat" cmpd="sng" w="9525">
+          <a:ln w="9525" cap="flat" cmpd="sng">
             <a:solidFill>
               <a:schemeClr val="dk2"/>
             </a:solidFill>
             <a:prstDash val="solid"/>
             <a:round/>
-            <a:headEnd len="sm" w="sm" type="none"/>
-            <a:tailEnd len="sm" w="sm" type="none"/>
+            <a:headEnd type="none" w="sm" len="sm"/>
+            <a:tailEnd type="none" w="sm" len="sm"/>
           </a:ln>
         </p:spPr>
         <p:txBody>
-          <a:bodyPr anchorCtr="0" anchor="ctr" bIns="91425" lIns="91425" spcFirstLastPara="1" rIns="91425" wrap="square" tIns="91425">
+          <a:bodyPr spcFirstLastPara="1" wrap="square" lIns="91425" tIns="91425" rIns="91425" bIns="91425" anchor="ctr" anchorCtr="0">
             <a:noAutofit/>
           </a:bodyPr>
           <a:lstStyle/>
           <a:p>
-            <a:pPr indent="0" lvl="0" marL="0" rtl="0" algn="ctr">
+            <a:pPr marL="0" lvl="0" indent="0" algn="ctr" rtl="0">
               <a:spcBef>
                 <a:spcPts val="0"/>
               </a:spcBef>
@@ -7540,36 +7685,36 @@
           <p:nvPr/>
         </p:nvSpPr>
         <p:spPr>
-          <a:xfrm flipH="1" rot="-5396110">
+          <a:xfrm rot="-5396110" flipH="1">
             <a:off x="4759092" y="2539474"/>
             <a:ext cx="1325701" cy="330600"/>
           </a:xfrm>
           <a:prstGeom prst="rightArrow">
             <a:avLst>
-              <a:gd fmla="val 50000" name="adj1"/>
-              <a:gd fmla="val 50000" name="adj2"/>
+              <a:gd name="adj1" fmla="val 50000"/>
+              <a:gd name="adj2" fmla="val 50000"/>
             </a:avLst>
           </a:prstGeom>
           <a:solidFill>
             <a:schemeClr val="lt2"/>
           </a:solidFill>
-          <a:ln cap="flat" cmpd="sng" w="9525">
+          <a:ln w="9525" cap="flat" cmpd="sng">
             <a:solidFill>
               <a:schemeClr val="dk2"/>
             </a:solidFill>
             <a:prstDash val="solid"/>
             <a:round/>
-            <a:headEnd len="sm" w="sm" type="none"/>
-            <a:tailEnd len="sm" w="sm" type="none"/>
+            <a:headEnd type="none" w="sm" len="sm"/>
+            <a:tailEnd type="none" w="sm" len="sm"/>
           </a:ln>
         </p:spPr>
         <p:txBody>
-          <a:bodyPr anchorCtr="0" anchor="ctr" bIns="91425" lIns="91425" spcFirstLastPara="1" rIns="91425" wrap="square" tIns="91425">
+          <a:bodyPr spcFirstLastPara="1" wrap="square" lIns="91425" tIns="91425" rIns="91425" bIns="91425" anchor="ctr" anchorCtr="0">
             <a:noAutofit/>
           </a:bodyPr>
           <a:lstStyle/>
           <a:p>
-            <a:pPr indent="0" lvl="0" marL="0" rtl="0" algn="l">
+            <a:pPr marL="0" lvl="0" indent="0" algn="l" rtl="0">
               <a:spcBef>
                 <a:spcPts val="0"/>
               </a:spcBef>
@@ -7603,23 +7748,23 @@
           <a:solidFill>
             <a:schemeClr val="lt2"/>
           </a:solidFill>
-          <a:ln cap="flat" cmpd="sng" w="9525">
+          <a:ln w="9525" cap="flat" cmpd="sng">
             <a:solidFill>
               <a:schemeClr val="dk2"/>
             </a:solidFill>
             <a:prstDash val="solid"/>
             <a:round/>
-            <a:headEnd len="sm" w="sm" type="none"/>
-            <a:tailEnd len="sm" w="sm" type="none"/>
+            <a:headEnd type="none" w="sm" len="sm"/>
+            <a:tailEnd type="none" w="sm" len="sm"/>
           </a:ln>
         </p:spPr>
         <p:txBody>
-          <a:bodyPr anchorCtr="0" anchor="ctr" bIns="91425" lIns="91425" spcFirstLastPara="1" rIns="91425" wrap="square" tIns="91425">
+          <a:bodyPr spcFirstLastPara="1" wrap="square" lIns="91425" tIns="91425" rIns="91425" bIns="91425" anchor="ctr" anchorCtr="0">
             <a:noAutofit/>
           </a:bodyPr>
           <a:lstStyle/>
           <a:p>
-            <a:pPr indent="0" lvl="0" marL="0" rtl="0" algn="l">
+            <a:pPr marL="0" lvl="0" indent="0" algn="l" rtl="0">
               <a:spcBef>
                 <a:spcPts val="0"/>
               </a:spcBef>
@@ -7630,11 +7775,7 @@
             </a:pPr>
             <a:r>
               <a:rPr lang="en" sz="1000"/>
-              <a:t>     </a:t>
-            </a:r>
-            <a:r>
-              <a:rPr lang="en" sz="1000"/>
-              <a:t>interface</a:t>
+              <a:t>     interface</a:t>
             </a:r>
             <a:endParaRPr sz="1000"/>
           </a:p>
@@ -7647,36 +7788,36 @@
           <p:nvPr/>
         </p:nvSpPr>
         <p:spPr>
-          <a:xfrm flipH="1" rot="-40146">
+          <a:xfrm rot="-40146" flipH="1">
             <a:off x="5967033" y="1524296"/>
             <a:ext cx="1515703" cy="308700"/>
           </a:xfrm>
           <a:prstGeom prst="rightArrow">
             <a:avLst>
-              <a:gd fmla="val 50000" name="adj1"/>
-              <a:gd fmla="val 50000" name="adj2"/>
+              <a:gd name="adj1" fmla="val 50000"/>
+              <a:gd name="adj2" fmla="val 50000"/>
             </a:avLst>
           </a:prstGeom>
           <a:solidFill>
             <a:schemeClr val="lt2"/>
           </a:solidFill>
-          <a:ln cap="flat" cmpd="sng" w="9525">
+          <a:ln w="9525" cap="flat" cmpd="sng">
             <a:solidFill>
               <a:schemeClr val="dk2"/>
             </a:solidFill>
             <a:prstDash val="solid"/>
             <a:round/>
-            <a:headEnd len="sm" w="sm" type="none"/>
-            <a:tailEnd len="sm" w="sm" type="none"/>
+            <a:headEnd type="none" w="sm" len="sm"/>
+            <a:tailEnd type="none" w="sm" len="sm"/>
           </a:ln>
         </p:spPr>
         <p:txBody>
-          <a:bodyPr anchorCtr="0" anchor="ctr" bIns="91425" lIns="91425" spcFirstLastPara="1" rIns="91425" wrap="square" tIns="91425">
+          <a:bodyPr spcFirstLastPara="1" wrap="square" lIns="91425" tIns="91425" rIns="91425" bIns="91425" anchor="ctr" anchorCtr="0">
             <a:noAutofit/>
           </a:bodyPr>
           <a:lstStyle/>
           <a:p>
-            <a:pPr indent="0" lvl="0" marL="0" rtl="0" algn="l">
+            <a:pPr marL="0" lvl="0" indent="0" algn="l" rtl="0">
               <a:spcBef>
                 <a:spcPts val="0"/>
               </a:spcBef>
@@ -7710,23 +7851,23 @@
           <a:solidFill>
             <a:schemeClr val="lt2"/>
           </a:solidFill>
-          <a:ln cap="flat" cmpd="sng" w="9525">
+          <a:ln w="9525" cap="flat" cmpd="sng">
             <a:solidFill>
               <a:schemeClr val="dk2"/>
             </a:solidFill>
             <a:prstDash val="solid"/>
             <a:round/>
-            <a:headEnd len="sm" w="sm" type="none"/>
-            <a:tailEnd len="sm" w="sm" type="none"/>
+            <a:headEnd type="none" w="sm" len="sm"/>
+            <a:tailEnd type="none" w="sm" len="sm"/>
           </a:ln>
         </p:spPr>
         <p:txBody>
-          <a:bodyPr anchorCtr="0" anchor="ctr" bIns="91425" lIns="91425" spcFirstLastPara="1" rIns="91425" wrap="square" tIns="91425">
+          <a:bodyPr spcFirstLastPara="1" wrap="square" lIns="91425" tIns="91425" rIns="91425" bIns="91425" anchor="ctr" anchorCtr="0">
             <a:noAutofit/>
           </a:bodyPr>
           <a:lstStyle/>
           <a:p>
-            <a:pPr indent="0" lvl="0" marL="0" rtl="0" algn="l">
+            <a:pPr marL="0" lvl="0" indent="0" algn="l" rtl="0">
               <a:spcBef>
                 <a:spcPts val="0"/>
               </a:spcBef>
@@ -7737,11 +7878,7 @@
             </a:pPr>
             <a:r>
               <a:rPr lang="en" sz="800"/>
-              <a:t>  </a:t>
-            </a:r>
-            <a:r>
-              <a:rPr lang="en" sz="800"/>
-              <a:t>Customization</a:t>
+              <a:t>  Customization</a:t>
             </a:r>
             <a:endParaRPr sz="800"/>
           </a:p>
@@ -7760,30 +7897,30 @@
           </a:xfrm>
           <a:prstGeom prst="rightArrow">
             <a:avLst>
-              <a:gd fmla="val 50000" name="adj1"/>
-              <a:gd fmla="val 50000" name="adj2"/>
+              <a:gd name="adj1" fmla="val 50000"/>
+              <a:gd name="adj2" fmla="val 50000"/>
             </a:avLst>
           </a:prstGeom>
           <a:solidFill>
             <a:schemeClr val="lt2"/>
           </a:solidFill>
-          <a:ln cap="flat" cmpd="sng" w="9525">
+          <a:ln w="9525" cap="flat" cmpd="sng">
             <a:solidFill>
               <a:schemeClr val="dk2"/>
             </a:solidFill>
             <a:prstDash val="solid"/>
             <a:round/>
-            <a:headEnd len="sm" w="sm" type="none"/>
-            <a:tailEnd len="sm" w="sm" type="none"/>
+            <a:headEnd type="none" w="sm" len="sm"/>
+            <a:tailEnd type="none" w="sm" len="sm"/>
           </a:ln>
         </p:spPr>
         <p:txBody>
-          <a:bodyPr anchorCtr="0" anchor="ctr" bIns="91425" lIns="91425" spcFirstLastPara="1" rIns="91425" wrap="square" tIns="91425">
+          <a:bodyPr spcFirstLastPara="1" wrap="square" lIns="91425" tIns="91425" rIns="91425" bIns="91425" anchor="ctr" anchorCtr="0">
             <a:noAutofit/>
           </a:bodyPr>
           <a:lstStyle/>
           <a:p>
-            <a:pPr indent="0" lvl="0" marL="0" rtl="0" algn="l">
+            <a:pPr marL="0" lvl="0" indent="0" algn="l" rtl="0">
               <a:spcBef>
                 <a:spcPts val="0"/>
               </a:spcBef>
@@ -7792,9 +7929,6 @@
               </a:spcAft>
               <a:buNone/>
             </a:pPr>
-            <a:r>
-              <a:t/>
-            </a:r>
             <a:endParaRPr/>
           </a:p>
         </p:txBody>
@@ -7806,36 +7940,36 @@
           <p:nvPr/>
         </p:nvSpPr>
         <p:spPr>
-          <a:xfrm flipH="1" rot="-956">
+          <a:xfrm rot="-956" flipH="1">
             <a:off x="3210624" y="1498062"/>
             <a:ext cx="1079100" cy="361200"/>
           </a:xfrm>
           <a:prstGeom prst="leftArrow">
             <a:avLst>
-              <a:gd fmla="val 50000" name="adj1"/>
-              <a:gd fmla="val 50000" name="adj2"/>
+              <a:gd name="adj1" fmla="val 50000"/>
+              <a:gd name="adj2" fmla="val 50000"/>
             </a:avLst>
           </a:prstGeom>
           <a:solidFill>
             <a:schemeClr val="lt2"/>
           </a:solidFill>
-          <a:ln cap="flat" cmpd="sng" w="9525">
+          <a:ln w="9525" cap="flat" cmpd="sng">
             <a:solidFill>
               <a:schemeClr val="dk2"/>
             </a:solidFill>
             <a:prstDash val="solid"/>
             <a:round/>
-            <a:headEnd len="sm" w="sm" type="none"/>
-            <a:tailEnd len="sm" w="sm" type="none"/>
+            <a:headEnd type="none" w="sm" len="sm"/>
+            <a:tailEnd type="none" w="sm" len="sm"/>
           </a:ln>
         </p:spPr>
         <p:txBody>
-          <a:bodyPr anchorCtr="0" anchor="ctr" bIns="91425" lIns="91425" spcFirstLastPara="1" rIns="91425" wrap="square" tIns="91425">
+          <a:bodyPr spcFirstLastPara="1" wrap="square" lIns="91425" tIns="91425" rIns="91425" bIns="91425" anchor="ctr" anchorCtr="0">
             <a:noAutofit/>
           </a:bodyPr>
           <a:lstStyle/>
           <a:p>
-            <a:pPr indent="0" lvl="0" marL="0" rtl="0" algn="l">
+            <a:pPr marL="0" lvl="0" indent="0" algn="l" rtl="0">
               <a:spcBef>
                 <a:spcPts val="0"/>
               </a:spcBef>
@@ -7846,11 +7980,7 @@
             </a:pPr>
             <a:r>
               <a:rPr lang="en" sz="800"/>
-              <a:t> </a:t>
-            </a:r>
-            <a:r>
-              <a:rPr lang="en" sz="800"/>
-              <a:t>Search Movies</a:t>
+              <a:t> Search Movies</a:t>
             </a:r>
             <a:endParaRPr sz="800"/>
           </a:p>
@@ -7873,23 +8003,23 @@
           <a:solidFill>
             <a:schemeClr val="lt2"/>
           </a:solidFill>
-          <a:ln cap="flat" cmpd="sng" w="9525">
+          <a:ln w="9525" cap="flat" cmpd="sng">
             <a:solidFill>
               <a:schemeClr val="dk2"/>
             </a:solidFill>
             <a:prstDash val="solid"/>
             <a:round/>
-            <a:headEnd len="sm" w="sm" type="none"/>
-            <a:tailEnd len="sm" w="sm" type="none"/>
+            <a:headEnd type="none" w="sm" len="sm"/>
+            <a:tailEnd type="none" w="sm" len="sm"/>
           </a:ln>
         </p:spPr>
         <p:txBody>
-          <a:bodyPr anchorCtr="0" anchor="ctr" bIns="91425" lIns="91425" spcFirstLastPara="1" rIns="91425" wrap="square" tIns="91425">
+          <a:bodyPr spcFirstLastPara="1" wrap="square" lIns="91425" tIns="91425" rIns="91425" bIns="91425" anchor="ctr" anchorCtr="0">
             <a:noAutofit/>
           </a:bodyPr>
           <a:lstStyle/>
           <a:p>
-            <a:pPr indent="0" lvl="0" marL="0" rtl="0" algn="ctr">
+            <a:pPr marL="0" lvl="0" indent="0" algn="ctr" rtl="0">
               <a:spcBef>
                 <a:spcPts val="0"/>
               </a:spcBef>
@@ -7899,14 +8029,10 @@
               <a:buNone/>
             </a:pPr>
             <a:r>
-              <a:rPr lang="en" sz="1200"/>
-              <a:t>Categorized</a:t>
+              <a:rPr lang="en" sz="1200" dirty="0"/>
+              <a:t>Categorized List</a:t>
             </a:r>
-            <a:r>
-              <a:rPr lang="en" sz="1200"/>
-              <a:t> List</a:t>
-            </a:r>
-            <a:endParaRPr sz="1200"/>
+            <a:endParaRPr sz="1200" dirty="0"/>
           </a:p>
         </p:txBody>
       </p:sp>
@@ -7923,30 +8049,30 @@
           </a:xfrm>
           <a:prstGeom prst="leftArrow">
             <a:avLst>
-              <a:gd fmla="val 50000" name="adj1"/>
-              <a:gd fmla="val 50000" name="adj2"/>
+              <a:gd name="adj1" fmla="val 50000"/>
+              <a:gd name="adj2" fmla="val 50000"/>
             </a:avLst>
           </a:prstGeom>
           <a:solidFill>
             <a:schemeClr val="lt2"/>
           </a:solidFill>
-          <a:ln cap="flat" cmpd="sng" w="9525">
+          <a:ln w="9525" cap="flat" cmpd="sng">
             <a:solidFill>
               <a:schemeClr val="dk2"/>
             </a:solidFill>
             <a:prstDash val="solid"/>
             <a:round/>
-            <a:headEnd len="sm" w="sm" type="none"/>
-            <a:tailEnd len="sm" w="sm" type="none"/>
+            <a:headEnd type="none" w="sm" len="sm"/>
+            <a:tailEnd type="none" w="sm" len="sm"/>
           </a:ln>
         </p:spPr>
         <p:txBody>
-          <a:bodyPr anchorCtr="0" anchor="ctr" bIns="91425" lIns="91425" spcFirstLastPara="1" rIns="91425" wrap="square" tIns="91425">
+          <a:bodyPr spcFirstLastPara="1" wrap="square" lIns="91425" tIns="91425" rIns="91425" bIns="91425" anchor="ctr" anchorCtr="0">
             <a:noAutofit/>
           </a:bodyPr>
           <a:lstStyle/>
           <a:p>
-            <a:pPr indent="0" lvl="0" marL="0" rtl="0" algn="ctr">
+            <a:pPr marL="0" lvl="0" indent="0" algn="ctr" rtl="0">
               <a:spcBef>
                 <a:spcPts val="0"/>
               </a:spcBef>
@@ -7976,31 +8102,31 @@
           </a:xfrm>
           <a:prstGeom prst="bentUpArrow">
             <a:avLst>
-              <a:gd fmla="val 25000" name="adj1"/>
-              <a:gd fmla="val 20046" name="adj2"/>
-              <a:gd fmla="val 25000" name="adj3"/>
+              <a:gd name="adj1" fmla="val 25000"/>
+              <a:gd name="adj2" fmla="val 20046"/>
+              <a:gd name="adj3" fmla="val 25000"/>
             </a:avLst>
           </a:prstGeom>
           <a:solidFill>
             <a:schemeClr val="lt2"/>
           </a:solidFill>
-          <a:ln cap="flat" cmpd="sng" w="9525">
+          <a:ln w="9525" cap="flat" cmpd="sng">
             <a:solidFill>
               <a:schemeClr val="dk2"/>
             </a:solidFill>
             <a:prstDash val="solid"/>
             <a:round/>
-            <a:headEnd len="sm" w="sm" type="none"/>
-            <a:tailEnd len="sm" w="sm" type="none"/>
+            <a:headEnd type="none" w="sm" len="sm"/>
+            <a:tailEnd type="none" w="sm" len="sm"/>
           </a:ln>
         </p:spPr>
         <p:txBody>
-          <a:bodyPr anchorCtr="0" anchor="ctr" bIns="91425" lIns="91425" spcFirstLastPara="1" rIns="91425" wrap="square" tIns="91425">
+          <a:bodyPr spcFirstLastPara="1" wrap="square" lIns="91425" tIns="91425" rIns="91425" bIns="91425" anchor="ctr" anchorCtr="0">
             <a:noAutofit/>
           </a:bodyPr>
           <a:lstStyle/>
           <a:p>
-            <a:pPr indent="0" lvl="0" marL="0" rtl="0" algn="l">
+            <a:pPr marL="0" lvl="0" indent="0" algn="l" rtl="0">
               <a:spcBef>
                 <a:spcPts val="0"/>
               </a:spcBef>
@@ -8010,10 +8136,10 @@
               <a:buNone/>
             </a:pPr>
             <a:r>
-              <a:rPr lang="en" sz="700"/>
+              <a:rPr lang="en" sz="700" dirty="0"/>
               <a:t>Can</a:t>
             </a:r>
-            <a:endParaRPr sz="700"/>
+            <a:endParaRPr sz="700" dirty="0"/>
           </a:p>
         </p:txBody>
       </p:sp>
@@ -8026,11 +8152,11 @@
 </file>
 
 <file path=ppt/slides/slide4.xml><?xml version="1.0" encoding="utf-8"?>
-<p:sld xmlns:a="http://schemas.openxmlformats.org/drawingml/2006/main" xmlns:r="http://schemas.openxmlformats.org/officeDocument/2006/relationships" xmlns:mc="http://schemas.openxmlformats.org/markup-compatibility/2006" xmlns:mv="urn:schemas-microsoft-com:mac:vml" xmlns:p="http://schemas.openxmlformats.org/presentationml/2006/main" xmlns:c="http://schemas.openxmlformats.org/drawingml/2006/chart" xmlns:dgm="http://schemas.openxmlformats.org/drawingml/2006/diagram" xmlns:o="urn:schemas-microsoft-com:office:office" xmlns:v="urn:schemas-microsoft-com:vml" xmlns:pvml="urn:schemas-microsoft-com:office:powerpoint" xmlns:com="http://schemas.openxmlformats.org/drawingml/2006/compatibility" xmlns:p14="http://schemas.microsoft.com/office/powerpoint/2010/main" xmlns:p15="http://schemas.microsoft.com/office/powerpoint/2012/main" xmlns:ahyp="http://schemas.microsoft.com/office/drawing/2018/hyperlinkcolor">
+<p:sld xmlns:a="http://schemas.openxmlformats.org/drawingml/2006/main" xmlns:r="http://schemas.openxmlformats.org/officeDocument/2006/relationships" xmlns:p="http://schemas.openxmlformats.org/presentationml/2006/main">
   <p:cSld>
     <p:spTree>
       <p:nvGrpSpPr>
-        <p:cNvPr id="94" name="Shape 94"/>
+        <p:cNvPr id="1" name="Shape 94"/>
         <p:cNvGrpSpPr/>
         <p:nvPr/>
       </p:nvGrpSpPr>
@@ -8045,7 +8171,9 @@
       <p:sp>
         <p:nvSpPr>
           <p:cNvPr id="95" name="Google Shape;95;p16"/>
-          <p:cNvSpPr txBox="1"/>
+          <p:cNvSpPr txBox="1">
+            <a:spLocks noGrp="1"/>
+          </p:cNvSpPr>
           <p:nvPr>
             <p:ph type="title"/>
           </p:nvPr>
@@ -8060,12 +8188,12 @@
           </a:prstGeom>
         </p:spPr>
         <p:txBody>
-          <a:bodyPr anchorCtr="0" anchor="t" bIns="91425" lIns="91425" spcFirstLastPara="1" rIns="91425" wrap="square" tIns="91425">
+          <a:bodyPr spcFirstLastPara="1" wrap="square" lIns="91425" tIns="91425" rIns="91425" bIns="91425" anchor="t" anchorCtr="0">
             <a:normAutofit fontScale="90000"/>
           </a:bodyPr>
           <a:lstStyle/>
           <a:p>
-            <a:pPr indent="0" lvl="0" marL="0" rtl="0" algn="l">
+            <a:pPr marL="0" lvl="0" indent="0" algn="l" rtl="0">
               <a:spcBef>
                 <a:spcPts val="0"/>
               </a:spcBef>
@@ -8090,7 +8218,7 @@
         </p:nvGraphicFramePr>
         <p:xfrm>
           <a:off x="6275175" y="618050"/>
-          <a:ext cx="3000000" cy="3000000"/>
+          <a:ext cx="646125" cy="1198425"/>
         </p:xfrm>
         <a:graphic>
           <a:graphicData uri="http://schemas.openxmlformats.org/drawingml/2006/table">
@@ -8100,7 +8228,13 @@
                 <a:tableStyleId>{2665D0F1-BE63-4A82-B196-FC7E924B4079}</a:tableStyleId>
               </a:tblPr>
               <a:tblGrid>
-                <a:gridCol w="646125"/>
+                <a:gridCol w="646125">
+                  <a:extLst>
+                    <a:ext uri="{9D8B030D-6E8A-4147-A177-3AD203B41FA5}">
+                      <a16:colId xmlns:a16="http://schemas.microsoft.com/office/drawing/2014/main" val="20000"/>
+                    </a:ext>
+                  </a:extLst>
+                </a:gridCol>
               </a:tblGrid>
               <a:tr h="274300">
                 <a:tc>
@@ -8108,7 +8242,7 @@
                     <a:bodyPr/>
                     <a:lstStyle/>
                     <a:p>
-                      <a:pPr indent="0" lvl="0" marL="0" rtl="0" algn="l">
+                      <a:pPr marL="0" lvl="0" indent="0" algn="l" rtl="0">
                         <a:spcBef>
                           <a:spcPts val="0"/>
                         </a:spcBef>
@@ -8124,8 +8258,13 @@
                       <a:endParaRPr sz="600"/>
                     </a:p>
                   </a:txBody>
-                  <a:tcPr marT="91425" marB="91425" marR="91425" marL="91425"/>
+                  <a:tcPr marL="91425" marR="91425" marT="91425" marB="91425"/>
                 </a:tc>
+                <a:extLst>
+                  <a:ext uri="{0D108BD9-81ED-4DB2-BD59-A6C34878D82A}">
+                    <a16:rowId xmlns:a16="http://schemas.microsoft.com/office/drawing/2014/main" val="10000"/>
+                  </a:ext>
+                </a:extLst>
               </a:tr>
               <a:tr h="274300">
                 <a:tc>
@@ -8133,7 +8272,7 @@
                     <a:bodyPr/>
                     <a:lstStyle/>
                     <a:p>
-                      <a:pPr indent="0" lvl="0" marL="0" rtl="0" algn="l">
+                      <a:pPr marL="0" lvl="0" indent="0" algn="l" rtl="0">
                         <a:spcBef>
                           <a:spcPts val="0"/>
                         </a:spcBef>
@@ -8149,8 +8288,13 @@
                       <a:endParaRPr sz="600" u="sng"/>
                     </a:p>
                   </a:txBody>
-                  <a:tcPr marT="91425" marB="91425" marR="91425" marL="91425"/>
+                  <a:tcPr marL="91425" marR="91425" marT="91425" marB="91425"/>
                 </a:tc>
+                <a:extLst>
+                  <a:ext uri="{0D108BD9-81ED-4DB2-BD59-A6C34878D82A}">
+                    <a16:rowId xmlns:a16="http://schemas.microsoft.com/office/drawing/2014/main" val="10001"/>
+                  </a:ext>
+                </a:extLst>
               </a:tr>
               <a:tr h="274300">
                 <a:tc>
@@ -8158,7 +8302,7 @@
                     <a:bodyPr/>
                     <a:lstStyle/>
                     <a:p>
-                      <a:pPr indent="0" lvl="0" marL="0" rtl="0" algn="l">
+                      <a:pPr marL="0" lvl="0" indent="0" algn="l" rtl="0">
                         <a:spcBef>
                           <a:spcPts val="0"/>
                         </a:spcBef>
@@ -8173,23 +8317,7 @@
                             <a:srgbClr val="FF0000"/>
                           </a:solidFill>
                         </a:rPr>
-                        <a:t>m_</a:t>
-                      </a:r>
-                      <a:r>
-                        <a:rPr lang="en" sz="600">
-                          <a:solidFill>
-                            <a:srgbClr val="FF0000"/>
-                          </a:solidFill>
-                        </a:rPr>
-                        <a:t>m</a:t>
-                      </a:r>
-                      <a:r>
-                        <a:rPr lang="en" sz="600">
-                          <a:solidFill>
-                            <a:srgbClr val="FF0000"/>
-                          </a:solidFill>
-                        </a:rPr>
-                        <a:t>id</a:t>
+                        <a:t>m_mid</a:t>
                       </a:r>
                       <a:endParaRPr sz="600">
                         <a:solidFill>
@@ -8198,8 +8326,13 @@
                       </a:endParaRPr>
                     </a:p>
                   </a:txBody>
-                  <a:tcPr marT="91425" marB="91425" marR="91425" marL="91425"/>
+                  <a:tcPr marL="91425" marR="91425" marT="91425" marB="91425"/>
                 </a:tc>
+                <a:extLst>
+                  <a:ext uri="{0D108BD9-81ED-4DB2-BD59-A6C34878D82A}">
+                    <a16:rowId xmlns:a16="http://schemas.microsoft.com/office/drawing/2014/main" val="10002"/>
+                  </a:ext>
+                </a:extLst>
               </a:tr>
               <a:tr h="375525">
                 <a:tc>
@@ -8207,7 +8340,7 @@
                     <a:bodyPr/>
                     <a:lstStyle/>
                     <a:p>
-                      <a:pPr indent="0" lvl="0" marL="0" rtl="0" algn="l">
+                      <a:pPr marL="0" lvl="0" indent="0" algn="l" rtl="0">
                         <a:spcBef>
                           <a:spcPts val="0"/>
                         </a:spcBef>
@@ -8218,17 +8351,18 @@
                       </a:pPr>
                       <a:r>
                         <a:rPr lang="en" sz="600"/>
-                        <a:t>d</a:t>
-                      </a:r>
-                      <a:r>
-                        <a:rPr lang="en" sz="600"/>
-                        <a:t>a_relyr</a:t>
+                        <a:t>da_relyr</a:t>
                       </a:r>
                       <a:endParaRPr sz="600"/>
                     </a:p>
                   </a:txBody>
-                  <a:tcPr marT="91425" marB="91425" marR="91425" marL="91425"/>
+                  <a:tcPr marL="91425" marR="91425" marT="91425" marB="91425"/>
                 </a:tc>
+                <a:extLst>
+                  <a:ext uri="{0D108BD9-81ED-4DB2-BD59-A6C34878D82A}">
+                    <a16:rowId xmlns:a16="http://schemas.microsoft.com/office/drawing/2014/main" val="10003"/>
+                  </a:ext>
+                </a:extLst>
               </a:tr>
             </a:tbl>
           </a:graphicData>
@@ -8242,7 +8376,7 @@
         </p:nvGraphicFramePr>
         <p:xfrm>
           <a:off x="7224825" y="1058225"/>
-          <a:ext cx="3000000" cy="3000000"/>
+          <a:ext cx="646125" cy="1269950"/>
         </p:xfrm>
         <a:graphic>
           <a:graphicData uri="http://schemas.openxmlformats.org/drawingml/2006/table">
@@ -8252,7 +8386,13 @@
                 <a:tableStyleId>{2665D0F1-BE63-4A82-B196-FC7E924B4079}</a:tableStyleId>
               </a:tblPr>
               <a:tblGrid>
-                <a:gridCol w="646125"/>
+                <a:gridCol w="646125">
+                  <a:extLst>
+                    <a:ext uri="{9D8B030D-6E8A-4147-A177-3AD203B41FA5}">
+                      <a16:colId xmlns:a16="http://schemas.microsoft.com/office/drawing/2014/main" val="20000"/>
+                    </a:ext>
+                  </a:extLst>
+                </a:gridCol>
               </a:tblGrid>
               <a:tr h="290675">
                 <a:tc>
@@ -8260,7 +8400,7 @@
                     <a:bodyPr/>
                     <a:lstStyle/>
                     <a:p>
-                      <a:pPr indent="0" lvl="0" marL="0" rtl="0" algn="l">
+                      <a:pPr marL="0" lvl="0" indent="0" algn="l" rtl="0">
                         <a:spcBef>
                           <a:spcPts val="0"/>
                         </a:spcBef>
@@ -8276,8 +8416,13 @@
                       <a:endParaRPr sz="600"/>
                     </a:p>
                   </a:txBody>
-                  <a:tcPr marT="91425" marB="91425" marR="91425" marL="91425"/>
+                  <a:tcPr marL="91425" marR="91425" marT="91425" marB="91425"/>
                 </a:tc>
+                <a:extLst>
+                  <a:ext uri="{0D108BD9-81ED-4DB2-BD59-A6C34878D82A}">
+                    <a16:rowId xmlns:a16="http://schemas.microsoft.com/office/drawing/2014/main" val="10000"/>
+                  </a:ext>
+                </a:extLst>
               </a:tr>
               <a:tr h="290675">
                 <a:tc>
@@ -8285,7 +8430,7 @@
                     <a:bodyPr/>
                     <a:lstStyle/>
                     <a:p>
-                      <a:pPr indent="0" lvl="0" marL="0" rtl="0" algn="l">
+                      <a:pPr marL="0" lvl="0" indent="0" algn="l" rtl="0">
                         <a:spcBef>
                           <a:spcPts val="0"/>
                         </a:spcBef>
@@ -8301,8 +8446,13 @@
                       <a:endParaRPr sz="600" u="sng"/>
                     </a:p>
                   </a:txBody>
-                  <a:tcPr marT="91425" marB="91425" marR="91425" marL="91425"/>
+                  <a:tcPr marL="91425" marR="91425" marT="91425" marB="91425"/>
                 </a:tc>
+                <a:extLst>
+                  <a:ext uri="{0D108BD9-81ED-4DB2-BD59-A6C34878D82A}">
+                    <a16:rowId xmlns:a16="http://schemas.microsoft.com/office/drawing/2014/main" val="10001"/>
+                  </a:ext>
+                </a:extLst>
               </a:tr>
               <a:tr h="290675">
                 <a:tc>
@@ -8310,7 +8460,7 @@
                     <a:bodyPr/>
                     <a:lstStyle/>
                     <a:p>
-                      <a:pPr indent="0" lvl="0" marL="0" rtl="0" algn="l">
+                      <a:pPr marL="0" lvl="0" indent="0" algn="l" rtl="0">
                         <a:spcBef>
                           <a:spcPts val="0"/>
                         </a:spcBef>
@@ -8325,23 +8475,7 @@
                             <a:srgbClr val="FF0000"/>
                           </a:solidFill>
                         </a:rPr>
-                        <a:t>m_</a:t>
-                      </a:r>
-                      <a:r>
-                        <a:rPr lang="en" sz="600">
-                          <a:solidFill>
-                            <a:srgbClr val="FF0000"/>
-                          </a:solidFill>
-                        </a:rPr>
-                        <a:t>m</a:t>
-                      </a:r>
-                      <a:r>
-                        <a:rPr lang="en" sz="600">
-                          <a:solidFill>
-                            <a:srgbClr val="FF0000"/>
-                          </a:solidFill>
-                        </a:rPr>
-                        <a:t>id</a:t>
+                        <a:t>m_mid</a:t>
                       </a:r>
                       <a:endParaRPr sz="600">
                         <a:solidFill>
@@ -8350,8 +8484,13 @@
                       </a:endParaRPr>
                     </a:p>
                   </a:txBody>
-                  <a:tcPr marT="91425" marB="91425" marR="91425" marL="91425"/>
+                  <a:tcPr marL="91425" marR="91425" marT="91425" marB="91425"/>
                 </a:tc>
+                <a:extLst>
+                  <a:ext uri="{0D108BD9-81ED-4DB2-BD59-A6C34878D82A}">
+                    <a16:rowId xmlns:a16="http://schemas.microsoft.com/office/drawing/2014/main" val="10002"/>
+                  </a:ext>
+                </a:extLst>
               </a:tr>
               <a:tr h="397925">
                 <a:tc>
@@ -8359,7 +8498,7 @@
                     <a:bodyPr/>
                     <a:lstStyle/>
                     <a:p>
-                      <a:pPr indent="0" lvl="0" marL="0" rtl="0" algn="l">
+                      <a:pPr marL="0" lvl="0" indent="0" algn="l" rtl="0">
                         <a:spcBef>
                           <a:spcPts val="0"/>
                         </a:spcBef>
@@ -8370,17 +8509,18 @@
                       </a:pPr>
                       <a:r>
                         <a:rPr lang="en" sz="600"/>
-                        <a:t>du</a:t>
-                      </a:r>
-                      <a:r>
-                        <a:rPr lang="en" sz="600"/>
-                        <a:t>_runtime</a:t>
+                        <a:t>du_runtime</a:t>
                       </a:r>
                       <a:endParaRPr sz="600"/>
                     </a:p>
                   </a:txBody>
-                  <a:tcPr marT="91425" marB="91425" marR="91425" marL="91425"/>
+                  <a:tcPr marL="91425" marR="91425" marT="91425" marB="91425"/>
                 </a:tc>
+                <a:extLst>
+                  <a:ext uri="{0D108BD9-81ED-4DB2-BD59-A6C34878D82A}">
+                    <a16:rowId xmlns:a16="http://schemas.microsoft.com/office/drawing/2014/main" val="10003"/>
+                  </a:ext>
+                </a:extLst>
               </a:tr>
             </a:tbl>
           </a:graphicData>
@@ -8394,7 +8534,7 @@
         </p:nvGraphicFramePr>
         <p:xfrm>
           <a:off x="3559900" y="1639575"/>
-          <a:ext cx="3000000" cy="3000000"/>
+          <a:ext cx="646125" cy="1747025"/>
         </p:xfrm>
         <a:graphic>
           <a:graphicData uri="http://schemas.openxmlformats.org/drawingml/2006/table">
@@ -8404,7 +8544,13 @@
                 <a:tableStyleId>{2665D0F1-BE63-4A82-B196-FC7E924B4079}</a:tableStyleId>
               </a:tblPr>
               <a:tblGrid>
-                <a:gridCol w="646125"/>
+                <a:gridCol w="646125">
+                  <a:extLst>
+                    <a:ext uri="{9D8B030D-6E8A-4147-A177-3AD203B41FA5}">
+                      <a16:colId xmlns:a16="http://schemas.microsoft.com/office/drawing/2014/main" val="20000"/>
+                    </a:ext>
+                  </a:extLst>
+                </a:gridCol>
               </a:tblGrid>
               <a:tr h="274300">
                 <a:tc>
@@ -8412,7 +8558,7 @@
                     <a:bodyPr/>
                     <a:lstStyle/>
                     <a:p>
-                      <a:pPr indent="0" lvl="0" marL="0" rtl="0" algn="l">
+                      <a:pPr marL="0" lvl="0" indent="0" algn="l" rtl="0">
                         <a:spcBef>
                           <a:spcPts val="0"/>
                         </a:spcBef>
@@ -8428,8 +8574,13 @@
                       <a:endParaRPr sz="600"/>
                     </a:p>
                   </a:txBody>
-                  <a:tcPr marT="91425" marB="91425" marR="91425" marL="91425"/>
+                  <a:tcPr marL="91425" marR="91425" marT="91425" marB="91425"/>
                 </a:tc>
+                <a:extLst>
+                  <a:ext uri="{0D108BD9-81ED-4DB2-BD59-A6C34878D82A}">
+                    <a16:rowId xmlns:a16="http://schemas.microsoft.com/office/drawing/2014/main" val="10000"/>
+                  </a:ext>
+                </a:extLst>
               </a:tr>
               <a:tr h="274300">
                 <a:tc>
@@ -8437,7 +8588,7 @@
                     <a:bodyPr/>
                     <a:lstStyle/>
                     <a:p>
-                      <a:pPr indent="0" lvl="0" marL="0" rtl="0" algn="l">
+                      <a:pPr marL="0" lvl="0" indent="0" algn="l" rtl="0">
                         <a:spcBef>
                           <a:spcPts val="0"/>
                         </a:spcBef>
@@ -8453,8 +8604,13 @@
                       <a:endParaRPr sz="600" u="sng"/>
                     </a:p>
                   </a:txBody>
-                  <a:tcPr marT="91425" marB="91425" marR="91425" marL="91425"/>
+                  <a:tcPr marL="91425" marR="91425" marT="91425" marB="91425"/>
                 </a:tc>
+                <a:extLst>
+                  <a:ext uri="{0D108BD9-81ED-4DB2-BD59-A6C34878D82A}">
+                    <a16:rowId xmlns:a16="http://schemas.microsoft.com/office/drawing/2014/main" val="10001"/>
+                  </a:ext>
+                </a:extLst>
               </a:tr>
               <a:tr h="274300">
                 <a:tc>
@@ -8462,7 +8618,7 @@
                     <a:bodyPr/>
                     <a:lstStyle/>
                     <a:p>
-                      <a:pPr indent="0" lvl="0" marL="0" rtl="0" algn="l">
+                      <a:pPr marL="0" lvl="0" indent="0" algn="l" rtl="0">
                         <a:spcBef>
                           <a:spcPts val="0"/>
                         </a:spcBef>
@@ -8486,8 +8642,13 @@
                       </a:endParaRPr>
                     </a:p>
                   </a:txBody>
-                  <a:tcPr marT="91425" marB="91425" marR="91425" marL="91425"/>
+                  <a:tcPr marL="91425" marR="91425" marT="91425" marB="91425"/>
                 </a:tc>
+                <a:extLst>
+                  <a:ext uri="{0D108BD9-81ED-4DB2-BD59-A6C34878D82A}">
+                    <a16:rowId xmlns:a16="http://schemas.microsoft.com/office/drawing/2014/main" val="10002"/>
+                  </a:ext>
+                </a:extLst>
               </a:tr>
               <a:tr h="274300">
                 <a:tc>
@@ -8495,7 +8656,7 @@
                     <a:bodyPr/>
                     <a:lstStyle/>
                     <a:p>
-                      <a:pPr indent="0" lvl="0" marL="0" rtl="0" algn="l">
+                      <a:pPr marL="0" lvl="0" indent="0" algn="l" rtl="0">
                         <a:spcBef>
                           <a:spcPts val="0"/>
                         </a:spcBef>
@@ -8519,8 +8680,13 @@
                       </a:endParaRPr>
                     </a:p>
                   </a:txBody>
-                  <a:tcPr marT="91425" marB="91425" marR="91425" marL="91425"/>
+                  <a:tcPr marL="91425" marR="91425" marT="91425" marB="91425"/>
                 </a:tc>
+                <a:extLst>
+                  <a:ext uri="{0D108BD9-81ED-4DB2-BD59-A6C34878D82A}">
+                    <a16:rowId xmlns:a16="http://schemas.microsoft.com/office/drawing/2014/main" val="10003"/>
+                  </a:ext>
+                </a:extLst>
               </a:tr>
               <a:tr h="274300">
                 <a:tc>
@@ -8528,7 +8694,7 @@
                     <a:bodyPr/>
                     <a:lstStyle/>
                     <a:p>
-                      <a:pPr indent="0" lvl="0" marL="0" rtl="0" algn="l">
+                      <a:pPr marL="0" lvl="0" indent="0" algn="l" rtl="0">
                         <a:spcBef>
                           <a:spcPts val="0"/>
                         </a:spcBef>
@@ -8552,8 +8718,13 @@
                       </a:endParaRPr>
                     </a:p>
                   </a:txBody>
-                  <a:tcPr marT="91425" marB="91425" marR="91425" marL="91425"/>
+                  <a:tcPr marL="91425" marR="91425" marT="91425" marB="91425"/>
                 </a:tc>
+                <a:extLst>
+                  <a:ext uri="{0D108BD9-81ED-4DB2-BD59-A6C34878D82A}">
+                    <a16:rowId xmlns:a16="http://schemas.microsoft.com/office/drawing/2014/main" val="10004"/>
+                  </a:ext>
+                </a:extLst>
               </a:tr>
               <a:tr h="375525">
                 <a:tc>
@@ -8561,7 +8732,7 @@
                     <a:bodyPr/>
                     <a:lstStyle/>
                     <a:p>
-                      <a:pPr indent="0" lvl="0" marL="0" rtl="0" algn="l">
+                      <a:pPr marL="0" lvl="0" indent="0" algn="l" rtl="0">
                         <a:spcBef>
                           <a:spcPts val="0"/>
                         </a:spcBef>
@@ -8577,8 +8748,13 @@
                       <a:endParaRPr sz="600"/>
                     </a:p>
                   </a:txBody>
-                  <a:tcPr marT="91425" marB="91425" marR="91425" marL="91425"/>
+                  <a:tcPr marL="91425" marR="91425" marT="91425" marB="91425"/>
                 </a:tc>
+                <a:extLst>
+                  <a:ext uri="{0D108BD9-81ED-4DB2-BD59-A6C34878D82A}">
+                    <a16:rowId xmlns:a16="http://schemas.microsoft.com/office/drawing/2014/main" val="10005"/>
+                  </a:ext>
+                </a:extLst>
               </a:tr>
             </a:tbl>
           </a:graphicData>
@@ -8592,7 +8768,7 @@
         </p:nvGraphicFramePr>
         <p:xfrm>
           <a:off x="3337750" y="3814063"/>
-          <a:ext cx="3000000" cy="3000000"/>
+          <a:ext cx="646125" cy="924125"/>
         </p:xfrm>
         <a:graphic>
           <a:graphicData uri="http://schemas.openxmlformats.org/drawingml/2006/table">
@@ -8602,7 +8778,13 @@
                 <a:tableStyleId>{2665D0F1-BE63-4A82-B196-FC7E924B4079}</a:tableStyleId>
               </a:tblPr>
               <a:tblGrid>
-                <a:gridCol w="646125"/>
+                <a:gridCol w="646125">
+                  <a:extLst>
+                    <a:ext uri="{9D8B030D-6E8A-4147-A177-3AD203B41FA5}">
+                      <a16:colId xmlns:a16="http://schemas.microsoft.com/office/drawing/2014/main" val="20000"/>
+                    </a:ext>
+                  </a:extLst>
+                </a:gridCol>
               </a:tblGrid>
               <a:tr h="274300">
                 <a:tc>
@@ -8610,7 +8792,7 @@
                     <a:bodyPr/>
                     <a:lstStyle/>
                     <a:p>
-                      <a:pPr indent="0" lvl="0" marL="0" rtl="0" algn="l">
+                      <a:pPr marL="0" lvl="0" indent="0" algn="l" rtl="0">
                         <a:spcBef>
                           <a:spcPts val="0"/>
                         </a:spcBef>
@@ -8626,8 +8808,13 @@
                       <a:endParaRPr sz="600"/>
                     </a:p>
                   </a:txBody>
-                  <a:tcPr marT="91425" marB="91425" marR="91425" marL="91425"/>
+                  <a:tcPr marL="91425" marR="91425" marT="91425" marB="91425"/>
                 </a:tc>
+                <a:extLst>
+                  <a:ext uri="{0D108BD9-81ED-4DB2-BD59-A6C34878D82A}">
+                    <a16:rowId xmlns:a16="http://schemas.microsoft.com/office/drawing/2014/main" val="10000"/>
+                  </a:ext>
+                </a:extLst>
               </a:tr>
               <a:tr h="274300">
                 <a:tc>
@@ -8635,7 +8822,7 @@
                     <a:bodyPr/>
                     <a:lstStyle/>
                     <a:p>
-                      <a:pPr indent="0" lvl="0" marL="0" rtl="0" algn="l">
+                      <a:pPr marL="0" lvl="0" indent="0" algn="l" rtl="0">
                         <a:spcBef>
                           <a:spcPts val="0"/>
                         </a:spcBef>
@@ -8651,8 +8838,13 @@
                       <a:endParaRPr sz="600" u="sng"/>
                     </a:p>
                   </a:txBody>
-                  <a:tcPr marT="91425" marB="91425" marR="91425" marL="91425"/>
+                  <a:tcPr marL="91425" marR="91425" marT="91425" marB="91425"/>
                 </a:tc>
+                <a:extLst>
+                  <a:ext uri="{0D108BD9-81ED-4DB2-BD59-A6C34878D82A}">
+                    <a16:rowId xmlns:a16="http://schemas.microsoft.com/office/drawing/2014/main" val="10001"/>
+                  </a:ext>
+                </a:extLst>
               </a:tr>
               <a:tr h="375525">
                 <a:tc>
@@ -8660,7 +8852,7 @@
                     <a:bodyPr/>
                     <a:lstStyle/>
                     <a:p>
-                      <a:pPr indent="0" lvl="0" marL="0" rtl="0" algn="l">
+                      <a:pPr marL="0" lvl="0" indent="0" algn="l" rtl="0">
                         <a:spcBef>
                           <a:spcPts val="0"/>
                         </a:spcBef>
@@ -8684,8 +8876,13 @@
                       </a:endParaRPr>
                     </a:p>
                   </a:txBody>
-                  <a:tcPr marT="91425" marB="91425" marR="91425" marL="91425"/>
+                  <a:tcPr marL="91425" marR="91425" marT="91425" marB="91425"/>
                 </a:tc>
+                <a:extLst>
+                  <a:ext uri="{0D108BD9-81ED-4DB2-BD59-A6C34878D82A}">
+                    <a16:rowId xmlns:a16="http://schemas.microsoft.com/office/drawing/2014/main" val="10002"/>
+                  </a:ext>
+                </a:extLst>
               </a:tr>
             </a:tbl>
           </a:graphicData>
@@ -8699,7 +8896,7 @@
         </p:nvGraphicFramePr>
         <p:xfrm>
           <a:off x="7571163" y="2740588"/>
-          <a:ext cx="3000000" cy="3000000"/>
+          <a:ext cx="646125" cy="924125"/>
         </p:xfrm>
         <a:graphic>
           <a:graphicData uri="http://schemas.openxmlformats.org/drawingml/2006/table">
@@ -8709,7 +8906,13 @@
                 <a:tableStyleId>{2665D0F1-BE63-4A82-B196-FC7E924B4079}</a:tableStyleId>
               </a:tblPr>
               <a:tblGrid>
-                <a:gridCol w="646125"/>
+                <a:gridCol w="646125">
+                  <a:extLst>
+                    <a:ext uri="{9D8B030D-6E8A-4147-A177-3AD203B41FA5}">
+                      <a16:colId xmlns:a16="http://schemas.microsoft.com/office/drawing/2014/main" val="20000"/>
+                    </a:ext>
+                  </a:extLst>
+                </a:gridCol>
               </a:tblGrid>
               <a:tr h="274300">
                 <a:tc>
@@ -8717,7 +8920,7 @@
                     <a:bodyPr/>
                     <a:lstStyle/>
                     <a:p>
-                      <a:pPr indent="0" lvl="0" marL="0" rtl="0" algn="l">
+                      <a:pPr marL="0" lvl="0" indent="0" algn="l" rtl="0">
                         <a:spcBef>
                           <a:spcPts val="0"/>
                         </a:spcBef>
@@ -8733,8 +8936,13 @@
                       <a:endParaRPr sz="600"/>
                     </a:p>
                   </a:txBody>
-                  <a:tcPr marT="91425" marB="91425" marR="91425" marL="91425"/>
+                  <a:tcPr marL="91425" marR="91425" marT="91425" marB="91425"/>
                 </a:tc>
+                <a:extLst>
+                  <a:ext uri="{0D108BD9-81ED-4DB2-BD59-A6C34878D82A}">
+                    <a16:rowId xmlns:a16="http://schemas.microsoft.com/office/drawing/2014/main" val="10000"/>
+                  </a:ext>
+                </a:extLst>
               </a:tr>
               <a:tr h="274300">
                 <a:tc>
@@ -8742,7 +8950,7 @@
                     <a:bodyPr/>
                     <a:lstStyle/>
                     <a:p>
-                      <a:pPr indent="0" lvl="0" marL="0" rtl="0" algn="l">
+                      <a:pPr marL="0" lvl="0" indent="0" algn="l" rtl="0">
                         <a:spcBef>
                           <a:spcPts val="0"/>
                         </a:spcBef>
@@ -8758,8 +8966,13 @@
                       <a:endParaRPr sz="600" u="sng"/>
                     </a:p>
                   </a:txBody>
-                  <a:tcPr marT="91425" marB="91425" marR="91425" marL="91425"/>
+                  <a:tcPr marL="91425" marR="91425" marT="91425" marB="91425"/>
                 </a:tc>
+                <a:extLst>
+                  <a:ext uri="{0D108BD9-81ED-4DB2-BD59-A6C34878D82A}">
+                    <a16:rowId xmlns:a16="http://schemas.microsoft.com/office/drawing/2014/main" val="10001"/>
+                  </a:ext>
+                </a:extLst>
               </a:tr>
               <a:tr h="375525">
                 <a:tc>
@@ -8767,7 +8980,7 @@
                     <a:bodyPr/>
                     <a:lstStyle/>
                     <a:p>
-                      <a:pPr indent="0" lvl="0" marL="0" rtl="0" algn="l">
+                      <a:pPr marL="0" lvl="0" indent="0" algn="l" rtl="0">
                         <a:spcBef>
                           <a:spcPts val="0"/>
                         </a:spcBef>
@@ -8783,8 +8996,13 @@
                       <a:endParaRPr sz="600"/>
                     </a:p>
                   </a:txBody>
-                  <a:tcPr marT="91425" marB="91425" marR="91425" marL="91425"/>
+                  <a:tcPr marL="91425" marR="91425" marT="91425" marB="91425"/>
                 </a:tc>
+                <a:extLst>
+                  <a:ext uri="{0D108BD9-81ED-4DB2-BD59-A6C34878D82A}">
+                    <a16:rowId xmlns:a16="http://schemas.microsoft.com/office/drawing/2014/main" val="10002"/>
+                  </a:ext>
+                </a:extLst>
               </a:tr>
             </a:tbl>
           </a:graphicData>
@@ -8798,7 +9016,7 @@
         </p:nvGraphicFramePr>
         <p:xfrm>
           <a:off x="6857238" y="3449275"/>
-          <a:ext cx="3000000" cy="3000000"/>
+          <a:ext cx="646125" cy="1460655"/>
         </p:xfrm>
         <a:graphic>
           <a:graphicData uri="http://schemas.openxmlformats.org/drawingml/2006/table">
@@ -8808,7 +9026,13 @@
                 <a:tableStyleId>{2665D0F1-BE63-4A82-B196-FC7E924B4079}</a:tableStyleId>
               </a:tblPr>
               <a:tblGrid>
-                <a:gridCol w="646125"/>
+                <a:gridCol w="646125">
+                  <a:extLst>
+                    <a:ext uri="{9D8B030D-6E8A-4147-A177-3AD203B41FA5}">
+                      <a16:colId xmlns:a16="http://schemas.microsoft.com/office/drawing/2014/main" val="20000"/>
+                    </a:ext>
+                  </a:extLst>
+                </a:gridCol>
               </a:tblGrid>
               <a:tr h="263400">
                 <a:tc>
@@ -8816,7 +9040,7 @@
                     <a:bodyPr/>
                     <a:lstStyle/>
                     <a:p>
-                      <a:pPr indent="0" lvl="0" marL="0" rtl="0" algn="l">
+                      <a:pPr marL="0" lvl="0" indent="0" algn="l" rtl="0">
                         <a:spcBef>
                           <a:spcPts val="0"/>
                         </a:spcBef>
@@ -8832,8 +9056,13 @@
                       <a:endParaRPr sz="600"/>
                     </a:p>
                   </a:txBody>
-                  <a:tcPr marT="91425" marB="91425" marR="91425" marL="91425"/>
+                  <a:tcPr marL="91425" marR="91425" marT="91425" marB="91425"/>
                 </a:tc>
+                <a:extLst>
+                  <a:ext uri="{0D108BD9-81ED-4DB2-BD59-A6C34878D82A}">
+                    <a16:rowId xmlns:a16="http://schemas.microsoft.com/office/drawing/2014/main" val="10000"/>
+                  </a:ext>
+                </a:extLst>
               </a:tr>
               <a:tr h="222075">
                 <a:tc>
@@ -8841,7 +9070,7 @@
                     <a:bodyPr/>
                     <a:lstStyle/>
                     <a:p>
-                      <a:pPr indent="0" lvl="0" marL="0" rtl="0" algn="l">
+                      <a:pPr marL="0" lvl="0" indent="0" algn="l" rtl="0">
                         <a:spcBef>
                           <a:spcPts val="0"/>
                         </a:spcBef>
@@ -8852,17 +9081,18 @@
                       </a:pPr>
                       <a:r>
                         <a:rPr lang="en" sz="600" u="sng"/>
-                        <a:t>di</a:t>
-                      </a:r>
-                      <a:r>
-                        <a:rPr lang="en" sz="600" u="sng"/>
-                        <a:t>_id</a:t>
+                        <a:t>di_id</a:t>
                       </a:r>
                       <a:endParaRPr sz="600" u="sng"/>
                     </a:p>
                   </a:txBody>
-                  <a:tcPr marT="91425" marB="91425" marR="91425" marL="91425"/>
+                  <a:tcPr marL="91425" marR="91425" marT="91425" marB="91425"/>
                 </a:tc>
+                <a:extLst>
+                  <a:ext uri="{0D108BD9-81ED-4DB2-BD59-A6C34878D82A}">
+                    <a16:rowId xmlns:a16="http://schemas.microsoft.com/office/drawing/2014/main" val="10001"/>
+                  </a:ext>
+                </a:extLst>
               </a:tr>
               <a:tr h="304025">
                 <a:tc>
@@ -8870,7 +9100,7 @@
                     <a:bodyPr/>
                     <a:lstStyle/>
                     <a:p>
-                      <a:pPr indent="0" lvl="0" marL="0" rtl="0" algn="l">
+                      <a:pPr marL="0" lvl="0" indent="0" algn="l" rtl="0">
                         <a:spcBef>
                           <a:spcPts val="0"/>
                         </a:spcBef>
@@ -8894,8 +9124,13 @@
                       </a:endParaRPr>
                     </a:p>
                   </a:txBody>
-                  <a:tcPr marT="91425" marB="91425" marR="91425" marL="91425"/>
+                  <a:tcPr marL="91425" marR="91425" marT="91425" marB="91425"/>
                 </a:tc>
+                <a:extLst>
+                  <a:ext uri="{0D108BD9-81ED-4DB2-BD59-A6C34878D82A}">
+                    <a16:rowId xmlns:a16="http://schemas.microsoft.com/office/drawing/2014/main" val="10002"/>
+                  </a:ext>
+                </a:extLst>
               </a:tr>
               <a:tr h="304025">
                 <a:tc>
@@ -8903,7 +9138,7 @@
                     <a:bodyPr/>
                     <a:lstStyle/>
                     <a:p>
-                      <a:pPr indent="0" lvl="0" marL="0" rtl="0" algn="l">
+                      <a:pPr marL="0" lvl="0" indent="0" algn="l" rtl="0">
                         <a:spcBef>
                           <a:spcPts val="0"/>
                         </a:spcBef>
@@ -8927,8 +9162,13 @@
                       </a:endParaRPr>
                     </a:p>
                   </a:txBody>
-                  <a:tcPr marT="91425" marB="91425" marR="91425" marL="91425"/>
+                  <a:tcPr marL="91425" marR="91425" marT="91425" marB="91425"/>
                 </a:tc>
+                <a:extLst>
+                  <a:ext uri="{0D108BD9-81ED-4DB2-BD59-A6C34878D82A}">
+                    <a16:rowId xmlns:a16="http://schemas.microsoft.com/office/drawing/2014/main" val="10003"/>
+                  </a:ext>
+                </a:extLst>
               </a:tr>
               <a:tr h="304025">
                 <a:tc>
@@ -8936,7 +9176,7 @@
                     <a:bodyPr/>
                     <a:lstStyle/>
                     <a:p>
-                      <a:pPr indent="0" lvl="0" marL="0" rtl="0" algn="l">
+                      <a:pPr marL="0" lvl="0" indent="0" algn="l" rtl="0">
                         <a:spcBef>
                           <a:spcPts val="0"/>
                         </a:spcBef>
@@ -8960,8 +9200,13 @@
                       </a:endParaRPr>
                     </a:p>
                   </a:txBody>
-                  <a:tcPr marT="91425" marB="91425" marR="91425" marL="91425"/>
+                  <a:tcPr marL="91425" marR="91425" marT="91425" marB="91425"/>
                 </a:tc>
+                <a:extLst>
+                  <a:ext uri="{0D108BD9-81ED-4DB2-BD59-A6C34878D82A}">
+                    <a16:rowId xmlns:a16="http://schemas.microsoft.com/office/drawing/2014/main" val="10004"/>
+                  </a:ext>
+                </a:extLst>
               </a:tr>
             </a:tbl>
           </a:graphicData>
@@ -8975,7 +9220,7 @@
         </p:nvGraphicFramePr>
         <p:xfrm>
           <a:off x="480550" y="1643438"/>
-          <a:ext cx="3000000" cy="3000000"/>
+          <a:ext cx="646125" cy="1097160"/>
         </p:xfrm>
         <a:graphic>
           <a:graphicData uri="http://schemas.openxmlformats.org/drawingml/2006/table">
@@ -8985,7 +9230,13 @@
                 <a:tableStyleId>{2665D0F1-BE63-4A82-B196-FC7E924B4079}</a:tableStyleId>
               </a:tblPr>
               <a:tblGrid>
-                <a:gridCol w="646125"/>
+                <a:gridCol w="646125">
+                  <a:extLst>
+                    <a:ext uri="{9D8B030D-6E8A-4147-A177-3AD203B41FA5}">
+                      <a16:colId xmlns:a16="http://schemas.microsoft.com/office/drawing/2014/main" val="20000"/>
+                    </a:ext>
+                  </a:extLst>
+                </a:gridCol>
               </a:tblGrid>
               <a:tr h="222075">
                 <a:tc>
@@ -8993,7 +9244,7 @@
                     <a:bodyPr/>
                     <a:lstStyle/>
                     <a:p>
-                      <a:pPr indent="0" lvl="0" marL="0" rtl="0" algn="l">
+                      <a:pPr marL="0" lvl="0" indent="0" algn="l" rtl="0">
                         <a:spcBef>
                           <a:spcPts val="0"/>
                         </a:spcBef>
@@ -9009,8 +9260,13 @@
                       <a:endParaRPr sz="600"/>
                     </a:p>
                   </a:txBody>
-                  <a:tcPr marT="91425" marB="91425" marR="91425" marL="91425"/>
+                  <a:tcPr marL="91425" marR="91425" marT="91425" marB="91425"/>
                 </a:tc>
+                <a:extLst>
+                  <a:ext uri="{0D108BD9-81ED-4DB2-BD59-A6C34878D82A}">
+                    <a16:rowId xmlns:a16="http://schemas.microsoft.com/office/drawing/2014/main" val="10000"/>
+                  </a:ext>
+                </a:extLst>
               </a:tr>
               <a:tr h="222075">
                 <a:tc>
@@ -9018,7 +9274,7 @@
                     <a:bodyPr/>
                     <a:lstStyle/>
                     <a:p>
-                      <a:pPr indent="0" lvl="0" marL="0" rtl="0" algn="l">
+                      <a:pPr marL="0" lvl="0" indent="0" algn="l" rtl="0">
                         <a:spcBef>
                           <a:spcPts val="0"/>
                         </a:spcBef>
@@ -9029,17 +9285,18 @@
                       </a:pPr>
                       <a:r>
                         <a:rPr lang="en" sz="600" u="sng"/>
-                        <a:t>u</a:t>
-                      </a:r>
-                      <a:r>
-                        <a:rPr lang="en" sz="600" u="sng"/>
-                        <a:t>_id</a:t>
+                        <a:t>u_id</a:t>
                       </a:r>
                       <a:endParaRPr sz="600" u="sng"/>
                     </a:p>
                   </a:txBody>
-                  <a:tcPr marT="91425" marB="91425" marR="91425" marL="91425"/>
+                  <a:tcPr marL="91425" marR="91425" marT="91425" marB="91425"/>
                 </a:tc>
+                <a:extLst>
+                  <a:ext uri="{0D108BD9-81ED-4DB2-BD59-A6C34878D82A}">
+                    <a16:rowId xmlns:a16="http://schemas.microsoft.com/office/drawing/2014/main" val="10001"/>
+                  </a:ext>
+                </a:extLst>
               </a:tr>
               <a:tr h="222075">
                 <a:tc>
@@ -9047,7 +9304,7 @@
                     <a:bodyPr/>
                     <a:lstStyle/>
                     <a:p>
-                      <a:pPr indent="0" lvl="0" marL="0" rtl="0" algn="l">
+                      <a:pPr marL="0" lvl="0" indent="0" algn="l" rtl="0">
                         <a:spcBef>
                           <a:spcPts val="0"/>
                         </a:spcBef>
@@ -9071,8 +9328,13 @@
                       </a:endParaRPr>
                     </a:p>
                   </a:txBody>
-                  <a:tcPr marT="91425" marB="91425" marR="91425" marL="91425"/>
+                  <a:tcPr marL="91425" marR="91425" marT="91425" marB="91425"/>
                 </a:tc>
+                <a:extLst>
+                  <a:ext uri="{0D108BD9-81ED-4DB2-BD59-A6C34878D82A}">
+                    <a16:rowId xmlns:a16="http://schemas.microsoft.com/office/drawing/2014/main" val="10002"/>
+                  </a:ext>
+                </a:extLst>
               </a:tr>
               <a:tr h="222075">
                 <a:tc>
@@ -9080,7 +9342,7 @@
                     <a:bodyPr/>
                     <a:lstStyle/>
                     <a:p>
-                      <a:pPr indent="0" lvl="0" marL="0" rtl="0" algn="l">
+                      <a:pPr marL="0" lvl="0" indent="0" algn="l" rtl="0">
                         <a:spcBef>
                           <a:spcPts val="0"/>
                         </a:spcBef>
@@ -9104,8 +9366,13 @@
                       </a:endParaRPr>
                     </a:p>
                   </a:txBody>
-                  <a:tcPr marT="91425" marB="91425" marR="91425" marL="91425"/>
+                  <a:tcPr marL="91425" marR="91425" marT="91425" marB="91425"/>
                 </a:tc>
+                <a:extLst>
+                  <a:ext uri="{0D108BD9-81ED-4DB2-BD59-A6C34878D82A}">
+                    <a16:rowId xmlns:a16="http://schemas.microsoft.com/office/drawing/2014/main" val="10003"/>
+                  </a:ext>
+                </a:extLst>
               </a:tr>
             </a:tbl>
           </a:graphicData>
@@ -9128,23 +9395,23 @@
           <a:solidFill>
             <a:schemeClr val="lt2"/>
           </a:solidFill>
-          <a:ln cap="flat" cmpd="sng" w="9525">
+          <a:ln w="9525" cap="flat" cmpd="sng">
             <a:solidFill>
               <a:schemeClr val="dk2"/>
             </a:solidFill>
             <a:prstDash val="solid"/>
             <a:round/>
-            <a:headEnd len="sm" w="sm" type="none"/>
-            <a:tailEnd len="sm" w="sm" type="none"/>
+            <a:headEnd type="none" w="sm" len="sm"/>
+            <a:tailEnd type="none" w="sm" len="sm"/>
           </a:ln>
         </p:spPr>
         <p:txBody>
-          <a:bodyPr anchorCtr="0" anchor="ctr" bIns="91425" lIns="91425" spcFirstLastPara="1" rIns="91425" wrap="square" tIns="91425">
+          <a:bodyPr spcFirstLastPara="1" wrap="square" lIns="91425" tIns="91425" rIns="91425" bIns="91425" anchor="ctr" anchorCtr="0">
             <a:noAutofit/>
           </a:bodyPr>
           <a:lstStyle/>
           <a:p>
-            <a:pPr indent="0" lvl="0" marL="0" rtl="0" algn="l">
+            <a:pPr marL="0" lvl="0" indent="0" algn="l" rtl="0">
               <a:spcBef>
                 <a:spcPts val="0"/>
               </a:spcBef>
@@ -9168,7 +9435,7 @@
           <p:nvPr/>
         </p:nvCxnSpPr>
         <p:spPr>
-          <a:xfrm flipH="1" rot="10800000">
+          <a:xfrm rot="10800000" flipH="1">
             <a:off x="4202800" y="2236063"/>
             <a:ext cx="366900" cy="300"/>
           </a:xfrm>
@@ -9176,14 +9443,14 @@
             <a:avLst/>
           </a:prstGeom>
           <a:noFill/>
-          <a:ln cap="flat" cmpd="sng" w="9525">
+          <a:ln w="9525" cap="flat" cmpd="sng">
             <a:solidFill>
               <a:schemeClr val="dk2"/>
             </a:solidFill>
             <a:prstDash val="solid"/>
             <a:round/>
-            <a:headEnd len="med" w="med" type="none"/>
-            <a:tailEnd len="med" w="med" type="none"/>
+            <a:headEnd type="none" w="med" len="med"/>
+            <a:tailEnd type="none" w="med" len="med"/>
           </a:ln>
         </p:spPr>
       </p:cxnSp>
@@ -9196,7 +9463,7 @@
           <p:nvPr/>
         </p:nvCxnSpPr>
         <p:spPr>
-          <a:xfrm flipH="1" rot="10800000">
+          <a:xfrm rot="10800000" flipH="1">
             <a:off x="5236800" y="1353913"/>
             <a:ext cx="1027800" cy="882300"/>
           </a:xfrm>
@@ -9204,14 +9471,14 @@
             <a:avLst/>
           </a:prstGeom>
           <a:noFill/>
-          <a:ln cap="flat" cmpd="sng" w="9525">
+          <a:ln w="9525" cap="flat" cmpd="sng">
             <a:solidFill>
               <a:schemeClr val="dk2"/>
             </a:solidFill>
             <a:prstDash val="solid"/>
             <a:round/>
-            <a:headEnd len="med" w="med" type="none"/>
-            <a:tailEnd len="med" w="med" type="none"/>
+            <a:headEnd type="none" w="med" len="med"/>
+            <a:tailEnd type="none" w="med" len="med"/>
           </a:ln>
         </p:spPr>
       </p:cxnSp>
@@ -9224,7 +9491,7 @@
           <p:nvPr/>
         </p:nvCxnSpPr>
         <p:spPr>
-          <a:xfrm flipH="1" rot="10800000">
+          <a:xfrm rot="10800000" flipH="1">
             <a:off x="5236800" y="2070613"/>
             <a:ext cx="1966200" cy="165600"/>
           </a:xfrm>
@@ -9232,14 +9499,14 @@
             <a:avLst/>
           </a:prstGeom>
           <a:noFill/>
-          <a:ln cap="flat" cmpd="sng" w="9525">
+          <a:ln w="9525" cap="flat" cmpd="sng">
             <a:solidFill>
               <a:schemeClr val="dk2"/>
             </a:solidFill>
             <a:prstDash val="solid"/>
             <a:round/>
-            <a:headEnd len="med" w="med" type="none"/>
-            <a:tailEnd len="med" w="med" type="none"/>
+            <a:headEnd type="none" w="med" len="med"/>
+            <a:tailEnd type="none" w="med" len="med"/>
           </a:ln>
         </p:spPr>
       </p:cxnSp>
@@ -9261,14 +9528,14 @@
             <a:avLst/>
           </a:prstGeom>
           <a:noFill/>
-          <a:ln cap="flat" cmpd="sng" w="9525">
+          <a:ln w="9525" cap="flat" cmpd="sng">
             <a:solidFill>
               <a:schemeClr val="dk2"/>
             </a:solidFill>
             <a:prstDash val="solid"/>
             <a:round/>
-            <a:headEnd len="med" w="med" type="none"/>
-            <a:tailEnd len="med" w="med" type="none"/>
+            <a:headEnd type="none" w="med" len="med"/>
+            <a:tailEnd type="none" w="med" len="med"/>
           </a:ln>
         </p:spPr>
       </p:cxnSp>
@@ -9289,23 +9556,23 @@
           <a:solidFill>
             <a:schemeClr val="lt2"/>
           </a:solidFill>
-          <a:ln cap="flat" cmpd="sng" w="9525">
+          <a:ln w="9525" cap="flat" cmpd="sng">
             <a:solidFill>
               <a:schemeClr val="dk2"/>
             </a:solidFill>
             <a:prstDash val="solid"/>
             <a:round/>
-            <a:headEnd len="sm" w="sm" type="none"/>
-            <a:tailEnd len="sm" w="sm" type="none"/>
+            <a:headEnd type="none" w="sm" len="sm"/>
+            <a:tailEnd type="none" w="sm" len="sm"/>
           </a:ln>
         </p:spPr>
         <p:txBody>
-          <a:bodyPr anchorCtr="0" anchor="ctr" bIns="91425" lIns="91425" spcFirstLastPara="1" rIns="91425" wrap="square" tIns="91425">
+          <a:bodyPr spcFirstLastPara="1" wrap="square" lIns="91425" tIns="91425" rIns="91425" bIns="91425" anchor="ctr" anchorCtr="0">
             <a:noAutofit/>
           </a:bodyPr>
           <a:lstStyle/>
           <a:p>
-            <a:pPr indent="0" lvl="0" marL="0" rtl="0" algn="l">
+            <a:pPr marL="0" lvl="0" indent="0" algn="l" rtl="0">
               <a:spcBef>
                 <a:spcPts val="0"/>
               </a:spcBef>
@@ -9316,11 +9583,7 @@
             </a:pPr>
             <a:r>
               <a:rPr lang="en" sz="500"/>
-              <a:t>Search, Filter, and</a:t>
-            </a:r>
-            <a:r>
-              <a:rPr lang="en" sz="500"/>
-              <a:t>List</a:t>
+              <a:t>Search, Filter, andList</a:t>
             </a:r>
             <a:endParaRPr sz="500"/>
           </a:p>
@@ -9333,7 +9596,7 @@
           <p:nvPr/>
         </p:nvCxnSpPr>
         <p:spPr>
-          <a:xfrm flipH="1" rot="10800000">
+          <a:xfrm rot="10800000" flipH="1">
             <a:off x="1126663" y="2235913"/>
             <a:ext cx="321900" cy="300"/>
           </a:xfrm>
@@ -9341,14 +9604,14 @@
             <a:avLst/>
           </a:prstGeom>
           <a:noFill/>
-          <a:ln cap="flat" cmpd="sng" w="9525">
+          <a:ln w="9525" cap="flat" cmpd="sng">
             <a:solidFill>
               <a:schemeClr val="dk2"/>
             </a:solidFill>
             <a:prstDash val="solid"/>
             <a:round/>
-            <a:headEnd len="med" w="med" type="none"/>
-            <a:tailEnd len="med" w="med" type="none"/>
+            <a:headEnd type="none" w="med" len="med"/>
+            <a:tailEnd type="none" w="med" len="med"/>
           </a:ln>
         </p:spPr>
       </p:cxnSp>
@@ -9369,14 +9632,14 @@
             <a:avLst/>
           </a:prstGeom>
           <a:noFill/>
-          <a:ln cap="flat" cmpd="sng" w="9525">
+          <a:ln w="9525" cap="flat" cmpd="sng">
             <a:solidFill>
               <a:schemeClr val="dk2"/>
             </a:solidFill>
             <a:prstDash val="solid"/>
             <a:round/>
-            <a:headEnd len="med" w="med" type="none"/>
-            <a:tailEnd len="med" w="med" type="none"/>
+            <a:headEnd type="none" w="med" len="med"/>
+            <a:tailEnd type="none" w="med" len="med"/>
           </a:ln>
         </p:spPr>
       </p:cxnSp>
@@ -9393,30 +9656,30 @@
           </a:xfrm>
           <a:prstGeom prst="leftRightArrow">
             <a:avLst>
-              <a:gd fmla="val 50000" name="adj1"/>
-              <a:gd fmla="val 50000" name="adj2"/>
+              <a:gd name="adj1" fmla="val 50000"/>
+              <a:gd name="adj2" fmla="val 50000"/>
             </a:avLst>
           </a:prstGeom>
           <a:solidFill>
             <a:schemeClr val="lt2"/>
           </a:solidFill>
-          <a:ln cap="flat" cmpd="sng" w="9525">
+          <a:ln w="9525" cap="flat" cmpd="sng">
             <a:solidFill>
               <a:schemeClr val="dk2"/>
             </a:solidFill>
             <a:prstDash val="solid"/>
             <a:round/>
-            <a:headEnd len="sm" w="sm" type="none"/>
-            <a:tailEnd len="sm" w="sm" type="none"/>
+            <a:headEnd type="none" w="sm" len="sm"/>
+            <a:tailEnd type="none" w="sm" len="sm"/>
           </a:ln>
         </p:spPr>
         <p:txBody>
-          <a:bodyPr anchorCtr="0" anchor="ctr" bIns="91425" lIns="91425" spcFirstLastPara="1" rIns="91425" wrap="square" tIns="91425">
+          <a:bodyPr spcFirstLastPara="1" wrap="square" lIns="91425" tIns="91425" rIns="91425" bIns="91425" anchor="ctr" anchorCtr="0">
             <a:noAutofit/>
           </a:bodyPr>
           <a:lstStyle/>
           <a:p>
-            <a:pPr indent="0" lvl="0" marL="0" rtl="0" algn="l">
+            <a:pPr marL="0" lvl="0" indent="0" algn="l" rtl="0">
               <a:spcBef>
                 <a:spcPts val="0"/>
               </a:spcBef>
@@ -9425,9 +9688,6 @@
               </a:spcAft>
               <a:buNone/>
             </a:pPr>
-            <a:r>
-              <a:t/>
-            </a:r>
             <a:endParaRPr/>
           </a:p>
         </p:txBody>
@@ -9449,14 +9709,14 @@
             <a:avLst/>
           </a:prstGeom>
           <a:noFill/>
-          <a:ln cap="flat" cmpd="sng" w="9525">
+          <a:ln w="9525" cap="flat" cmpd="sng">
             <a:solidFill>
               <a:schemeClr val="dk2"/>
             </a:solidFill>
             <a:prstDash val="solid"/>
             <a:round/>
-            <a:headEnd len="med" w="med" type="none"/>
-            <a:tailEnd len="med" w="med" type="none"/>
+            <a:headEnd type="none" w="med" len="med"/>
+            <a:tailEnd type="none" w="med" len="med"/>
           </a:ln>
         </p:spPr>
       </p:cxnSp>
@@ -9477,14 +9737,14 @@
             <a:avLst/>
           </a:prstGeom>
           <a:noFill/>
-          <a:ln cap="flat" cmpd="sng" w="9525">
+          <a:ln w="9525" cap="flat" cmpd="sng">
             <a:solidFill>
               <a:schemeClr val="dk2"/>
             </a:solidFill>
             <a:prstDash val="solid"/>
             <a:round/>
-            <a:headEnd len="med" w="med" type="none"/>
-            <a:tailEnd len="med" w="med" type="none"/>
+            <a:headEnd type="none" w="med" len="med"/>
+            <a:tailEnd type="none" w="med" len="med"/>
           </a:ln>
         </p:spPr>
       </p:cxnSp>
@@ -9505,14 +9765,14 @@
             <a:avLst/>
           </a:prstGeom>
           <a:noFill/>
-          <a:ln cap="flat" cmpd="sng" w="9525">
+          <a:ln w="9525" cap="flat" cmpd="sng">
             <a:solidFill>
               <a:schemeClr val="dk2"/>
             </a:solidFill>
             <a:prstDash val="solid"/>
             <a:round/>
-            <a:headEnd len="med" w="med" type="none"/>
-            <a:tailEnd len="med" w="med" type="none"/>
+            <a:headEnd type="none" w="med" len="med"/>
+            <a:tailEnd type="none" w="med" len="med"/>
           </a:ln>
         </p:spPr>
       </p:cxnSp>
@@ -9529,30 +9789,30 @@
           </a:xfrm>
           <a:prstGeom prst="leftArrow">
             <a:avLst>
-              <a:gd fmla="val 50000" name="adj1"/>
-              <a:gd fmla="val 50000" name="adj2"/>
+              <a:gd name="adj1" fmla="val 50000"/>
+              <a:gd name="adj2" fmla="val 50000"/>
             </a:avLst>
           </a:prstGeom>
           <a:solidFill>
             <a:schemeClr val="lt2"/>
           </a:solidFill>
-          <a:ln cap="flat" cmpd="sng" w="9525">
+          <a:ln w="9525" cap="flat" cmpd="sng">
             <a:solidFill>
               <a:schemeClr val="dk2"/>
             </a:solidFill>
             <a:prstDash val="solid"/>
             <a:round/>
-            <a:headEnd len="sm" w="sm" type="none"/>
-            <a:tailEnd len="sm" w="sm" type="none"/>
+            <a:headEnd type="none" w="sm" len="sm"/>
+            <a:tailEnd type="none" w="sm" len="sm"/>
           </a:ln>
         </p:spPr>
         <p:txBody>
-          <a:bodyPr anchorCtr="0" anchor="ctr" bIns="91425" lIns="91425" spcFirstLastPara="1" rIns="91425" wrap="square" tIns="91425">
+          <a:bodyPr spcFirstLastPara="1" wrap="square" lIns="91425" tIns="91425" rIns="91425" bIns="91425" anchor="ctr" anchorCtr="0">
             <a:noAutofit/>
           </a:bodyPr>
           <a:lstStyle/>
           <a:p>
-            <a:pPr indent="0" lvl="0" marL="0" rtl="0" algn="l">
+            <a:pPr marL="0" lvl="0" indent="0" algn="l" rtl="0">
               <a:spcBef>
                 <a:spcPts val="0"/>
               </a:spcBef>
@@ -9561,9 +9821,6 @@
               </a:spcAft>
               <a:buNone/>
             </a:pPr>
-            <a:r>
-              <a:t/>
-            </a:r>
             <a:endParaRPr/>
           </a:p>
         </p:txBody>
@@ -9576,7 +9833,7 @@
         </p:nvGraphicFramePr>
         <p:xfrm>
           <a:off x="5598525" y="2855125"/>
-          <a:ext cx="3000000" cy="3000000"/>
+          <a:ext cx="763225" cy="948815"/>
         </p:xfrm>
         <a:graphic>
           <a:graphicData uri="http://schemas.openxmlformats.org/drawingml/2006/table">
@@ -9586,7 +9843,13 @@
                 <a:tableStyleId>{2665D0F1-BE63-4A82-B196-FC7E924B4079}</a:tableStyleId>
               </a:tblPr>
               <a:tblGrid>
-                <a:gridCol w="763225"/>
+                <a:gridCol w="763225">
+                  <a:extLst>
+                    <a:ext uri="{9D8B030D-6E8A-4147-A177-3AD203B41FA5}">
+                      <a16:colId xmlns:a16="http://schemas.microsoft.com/office/drawing/2014/main" val="20000"/>
+                    </a:ext>
+                  </a:extLst>
+                </a:gridCol>
               </a:tblGrid>
               <a:tr h="332800">
                 <a:tc>
@@ -9594,7 +9857,7 @@
                     <a:bodyPr/>
                     <a:lstStyle/>
                     <a:p>
-                      <a:pPr indent="0" lvl="0" marL="0" rtl="0" algn="l">
+                      <a:pPr marL="0" lvl="0" indent="0" algn="l" rtl="0">
                         <a:spcBef>
                           <a:spcPts val="0"/>
                         </a:spcBef>
@@ -9610,8 +9873,13 @@
                       <a:endParaRPr sz="600"/>
                     </a:p>
                   </a:txBody>
-                  <a:tcPr marT="91425" marB="91425" marR="91425" marL="91425"/>
+                  <a:tcPr marL="91425" marR="91425" marT="91425" marB="91425"/>
                 </a:tc>
+                <a:extLst>
+                  <a:ext uri="{0D108BD9-81ED-4DB2-BD59-A6C34878D82A}">
+                    <a16:rowId xmlns:a16="http://schemas.microsoft.com/office/drawing/2014/main" val="10000"/>
+                  </a:ext>
+                </a:extLst>
               </a:tr>
               <a:tr h="249600">
                 <a:tc>
@@ -9619,7 +9887,7 @@
                     <a:bodyPr/>
                     <a:lstStyle/>
                     <a:p>
-                      <a:pPr indent="0" lvl="0" marL="0" rtl="0" algn="l">
+                      <a:pPr marL="0" lvl="0" indent="0" algn="l" rtl="0">
                         <a:spcBef>
                           <a:spcPts val="0"/>
                         </a:spcBef>
@@ -9643,8 +9911,13 @@
                       </a:endParaRPr>
                     </a:p>
                   </a:txBody>
-                  <a:tcPr marT="91425" marB="91425" marR="91425" marL="91425"/>
+                  <a:tcPr marL="91425" marR="91425" marT="91425" marB="91425"/>
                 </a:tc>
+                <a:extLst>
+                  <a:ext uri="{0D108BD9-81ED-4DB2-BD59-A6C34878D82A}">
+                    <a16:rowId xmlns:a16="http://schemas.microsoft.com/office/drawing/2014/main" val="10001"/>
+                  </a:ext>
+                </a:extLst>
               </a:tr>
               <a:tr h="341725">
                 <a:tc>
@@ -9652,7 +9925,7 @@
                     <a:bodyPr/>
                     <a:lstStyle/>
                     <a:p>
-                      <a:pPr indent="0" lvl="0" marL="0" rtl="0" algn="l">
+                      <a:pPr marL="0" lvl="0" indent="0" algn="l" rtl="0">
                         <a:spcBef>
                           <a:spcPts val="0"/>
                         </a:spcBef>
@@ -9676,8 +9949,13 @@
                       </a:endParaRPr>
                     </a:p>
                   </a:txBody>
-                  <a:tcPr marT="91425" marB="91425" marR="91425" marL="91425"/>
+                  <a:tcPr marL="91425" marR="91425" marT="91425" marB="91425"/>
                 </a:tc>
+                <a:extLst>
+                  <a:ext uri="{0D108BD9-81ED-4DB2-BD59-A6C34878D82A}">
+                    <a16:rowId xmlns:a16="http://schemas.microsoft.com/office/drawing/2014/main" val="10002"/>
+                  </a:ext>
+                </a:extLst>
               </a:tr>
             </a:tbl>
           </a:graphicData>
@@ -9691,7 +9969,7 @@
         </p:nvGraphicFramePr>
         <p:xfrm>
           <a:off x="4339788" y="2953225"/>
-          <a:ext cx="3000000" cy="3000000"/>
+          <a:ext cx="763225" cy="914325"/>
         </p:xfrm>
         <a:graphic>
           <a:graphicData uri="http://schemas.openxmlformats.org/drawingml/2006/table">
@@ -9701,7 +9979,13 @@
                 <a:tableStyleId>{2665D0F1-BE63-4A82-B196-FC7E924B4079}</a:tableStyleId>
               </a:tblPr>
               <a:tblGrid>
-                <a:gridCol w="763225"/>
+                <a:gridCol w="763225">
+                  <a:extLst>
+                    <a:ext uri="{9D8B030D-6E8A-4147-A177-3AD203B41FA5}">
+                      <a16:colId xmlns:a16="http://schemas.microsoft.com/office/drawing/2014/main" val="20000"/>
+                    </a:ext>
+                  </a:extLst>
+                </a:gridCol>
               </a:tblGrid>
               <a:tr h="365725">
                 <a:tc>
@@ -9709,7 +9993,7 @@
                     <a:bodyPr/>
                     <a:lstStyle/>
                     <a:p>
-                      <a:pPr indent="0" lvl="0" marL="0" rtl="0" algn="l">
+                      <a:pPr marL="0" lvl="0" indent="0" algn="l" rtl="0">
                         <a:spcBef>
                           <a:spcPts val="0"/>
                         </a:spcBef>
@@ -9725,8 +10009,13 @@
                       <a:endParaRPr sz="600"/>
                     </a:p>
                   </a:txBody>
-                  <a:tcPr marT="91425" marB="91425" marR="91425" marL="91425"/>
+                  <a:tcPr marL="91425" marR="91425" marT="91425" marB="91425"/>
                 </a:tc>
+                <a:extLst>
+                  <a:ext uri="{0D108BD9-81ED-4DB2-BD59-A6C34878D82A}">
+                    <a16:rowId xmlns:a16="http://schemas.microsoft.com/office/drawing/2014/main" val="10000"/>
+                  </a:ext>
+                </a:extLst>
               </a:tr>
               <a:tr h="274300">
                 <a:tc>
@@ -9734,7 +10023,7 @@
                     <a:bodyPr/>
                     <a:lstStyle/>
                     <a:p>
-                      <a:pPr indent="0" lvl="0" marL="0" rtl="0" algn="l">
+                      <a:pPr marL="0" lvl="0" indent="0" algn="l" rtl="0">
                         <a:spcBef>
                           <a:spcPts val="0"/>
                         </a:spcBef>
@@ -9758,8 +10047,13 @@
                       </a:endParaRPr>
                     </a:p>
                   </a:txBody>
-                  <a:tcPr marT="91425" marB="91425" marR="91425" marL="91425"/>
+                  <a:tcPr marL="91425" marR="91425" marT="91425" marB="91425"/>
                 </a:tc>
+                <a:extLst>
+                  <a:ext uri="{0D108BD9-81ED-4DB2-BD59-A6C34878D82A}">
+                    <a16:rowId xmlns:a16="http://schemas.microsoft.com/office/drawing/2014/main" val="10001"/>
+                  </a:ext>
+                </a:extLst>
               </a:tr>
               <a:tr h="274300">
                 <a:tc>
@@ -9767,7 +10061,7 @@
                     <a:bodyPr/>
                     <a:lstStyle/>
                     <a:p>
-                      <a:pPr indent="0" lvl="0" marL="0" rtl="0" algn="l">
+                      <a:pPr marL="0" lvl="0" indent="0" algn="l" rtl="0">
                         <a:spcBef>
                           <a:spcPts val="0"/>
                         </a:spcBef>
@@ -9791,8 +10085,13 @@
                       </a:endParaRPr>
                     </a:p>
                   </a:txBody>
-                  <a:tcPr marT="91425" marB="91425" marR="91425" marL="91425"/>
+                  <a:tcPr marL="91425" marR="91425" marT="91425" marB="91425"/>
                 </a:tc>
+                <a:extLst>
+                  <a:ext uri="{0D108BD9-81ED-4DB2-BD59-A6C34878D82A}">
+                    <a16:rowId xmlns:a16="http://schemas.microsoft.com/office/drawing/2014/main" val="10002"/>
+                  </a:ext>
+                </a:extLst>
               </a:tr>
             </a:tbl>
           </a:graphicData>
@@ -9811,30 +10110,30 @@
           </a:xfrm>
           <a:prstGeom prst="leftArrow">
             <a:avLst>
-              <a:gd fmla="val 50000" name="adj1"/>
-              <a:gd fmla="val 50000" name="adj2"/>
+              <a:gd name="adj1" fmla="val 50000"/>
+              <a:gd name="adj2" fmla="val 50000"/>
             </a:avLst>
           </a:prstGeom>
           <a:solidFill>
             <a:schemeClr val="lt2"/>
           </a:solidFill>
-          <a:ln cap="flat" cmpd="sng" w="9525">
+          <a:ln w="9525" cap="flat" cmpd="sng">
             <a:solidFill>
               <a:schemeClr val="dk2"/>
             </a:solidFill>
             <a:prstDash val="solid"/>
             <a:round/>
-            <a:headEnd len="sm" w="sm" type="none"/>
-            <a:tailEnd len="sm" w="sm" type="none"/>
+            <a:headEnd type="none" w="sm" len="sm"/>
+            <a:tailEnd type="none" w="sm" len="sm"/>
           </a:ln>
         </p:spPr>
         <p:txBody>
-          <a:bodyPr anchorCtr="0" anchor="ctr" bIns="91425" lIns="91425" spcFirstLastPara="1" rIns="91425" wrap="square" tIns="91425">
+          <a:bodyPr spcFirstLastPara="1" wrap="square" lIns="91425" tIns="91425" rIns="91425" bIns="91425" anchor="ctr" anchorCtr="0">
             <a:noAutofit/>
           </a:bodyPr>
           <a:lstStyle/>
           <a:p>
-            <a:pPr indent="0" lvl="0" marL="0" rtl="0" algn="l">
+            <a:pPr marL="0" lvl="0" indent="0" algn="l" rtl="0">
               <a:spcBef>
                 <a:spcPts val="0"/>
               </a:spcBef>
@@ -9843,61 +10142,6 @@
               </a:spcAft>
               <a:buNone/>
             </a:pPr>
-            <a:r>
-              <a:t/>
-            </a:r>
-            <a:endParaRPr/>
-          </a:p>
-        </p:txBody>
-      </p:sp>
-      <p:sp>
-        <p:nvSpPr>
-          <p:cNvPr id="119" name="Google Shape;119;p16"/>
-          <p:cNvSpPr/>
-          <p:nvPr/>
-        </p:nvSpPr>
-        <p:spPr>
-          <a:xfrm rot="-420990">
-            <a:off x="6279905" y="2070606"/>
-            <a:ext cx="569767" cy="165661"/>
-          </a:xfrm>
-          <a:prstGeom prst="leftRightArrow">
-            <a:avLst>
-              <a:gd fmla="val 50000" name="adj1"/>
-              <a:gd fmla="val 50000" name="adj2"/>
-            </a:avLst>
-          </a:prstGeom>
-          <a:solidFill>
-            <a:schemeClr val="lt2"/>
-          </a:solidFill>
-          <a:ln cap="flat" cmpd="sng" w="9525">
-            <a:solidFill>
-              <a:schemeClr val="dk2"/>
-            </a:solidFill>
-            <a:prstDash val="solid"/>
-            <a:round/>
-            <a:headEnd len="sm" w="sm" type="none"/>
-            <a:tailEnd len="sm" w="sm" type="none"/>
-          </a:ln>
-        </p:spPr>
-        <p:txBody>
-          <a:bodyPr anchorCtr="0" anchor="ctr" bIns="91425" lIns="91425" spcFirstLastPara="1" rIns="91425" wrap="square" tIns="91425">
-            <a:noAutofit/>
-          </a:bodyPr>
-          <a:lstStyle/>
-          <a:p>
-            <a:pPr indent="0" lvl="0" marL="0" rtl="0" algn="l">
-              <a:spcBef>
-                <a:spcPts val="0"/>
-              </a:spcBef>
-              <a:spcAft>
-                <a:spcPts val="0"/>
-              </a:spcAft>
-              <a:buNone/>
-            </a:pPr>
-            <a:r>
-              <a:t/>
-            </a:r>
             <a:endParaRPr/>
           </a:p>
         </p:txBody>
@@ -9917,14 +10161,14 @@
             <a:avLst/>
           </a:prstGeom>
           <a:noFill/>
-          <a:ln cap="flat" cmpd="sng" w="9525">
+          <a:ln w="9525" cap="flat" cmpd="sng">
             <a:solidFill>
               <a:schemeClr val="dk2"/>
             </a:solidFill>
             <a:prstDash val="solid"/>
             <a:round/>
-            <a:headEnd len="med" w="med" type="none"/>
-            <a:tailEnd len="med" w="med" type="none"/>
+            <a:headEnd type="none" w="med" len="med"/>
+            <a:tailEnd type="none" w="med" len="med"/>
           </a:ln>
         </p:spPr>
       </p:cxnSp>
@@ -9943,14 +10187,14 @@
             <a:avLst/>
           </a:prstGeom>
           <a:noFill/>
-          <a:ln cap="flat" cmpd="sng" w="9525">
+          <a:ln w="9525" cap="flat" cmpd="sng">
             <a:solidFill>
               <a:schemeClr val="dk2"/>
             </a:solidFill>
             <a:prstDash val="solid"/>
             <a:round/>
-            <a:headEnd len="med" w="med" type="none"/>
-            <a:tailEnd len="med" w="med" type="none"/>
+            <a:headEnd type="none" w="med" len="med"/>
+            <a:tailEnd type="none" w="med" len="med"/>
           </a:ln>
         </p:spPr>
       </p:cxnSp>
@@ -9967,30 +10211,30 @@
           </a:xfrm>
           <a:prstGeom prst="leftArrow">
             <a:avLst>
-              <a:gd fmla="val 50000" name="adj1"/>
-              <a:gd fmla="val 50000" name="adj2"/>
+              <a:gd name="adj1" fmla="val 50000"/>
+              <a:gd name="adj2" fmla="val 50000"/>
             </a:avLst>
           </a:prstGeom>
           <a:solidFill>
             <a:schemeClr val="lt2"/>
           </a:solidFill>
-          <a:ln cap="flat" cmpd="sng" w="9525">
+          <a:ln w="9525" cap="flat" cmpd="sng">
             <a:solidFill>
               <a:schemeClr val="dk2"/>
             </a:solidFill>
             <a:prstDash val="solid"/>
             <a:round/>
-            <a:headEnd len="sm" w="sm" type="none"/>
-            <a:tailEnd len="sm" w="sm" type="none"/>
+            <a:headEnd type="none" w="sm" len="sm"/>
+            <a:tailEnd type="none" w="sm" len="sm"/>
           </a:ln>
         </p:spPr>
         <p:txBody>
-          <a:bodyPr anchorCtr="0" anchor="ctr" bIns="91425" lIns="91425" spcFirstLastPara="1" rIns="91425" wrap="square" tIns="91425">
+          <a:bodyPr spcFirstLastPara="1" wrap="square" lIns="91425" tIns="91425" rIns="91425" bIns="91425" anchor="ctr" anchorCtr="0">
             <a:noAutofit/>
           </a:bodyPr>
           <a:lstStyle/>
           <a:p>
-            <a:pPr indent="0" lvl="0" marL="0" rtl="0" algn="l">
+            <a:pPr marL="0" lvl="0" indent="0" algn="l" rtl="0">
               <a:spcBef>
                 <a:spcPts val="0"/>
               </a:spcBef>
@@ -9999,9 +10243,6 @@
               </a:spcAft>
               <a:buNone/>
             </a:pPr>
-            <a:r>
-              <a:t/>
-            </a:r>
             <a:endParaRPr/>
           </a:p>
         </p:txBody>
@@ -10019,30 +10260,30 @@
           </a:xfrm>
           <a:prstGeom prst="leftArrow">
             <a:avLst>
-              <a:gd fmla="val 50000" name="adj1"/>
-              <a:gd fmla="val 50000" name="adj2"/>
+              <a:gd name="adj1" fmla="val 50000"/>
+              <a:gd name="adj2" fmla="val 50000"/>
             </a:avLst>
           </a:prstGeom>
           <a:solidFill>
             <a:schemeClr val="lt2"/>
           </a:solidFill>
-          <a:ln cap="flat" cmpd="sng" w="9525">
+          <a:ln w="9525" cap="flat" cmpd="sng">
             <a:solidFill>
               <a:schemeClr val="dk2"/>
             </a:solidFill>
             <a:prstDash val="solid"/>
             <a:round/>
-            <a:headEnd len="sm" w="sm" type="none"/>
-            <a:tailEnd len="sm" w="sm" type="none"/>
+            <a:headEnd type="none" w="sm" len="sm"/>
+            <a:tailEnd type="none" w="sm" len="sm"/>
           </a:ln>
         </p:spPr>
         <p:txBody>
-          <a:bodyPr anchorCtr="0" anchor="ctr" bIns="91425" lIns="91425" spcFirstLastPara="1" rIns="91425" wrap="square" tIns="91425">
+          <a:bodyPr spcFirstLastPara="1" wrap="square" lIns="91425" tIns="91425" rIns="91425" bIns="91425" anchor="ctr" anchorCtr="0">
             <a:noAutofit/>
           </a:bodyPr>
           <a:lstStyle/>
           <a:p>
-            <a:pPr indent="0" lvl="0" marL="0" rtl="0" algn="l">
+            <a:pPr marL="0" lvl="0" indent="0" algn="l" rtl="0">
               <a:spcBef>
                 <a:spcPts val="0"/>
               </a:spcBef>
@@ -10051,9 +10292,6 @@
               </a:spcAft>
               <a:buNone/>
             </a:pPr>
-            <a:r>
-              <a:t/>
-            </a:r>
             <a:endParaRPr/>
           </a:p>
         </p:txBody>
@@ -10071,30 +10309,30 @@
           </a:xfrm>
           <a:prstGeom prst="leftArrow">
             <a:avLst>
-              <a:gd fmla="val 50000" name="adj1"/>
-              <a:gd fmla="val 50000" name="adj2"/>
+              <a:gd name="adj1" fmla="val 50000"/>
+              <a:gd name="adj2" fmla="val 50000"/>
             </a:avLst>
           </a:prstGeom>
           <a:solidFill>
             <a:schemeClr val="lt2"/>
           </a:solidFill>
-          <a:ln cap="flat" cmpd="sng" w="9525">
+          <a:ln w="9525" cap="flat" cmpd="sng">
             <a:solidFill>
               <a:schemeClr val="dk2"/>
             </a:solidFill>
             <a:prstDash val="solid"/>
             <a:round/>
-            <a:headEnd len="sm" w="sm" type="none"/>
-            <a:tailEnd len="sm" w="sm" type="none"/>
+            <a:headEnd type="none" w="sm" len="sm"/>
+            <a:tailEnd type="none" w="sm" len="sm"/>
           </a:ln>
         </p:spPr>
         <p:txBody>
-          <a:bodyPr anchorCtr="0" anchor="ctr" bIns="91425" lIns="91425" spcFirstLastPara="1" rIns="91425" wrap="square" tIns="91425">
+          <a:bodyPr spcFirstLastPara="1" wrap="square" lIns="91425" tIns="91425" rIns="91425" bIns="91425" anchor="ctr" anchorCtr="0">
             <a:noAutofit/>
           </a:bodyPr>
           <a:lstStyle/>
           <a:p>
-            <a:pPr indent="0" lvl="0" marL="0" rtl="0" algn="l">
+            <a:pPr marL="0" lvl="0" indent="0" algn="l" rtl="0">
               <a:spcBef>
                 <a:spcPts val="0"/>
               </a:spcBef>
@@ -10103,9 +10341,6 @@
               </a:spcAft>
               <a:buNone/>
             </a:pPr>
-            <a:r>
-              <a:t/>
-            </a:r>
             <a:endParaRPr/>
           </a:p>
         </p:txBody>
@@ -10123,30 +10358,30 @@
           </a:xfrm>
           <a:prstGeom prst="leftArrow">
             <a:avLst>
-              <a:gd fmla="val 50000" name="adj1"/>
-              <a:gd fmla="val 50000" name="adj2"/>
+              <a:gd name="adj1" fmla="val 50000"/>
+              <a:gd name="adj2" fmla="val 50000"/>
             </a:avLst>
           </a:prstGeom>
           <a:solidFill>
             <a:schemeClr val="lt2"/>
           </a:solidFill>
-          <a:ln cap="flat" cmpd="sng" w="9525">
+          <a:ln w="9525" cap="flat" cmpd="sng">
             <a:solidFill>
               <a:schemeClr val="dk2"/>
             </a:solidFill>
             <a:prstDash val="solid"/>
             <a:round/>
-            <a:headEnd len="sm" w="sm" type="none"/>
-            <a:tailEnd len="sm" w="sm" type="none"/>
+            <a:headEnd type="none" w="sm" len="sm"/>
+            <a:tailEnd type="none" w="sm" len="sm"/>
           </a:ln>
         </p:spPr>
         <p:txBody>
-          <a:bodyPr anchorCtr="0" anchor="ctr" bIns="91425" lIns="91425" spcFirstLastPara="1" rIns="91425" wrap="square" tIns="91425">
+          <a:bodyPr spcFirstLastPara="1" wrap="square" lIns="91425" tIns="91425" rIns="91425" bIns="91425" anchor="ctr" anchorCtr="0">
             <a:noAutofit/>
           </a:bodyPr>
           <a:lstStyle/>
           <a:p>
-            <a:pPr indent="0" lvl="0" marL="0" rtl="0" algn="l">
+            <a:pPr marL="0" lvl="0" indent="0" algn="l" rtl="0">
               <a:spcBef>
                 <a:spcPts val="0"/>
               </a:spcBef>
@@ -10155,9 +10390,61 @@
               </a:spcAft>
               <a:buNone/>
             </a:pPr>
-            <a:r>
-              <a:t/>
-            </a:r>
+            <a:endParaRPr/>
+          </a:p>
+        </p:txBody>
+      </p:sp>
+      <p:sp>
+        <p:nvSpPr>
+          <p:cNvPr id="2" name="Google Shape;115;p16">
+            <a:extLst>
+              <a:ext uri="{FF2B5EF4-FFF2-40B4-BE49-F238E27FC236}">
+                <a16:creationId xmlns:a16="http://schemas.microsoft.com/office/drawing/2014/main" id="{6767EEA1-E598-943B-69E1-BDB40A2EC528}"/>
+              </a:ext>
+            </a:extLst>
+          </p:cNvPr>
+          <p:cNvSpPr/>
+          <p:nvPr/>
+        </p:nvSpPr>
+        <p:spPr>
+          <a:xfrm rot="21242817">
+            <a:off x="6147451" y="2003265"/>
+            <a:ext cx="566536" cy="218068"/>
+          </a:xfrm>
+          <a:prstGeom prst="leftArrow">
+            <a:avLst>
+              <a:gd name="adj1" fmla="val 50000"/>
+              <a:gd name="adj2" fmla="val 50000"/>
+            </a:avLst>
+          </a:prstGeom>
+          <a:solidFill>
+            <a:schemeClr val="lt2"/>
+          </a:solidFill>
+          <a:ln w="9525" cap="flat" cmpd="sng">
+            <a:solidFill>
+              <a:schemeClr val="dk2"/>
+            </a:solidFill>
+            <a:prstDash val="solid"/>
+            <a:round/>
+            <a:headEnd type="none" w="sm" len="sm"/>
+            <a:tailEnd type="none" w="sm" len="sm"/>
+          </a:ln>
+        </p:spPr>
+        <p:txBody>
+          <a:bodyPr spcFirstLastPara="1" wrap="square" lIns="91425" tIns="91425" rIns="91425" bIns="91425" anchor="ctr" anchorCtr="0">
+            <a:noAutofit/>
+          </a:bodyPr>
+          <a:lstStyle/>
+          <a:p>
+            <a:pPr marL="0" lvl="0" indent="0" algn="l" rtl="0">
+              <a:spcBef>
+                <a:spcPts val="0"/>
+              </a:spcBef>
+              <a:spcAft>
+                <a:spcPts val="0"/>
+              </a:spcAft>
+              <a:buNone/>
+            </a:pPr>
             <a:endParaRPr/>
           </a:p>
         </p:txBody>
@@ -10171,11 +10458,11 @@
 </file>
 
 <file path=ppt/slides/slide5.xml><?xml version="1.0" encoding="utf-8"?>
-<p:sld xmlns:a="http://schemas.openxmlformats.org/drawingml/2006/main" xmlns:r="http://schemas.openxmlformats.org/officeDocument/2006/relationships" xmlns:mc="http://schemas.openxmlformats.org/markup-compatibility/2006" xmlns:mv="urn:schemas-microsoft-com:mac:vml" xmlns:p="http://schemas.openxmlformats.org/presentationml/2006/main" xmlns:c="http://schemas.openxmlformats.org/drawingml/2006/chart" xmlns:dgm="http://schemas.openxmlformats.org/drawingml/2006/diagram" xmlns:o="urn:schemas-microsoft-com:office:office" xmlns:v="urn:schemas-microsoft-com:vml" xmlns:pvml="urn:schemas-microsoft-com:office:powerpoint" xmlns:com="http://schemas.openxmlformats.org/drawingml/2006/compatibility" xmlns:p14="http://schemas.microsoft.com/office/powerpoint/2010/main" xmlns:p15="http://schemas.microsoft.com/office/powerpoint/2012/main" xmlns:ahyp="http://schemas.microsoft.com/office/drawing/2018/hyperlinkcolor">
+<p:sld xmlns:a="http://schemas.openxmlformats.org/drawingml/2006/main" xmlns:r="http://schemas.openxmlformats.org/officeDocument/2006/relationships" xmlns:p="http://schemas.openxmlformats.org/presentationml/2006/main">
   <p:cSld>
     <p:spTree>
       <p:nvGrpSpPr>
-        <p:cNvPr id="129" name="Shape 129"/>
+        <p:cNvPr id="1" name="Shape 129"/>
         <p:cNvGrpSpPr/>
         <p:nvPr/>
       </p:nvGrpSpPr>
@@ -10190,7 +10477,9 @@
       <p:sp>
         <p:nvSpPr>
           <p:cNvPr id="130" name="Google Shape;130;p17"/>
-          <p:cNvSpPr txBox="1"/>
+          <p:cNvSpPr txBox="1">
+            <a:spLocks noGrp="1"/>
+          </p:cNvSpPr>
           <p:nvPr>
             <p:ph type="title"/>
           </p:nvPr>
@@ -10205,12 +10494,12 @@
           </a:prstGeom>
         </p:spPr>
         <p:txBody>
-          <a:bodyPr anchorCtr="0" anchor="t" bIns="91425" lIns="91425" spcFirstLastPara="1" rIns="91425" wrap="square" tIns="91425">
+          <a:bodyPr spcFirstLastPara="1" wrap="square" lIns="91425" tIns="91425" rIns="91425" bIns="91425" anchor="t" anchorCtr="0">
             <a:normAutofit fontScale="90000"/>
           </a:bodyPr>
           <a:lstStyle/>
           <a:p>
-            <a:pPr indent="0" lvl="0" marL="0" rtl="0" algn="l">
+            <a:pPr marL="0" lvl="0" indent="0" algn="l" rtl="0">
               <a:spcBef>
                 <a:spcPts val="0"/>
               </a:spcBef>
@@ -10230,9 +10519,11 @@
       <p:sp>
         <p:nvSpPr>
           <p:cNvPr id="131" name="Google Shape;131;p17"/>
-          <p:cNvSpPr txBox="1"/>
+          <p:cNvSpPr txBox="1">
+            <a:spLocks noGrp="1"/>
+          </p:cNvSpPr>
           <p:nvPr>
-            <p:ph idx="1" type="body"/>
+            <p:ph type="body" idx="1"/>
           </p:nvPr>
         </p:nvSpPr>
         <p:spPr>
@@ -10245,12 +10536,12 @@
           </a:prstGeom>
         </p:spPr>
         <p:txBody>
-          <a:bodyPr anchorCtr="0" anchor="t" bIns="91425" lIns="91425" spcFirstLastPara="1" rIns="91425" wrap="square" tIns="91425">
+          <a:bodyPr spcFirstLastPara="1" wrap="square" lIns="91425" tIns="91425" rIns="91425" bIns="91425" anchor="t" anchorCtr="0">
             <a:normAutofit fontScale="85000" lnSpcReduction="20000"/>
           </a:bodyPr>
           <a:lstStyle/>
           <a:p>
-            <a:pPr indent="-325755" lvl="0" marL="457200" rtl="0" algn="l">
+            <a:pPr marL="457200" lvl="0" indent="-325755" algn="l" rtl="0">
               <a:spcBef>
                 <a:spcPts val="0"/>
               </a:spcBef>
@@ -10261,21 +10552,21 @@
               <a:buChar char="●"/>
             </a:pPr>
             <a:r>
-              <a:rPr lang="en"/>
+              <a:rPr lang="en" dirty="0"/>
               <a:t>Date: </a:t>
             </a:r>
             <a:r>
-              <a:rPr lang="en" u="sng"/>
+              <a:rPr lang="en" u="sng" dirty="0"/>
               <a:t>da_id</a:t>
             </a:r>
             <a:r>
-              <a:rPr lang="en"/>
+              <a:rPr lang="en" dirty="0"/>
               <a:t>, da_releaseyear</a:t>
             </a:r>
-            <a:endParaRPr/>
+            <a:endParaRPr dirty="0"/>
           </a:p>
           <a:p>
-            <a:pPr indent="-325755" lvl="0" marL="457200" rtl="0" algn="l">
+            <a:pPr marL="457200" lvl="0" indent="-325755" algn="l" rtl="0">
               <a:spcBef>
                 <a:spcPts val="0"/>
               </a:spcBef>
@@ -10286,21 +10577,21 @@
               <a:buChar char="●"/>
             </a:pPr>
             <a:r>
-              <a:rPr lang="en"/>
+              <a:rPr lang="en" dirty="0"/>
               <a:t>Duration: </a:t>
             </a:r>
             <a:r>
-              <a:rPr lang="en" u="sng"/>
+              <a:rPr lang="en" u="sng" dirty="0"/>
               <a:t>du_id</a:t>
             </a:r>
             <a:r>
-              <a:rPr lang="en"/>
+              <a:rPr lang="en" dirty="0"/>
               <a:t>, du_runtime </a:t>
             </a:r>
-            <a:endParaRPr/>
+            <a:endParaRPr dirty="0"/>
           </a:p>
           <a:p>
-            <a:pPr indent="-325755" lvl="0" marL="457200" rtl="0" algn="l">
+            <a:pPr marL="457200" lvl="0" indent="-325755" algn="l" rtl="0">
               <a:spcBef>
                 <a:spcPts val="0"/>
               </a:spcBef>
@@ -10311,39 +10602,31 @@
               <a:buChar char="●"/>
             </a:pPr>
             <a:r>
-              <a:rPr lang="en"/>
+              <a:rPr lang="en" dirty="0"/>
               <a:t>Movies: </a:t>
             </a:r>
             <a:r>
-              <a:rPr lang="en" u="sng"/>
+              <a:rPr lang="en" u="sng" dirty="0"/>
               <a:t>m_mid</a:t>
             </a:r>
             <a:r>
-              <a:rPr lang="en"/>
+              <a:rPr lang="en" dirty="0"/>
+              <a:t>, m_title, </a:t>
+            </a:r>
+            <a:r>
+              <a:rPr lang="en" dirty="0">
+                <a:solidFill>
+                  <a:srgbClr val="FF0000"/>
+                </a:solidFill>
+              </a:rPr>
+              <a:t>ra_adid</a:t>
+            </a:r>
+            <a:r>
+              <a:rPr lang="en" dirty="0"/>
               <a:t>, </a:t>
             </a:r>
             <a:r>
-              <a:rPr lang="en"/>
-              <a:t>m_title,</a:t>
-            </a:r>
-            <a:r>
-              <a:rPr lang="en"/>
-              <a:t> </a:t>
-            </a:r>
-            <a:r>
-              <a:rPr lang="en">
-                <a:solidFill>
-                  <a:srgbClr val="FF0000"/>
-                </a:solidFill>
-              </a:rPr>
-              <a:t>ra_id</a:t>
-            </a:r>
-            <a:r>
-              <a:rPr lang="en"/>
-              <a:t>, </a:t>
-            </a:r>
-            <a:r>
-              <a:rPr lang="en">
+              <a:rPr lang="en" dirty="0">
                 <a:solidFill>
                   <a:srgbClr val="FF0000"/>
                 </a:solidFill>
@@ -10351,25 +10634,51 @@
               <a:t>da_id</a:t>
             </a:r>
             <a:r>
-              <a:rPr lang="en"/>
+              <a:rPr lang="en" dirty="0"/>
               <a:t>, </a:t>
             </a:r>
             <a:r>
-              <a:rPr lang="en">
+              <a:rPr lang="en" dirty="0">
                 <a:solidFill>
                   <a:srgbClr val="FF0000"/>
                 </a:solidFill>
               </a:rPr>
               <a:t>du_id</a:t>
             </a:r>
+            <a:endParaRPr lang="en" dirty="0"/>
+          </a:p>
+          <a:p>
+            <a:pPr indent="-325755">
+              <a:buSzPct val="100000"/>
+            </a:pPr>
             <a:r>
-              <a:rPr lang="en"/>
+              <a:rPr lang="en-US" dirty="0"/>
+              <a:t>User: </a:t>
+            </a:r>
+            <a:r>
+              <a:rPr lang="en-US" u="sng" dirty="0"/>
+              <a:t>u_id</a:t>
+            </a:r>
+            <a:r>
+              <a:rPr lang="en-US" dirty="0"/>
               <a:t>, </a:t>
             </a:r>
-            <a:endParaRPr/>
+            <a:r>
+              <a:rPr lang="en-US" dirty="0">
+                <a:solidFill>
+                  <a:srgbClr val="FF0000"/>
+                </a:solidFill>
+              </a:rPr>
+              <a:t>m_mid</a:t>
+            </a:r>
+            <a:r>
+              <a:rPr lang="en-US" dirty="0"/>
+              <a:t>, u_watching, u_watched, u_towatch</a:t>
+            </a:r>
+            <a:endParaRPr dirty="0"/>
           </a:p>
           <a:p>
-            <a:pPr indent="-325755" lvl="0" marL="457200" rtl="0" algn="l">
+            <a:pPr marL="457200" lvl="0" indent="-325755" algn="l" rtl="0">
               <a:spcBef>
                 <a:spcPts val="0"/>
               </a:spcBef>
@@ -10380,21 +10689,21 @@
               <a:buChar char="●"/>
             </a:pPr>
             <a:r>
-              <a:rPr lang="en"/>
+              <a:rPr lang="en" dirty="0"/>
               <a:t>Genre: </a:t>
             </a:r>
             <a:r>
-              <a:rPr lang="en" u="sng"/>
+              <a:rPr lang="en" u="sng" dirty="0"/>
               <a:t>g_gid</a:t>
             </a:r>
             <a:r>
-              <a:rPr lang="en"/>
+              <a:rPr lang="en" dirty="0"/>
               <a:t>, g_gname</a:t>
             </a:r>
-            <a:endParaRPr/>
+            <a:endParaRPr lang="en-US" dirty="0"/>
           </a:p>
           <a:p>
-            <a:pPr indent="-325755" lvl="0" marL="457200" rtl="0" algn="l">
+            <a:pPr marL="457200" lvl="0" indent="-325755" algn="l" rtl="0">
               <a:spcBef>
                 <a:spcPts val="0"/>
               </a:spcBef>
@@ -10405,11 +10714,11 @@
               <a:buChar char="●"/>
             </a:pPr>
             <a:r>
-              <a:rPr lang="en"/>
+              <a:rPr lang="en" dirty="0"/>
               <a:t>Movie-Genre: </a:t>
             </a:r>
             <a:r>
-              <a:rPr lang="en">
+              <a:rPr lang="en" dirty="0">
                 <a:solidFill>
                   <a:srgbClr val="FF0000"/>
                 </a:solidFill>
@@ -10417,25 +10726,25 @@
               <a:t>m_mid</a:t>
             </a:r>
             <a:r>
-              <a:rPr lang="en"/>
+              <a:rPr lang="en" dirty="0"/>
               <a:t>, </a:t>
             </a:r>
             <a:r>
-              <a:rPr lang="en">
+              <a:rPr lang="en" dirty="0">
                 <a:solidFill>
                   <a:srgbClr val="FF0000"/>
                 </a:solidFill>
               </a:rPr>
               <a:t>g_gid</a:t>
             </a:r>
-            <a:endParaRPr>
+            <a:endParaRPr dirty="0">
               <a:solidFill>
                 <a:srgbClr val="FF0000"/>
               </a:solidFill>
             </a:endParaRPr>
           </a:p>
           <a:p>
-            <a:pPr indent="-325755" lvl="0" marL="457200" rtl="0" algn="l">
+            <a:pPr marL="457200" lvl="0" indent="-325755" algn="l" rtl="0">
               <a:spcBef>
                 <a:spcPts val="0"/>
               </a:spcBef>
@@ -10446,11 +10755,11 @@
               <a:buChar char="●"/>
             </a:pPr>
             <a:r>
-              <a:rPr lang="en"/>
+              <a:rPr lang="en" dirty="0"/>
               <a:t>Movie-Director: </a:t>
             </a:r>
             <a:r>
-              <a:rPr lang="en">
+              <a:rPr lang="en" dirty="0">
                 <a:solidFill>
                   <a:srgbClr val="FF0000"/>
                 </a:solidFill>
@@ -10458,79 +10767,25 @@
               <a:t>m_mid</a:t>
             </a:r>
             <a:r>
-              <a:rPr lang="en"/>
+              <a:rPr lang="en" dirty="0"/>
               <a:t>, </a:t>
             </a:r>
             <a:r>
-              <a:rPr lang="en">
+              <a:rPr lang="en" dirty="0">
                 <a:solidFill>
                   <a:srgbClr val="FF0000"/>
                 </a:solidFill>
               </a:rPr>
               <a:t>di_id</a:t>
             </a:r>
-            <a:endParaRPr/>
-          </a:p>
-          <a:p>
-            <a:pPr indent="-325755" lvl="0" marL="457200" rtl="0" algn="l">
-              <a:spcBef>
-                <a:spcPts val="0"/>
-              </a:spcBef>
-              <a:spcAft>
-                <a:spcPts val="0"/>
-              </a:spcAft>
-              <a:buSzPct val="100000"/>
-              <a:buChar char="●"/>
-            </a:pPr>
-            <a:r>
-              <a:rPr lang="en"/>
-              <a:t>Ratings: </a:t>
-            </a:r>
-            <a:r>
-              <a:rPr lang="en" u="sng"/>
-              <a:t>ra_id</a:t>
-            </a:r>
-            <a:r>
-              <a:rPr lang="en"/>
-              <a:t>, ra_ratings</a:t>
-            </a:r>
-            <a:endParaRPr/>
-          </a:p>
-          <a:p>
-            <a:pPr indent="-325755" lvl="0" marL="457200" rtl="0" algn="l">
-              <a:spcBef>
-                <a:spcPts val="0"/>
-              </a:spcBef>
-              <a:spcAft>
-                <a:spcPts val="0"/>
-              </a:spcAft>
-              <a:buSzPct val="100000"/>
-              <a:buChar char="●"/>
-            </a:pPr>
-            <a:r>
-              <a:rPr lang="en"/>
-              <a:t>Director: </a:t>
-            </a:r>
-            <a:r>
-              <a:rPr lang="en" u="sng"/>
-              <a:t>di</a:t>
-            </a:r>
-            <a:r>
-              <a:rPr lang="en" u="sng"/>
-              <a:t>_id</a:t>
-            </a:r>
-            <a:r>
-              <a:rPr lang="en"/>
-              <a:t>, di_diname</a:t>
-            </a:r>
-            <a:endParaRPr>
+            <a:endParaRPr lang="en-US" dirty="0">
               <a:solidFill>
                 <a:srgbClr val="FF0000"/>
               </a:solidFill>
             </a:endParaRPr>
           </a:p>
           <a:p>
-            <a:pPr indent="-325755" lvl="0" marL="457200" rtl="0" algn="l">
+            <a:pPr marL="457200" lvl="0" indent="-325755" algn="l" rtl="0">
               <a:spcBef>
                 <a:spcPts val="0"/>
               </a:spcBef>
@@ -10541,33 +10796,57 @@
               <a:buChar char="●"/>
             </a:pPr>
             <a:r>
-              <a:rPr lang="en"/>
-              <a:t>User: </a:t>
+              <a:rPr lang="en-US" dirty="0"/>
+              <a:t>Adult: </a:t>
             </a:r>
             <a:r>
-              <a:rPr lang="en" u="sng"/>
-              <a:t>u_id</a:t>
+              <a:rPr lang="en-US" u="sng" dirty="0"/>
+              <a:t>ad_adid</a:t>
             </a:r>
             <a:r>
-              <a:rPr lang="en"/>
-              <a:t>, </a:t>
+              <a:rPr lang="en-US" dirty="0"/>
+              <a:t>, ad_ratings</a:t>
+            </a:r>
+          </a:p>
+          <a:p>
+            <a:pPr marL="457200" lvl="0" indent="-325755" algn="l" rtl="0">
+              <a:spcBef>
+                <a:spcPts val="0"/>
+              </a:spcBef>
+              <a:spcAft>
+                <a:spcPts val="0"/>
+              </a:spcAft>
+              <a:buSzPct val="100000"/>
+              <a:buChar char="●"/>
+            </a:pPr>
+            <a:r>
+              <a:rPr lang="en" dirty="0"/>
+              <a:t>Director: </a:t>
             </a:r>
             <a:r>
-              <a:rPr lang="en">
-                <a:solidFill>
-                  <a:srgbClr val="FF0000"/>
-                </a:solidFill>
-              </a:rPr>
-              <a:t>m_mid</a:t>
+              <a:rPr lang="en" u="sng" dirty="0"/>
+              <a:t>di_id</a:t>
             </a:r>
             <a:r>
-              <a:rPr lang="en"/>
-              <a:t>, u_watching, u_watched, u_towatch</a:t>
+              <a:rPr lang="en" dirty="0"/>
+              <a:t>, di_diname</a:t>
             </a:r>
-            <a:endParaRPr/>
           </a:p>
           <a:p>
-            <a:pPr indent="0" lvl="0" marL="0" rtl="0" algn="l">
+            <a:pPr marL="457200" lvl="0" indent="-325755" algn="l" rtl="0">
+              <a:spcBef>
+                <a:spcPts val="0"/>
+              </a:spcBef>
+              <a:spcAft>
+                <a:spcPts val="0"/>
+              </a:spcAft>
+              <a:buSzPct val="100000"/>
+              <a:buChar char="●"/>
+            </a:pPr>
+            <a:endParaRPr dirty="0"/>
+          </a:p>
+          <a:p>
+            <a:pPr marL="0" lvl="0" indent="0" algn="l" rtl="0">
               <a:spcBef>
                 <a:spcPts val="1200"/>
               </a:spcBef>
@@ -10577,30 +10856,15 @@
               <a:buNone/>
             </a:pPr>
             <a:r>
-              <a:t/>
-            </a:r>
-            <a:endParaRPr/>
-          </a:p>
-          <a:p>
-            <a:pPr indent="0" lvl="0" marL="0" rtl="0" algn="l">
-              <a:spcBef>
-                <a:spcPts val="1200"/>
-              </a:spcBef>
-              <a:spcAft>
-                <a:spcPts val="0"/>
-              </a:spcAft>
-              <a:buNone/>
-            </a:pPr>
-            <a:r>
-              <a:rPr lang="en" u="sng"/>
+              <a:rPr lang="en" u="sng" dirty="0"/>
               <a:t>Underline</a:t>
             </a:r>
             <a:r>
-              <a:rPr lang="en"/>
+              <a:rPr lang="en" dirty="0"/>
               <a:t> is key, </a:t>
             </a:r>
             <a:r>
-              <a:rPr lang="en">
+              <a:rPr lang="en" dirty="0">
                 <a:solidFill>
                   <a:srgbClr val="FF0000"/>
                 </a:solidFill>
@@ -10608,13 +10872,13 @@
               <a:t>red</a:t>
             </a:r>
             <a:r>
-              <a:rPr lang="en"/>
+              <a:rPr lang="en" dirty="0"/>
               <a:t> is foreign</a:t>
             </a:r>
-            <a:endParaRPr/>
+            <a:endParaRPr dirty="0"/>
           </a:p>
           <a:p>
-            <a:pPr indent="0" lvl="0" marL="0" rtl="0" algn="l">
+            <a:pPr marL="0" lvl="0" indent="0" algn="l" rtl="0">
               <a:spcBef>
                 <a:spcPts val="1200"/>
               </a:spcBef>
@@ -10624,14 +10888,10 @@
               <a:buNone/>
             </a:pPr>
             <a:r>
-              <a:rPr lang="en"/>
-              <a:t>Many-Many’s: Movies to Genre,</a:t>
+              <a:rPr lang="en" dirty="0"/>
+              <a:t>Many-Many’s: Movies to Genre, Movies to Director (connected via join tables)</a:t>
             </a:r>
-            <a:r>
-              <a:rPr lang="en"/>
-              <a:t> Movies to Director (connected via join tables)</a:t>
-            </a:r>
-            <a:endParaRPr/>
+            <a:endParaRPr dirty="0"/>
           </a:p>
         </p:txBody>
       </p:sp>
@@ -10644,11 +10904,11 @@
 </file>
 
 <file path=ppt/slides/slide6.xml><?xml version="1.0" encoding="utf-8"?>
-<p:sld xmlns:a="http://schemas.openxmlformats.org/drawingml/2006/main" xmlns:r="http://schemas.openxmlformats.org/officeDocument/2006/relationships" xmlns:mc="http://schemas.openxmlformats.org/markup-compatibility/2006" xmlns:mv="urn:schemas-microsoft-com:mac:vml" xmlns:p="http://schemas.openxmlformats.org/presentationml/2006/main" xmlns:c="http://schemas.openxmlformats.org/drawingml/2006/chart" xmlns:dgm="http://schemas.openxmlformats.org/drawingml/2006/diagram" xmlns:o="urn:schemas-microsoft-com:office:office" xmlns:v="urn:schemas-microsoft-com:vml" xmlns:pvml="urn:schemas-microsoft-com:office:powerpoint" xmlns:com="http://schemas.openxmlformats.org/drawingml/2006/compatibility" xmlns:p14="http://schemas.microsoft.com/office/powerpoint/2010/main" xmlns:p15="http://schemas.microsoft.com/office/powerpoint/2012/main" xmlns:ahyp="http://schemas.microsoft.com/office/drawing/2018/hyperlinkcolor">
+<p:sld xmlns:a="http://schemas.openxmlformats.org/drawingml/2006/main" xmlns:r="http://schemas.openxmlformats.org/officeDocument/2006/relationships" xmlns:p="http://schemas.openxmlformats.org/presentationml/2006/main">
   <p:cSld>
     <p:spTree>
       <p:nvGrpSpPr>
-        <p:cNvPr id="135" name="Shape 135"/>
+        <p:cNvPr id="1" name="Shape 135"/>
         <p:cNvGrpSpPr/>
         <p:nvPr/>
       </p:nvGrpSpPr>
@@ -10663,7 +10923,9 @@
       <p:sp>
         <p:nvSpPr>
           <p:cNvPr id="136" name="Google Shape;136;p18"/>
-          <p:cNvSpPr txBox="1"/>
+          <p:cNvSpPr txBox="1">
+            <a:spLocks noGrp="1"/>
+          </p:cNvSpPr>
           <p:nvPr>
             <p:ph type="title"/>
           </p:nvPr>
@@ -10678,12 +10940,12 @@
           </a:prstGeom>
         </p:spPr>
         <p:txBody>
-          <a:bodyPr anchorCtr="0" anchor="t" bIns="91425" lIns="91425" spcFirstLastPara="1" rIns="91425" wrap="square" tIns="91425">
+          <a:bodyPr spcFirstLastPara="1" wrap="square" lIns="91425" tIns="91425" rIns="91425" bIns="91425" anchor="t" anchorCtr="0">
             <a:normAutofit fontScale="90000"/>
           </a:bodyPr>
           <a:lstStyle/>
           <a:p>
-            <a:pPr indent="0" lvl="0" marL="0" rtl="0" algn="l">
+            <a:pPr marL="0" lvl="0" indent="0" algn="l" rtl="0">
               <a:spcBef>
                 <a:spcPts val="0"/>
               </a:spcBef>
@@ -10703,9 +10965,11 @@
       <p:sp>
         <p:nvSpPr>
           <p:cNvPr id="137" name="Google Shape;137;p18"/>
-          <p:cNvSpPr txBox="1"/>
+          <p:cNvSpPr txBox="1">
+            <a:spLocks noGrp="1"/>
+          </p:cNvSpPr>
           <p:nvPr>
-            <p:ph idx="1" type="body"/>
+            <p:ph type="body" idx="1"/>
           </p:nvPr>
         </p:nvSpPr>
         <p:spPr>
@@ -10718,12 +10982,12 @@
           </a:prstGeom>
         </p:spPr>
         <p:txBody>
-          <a:bodyPr anchorCtr="0" anchor="t" bIns="91425" lIns="91425" spcFirstLastPara="1" rIns="91425" wrap="square" tIns="91425">
+          <a:bodyPr spcFirstLastPara="1" wrap="square" lIns="91425" tIns="91425" rIns="91425" bIns="91425" anchor="t" anchorCtr="0">
             <a:normAutofit/>
           </a:bodyPr>
           <a:lstStyle/>
           <a:p>
-            <a:pPr indent="0" lvl="0" marL="0" rtl="0" algn="l">
+            <a:pPr marL="0" lvl="0" indent="0" algn="l" rtl="0">
               <a:spcBef>
                 <a:spcPts val="0"/>
               </a:spcBef>
@@ -10733,13 +10997,13 @@
               <a:buNone/>
             </a:pPr>
             <a:r>
-              <a:rPr lang="en"/>
+              <a:rPr lang="en" dirty="0"/>
               <a:t>Integrated Development Environment: Visual Studio Code</a:t>
             </a:r>
-            <a:endParaRPr/>
+            <a:endParaRPr dirty="0"/>
           </a:p>
           <a:p>
-            <a:pPr indent="0" lvl="0" marL="0" rtl="0" algn="l">
+            <a:pPr marL="0" lvl="0" indent="0" algn="l" rtl="0">
               <a:spcBef>
                 <a:spcPts val="1200"/>
               </a:spcBef>
@@ -10749,13 +11013,13 @@
               <a:buNone/>
             </a:pPr>
             <a:r>
-              <a:rPr lang="en"/>
+              <a:rPr lang="en" dirty="0"/>
               <a:t>Frontend: HTML, CSS, JavaScript</a:t>
             </a:r>
-            <a:endParaRPr/>
+            <a:endParaRPr dirty="0"/>
           </a:p>
           <a:p>
-            <a:pPr indent="0" lvl="0" marL="0" rtl="0" algn="l">
+            <a:pPr marL="0" lvl="0" indent="0" algn="l" rtl="0">
               <a:spcBef>
                 <a:spcPts val="1200"/>
               </a:spcBef>
@@ -10765,13 +11029,13 @@
               <a:buNone/>
             </a:pPr>
             <a:r>
-              <a:rPr lang="en"/>
+              <a:rPr lang="en" dirty="0"/>
               <a:t>Backend: Python</a:t>
             </a:r>
-            <a:endParaRPr/>
+            <a:endParaRPr dirty="0"/>
           </a:p>
           <a:p>
-            <a:pPr indent="0" lvl="0" marL="0" rtl="0" algn="l">
+            <a:pPr marL="0" lvl="0" indent="0" algn="l" rtl="0">
               <a:spcBef>
                 <a:spcPts val="1200"/>
               </a:spcBef>
@@ -10781,10 +11045,10 @@
               <a:buNone/>
             </a:pPr>
             <a:r>
-              <a:rPr lang="en"/>
+              <a:rPr lang="en" dirty="0"/>
               <a:t>Database: SQlite3</a:t>
             </a:r>
-            <a:endParaRPr/>
+            <a:endParaRPr dirty="0"/>
           </a:p>
         </p:txBody>
       </p:sp>
@@ -10908,8 +11172,68 @@
 </p:sld>
 </file>
 
+<file path=ppt/slides/slide7.xml><?xml version="1.0" encoding="utf-8"?>
+<p:sld xmlns:a="http://schemas.openxmlformats.org/drawingml/2006/main" xmlns:r="http://schemas.openxmlformats.org/officeDocument/2006/relationships" xmlns:p="http://schemas.openxmlformats.org/presentationml/2006/main">
+  <p:cSld>
+    <p:spTree>
+      <p:nvGrpSpPr>
+        <p:cNvPr id="1" name=""/>
+        <p:cNvGrpSpPr/>
+        <p:nvPr/>
+      </p:nvGrpSpPr>
+      <p:grpSpPr>
+        <a:xfrm>
+          <a:off x="0" y="0"/>
+          <a:ext cx="0" cy="0"/>
+          <a:chOff x="0" y="0"/>
+          <a:chExt cx="0" cy="0"/>
+        </a:xfrm>
+      </p:grpSpPr>
+      <p:sp>
+        <p:nvSpPr>
+          <p:cNvPr id="2" name="Title 1">
+            <a:extLst>
+              <a:ext uri="{FF2B5EF4-FFF2-40B4-BE49-F238E27FC236}">
+                <a16:creationId xmlns:a16="http://schemas.microsoft.com/office/drawing/2014/main" id="{69DD455F-E121-12F5-5F52-3DE2FF368C59}"/>
+              </a:ext>
+            </a:extLst>
+          </p:cNvPr>
+          <p:cNvSpPr>
+            <a:spLocks noGrp="1"/>
+          </p:cNvSpPr>
+          <p:nvPr>
+            <p:ph type="title"/>
+          </p:nvPr>
+        </p:nvSpPr>
+        <p:spPr/>
+        <p:txBody>
+          <a:bodyPr>
+            <a:normAutofit fontScale="90000"/>
+          </a:bodyPr>
+          <a:lstStyle/>
+          <a:p>
+            <a:r>
+              <a:rPr lang="en-US" dirty="0"/>
+              <a:t>Demo</a:t>
+            </a:r>
+          </a:p>
+        </p:txBody>
+      </p:sp>
+    </p:spTree>
+    <p:extLst>
+      <p:ext uri="{BB962C8B-B14F-4D97-AF65-F5344CB8AC3E}">
+        <p14:creationId xmlns:p14="http://schemas.microsoft.com/office/powerpoint/2010/main" val="948808644"/>
+      </p:ext>
+    </p:extLst>
+  </p:cSld>
+  <p:clrMapOvr>
+    <a:masterClrMapping/>
+  </p:clrMapOvr>
+</p:sld>
+</file>
+
 <file path=ppt/theme/theme1.xml><?xml version="1.0" encoding="utf-8"?>
-<a:theme xmlns:a="http://schemas.openxmlformats.org/drawingml/2006/main" xmlns:r="http://schemas.openxmlformats.org/officeDocument/2006/relationships" name="Paperback">
+<a:theme xmlns:a="http://schemas.openxmlformats.org/drawingml/2006/main" name="Paperback">
   <a:themeElements>
     <a:clrScheme name="Paperback">
       <a:dk1>
@@ -11184,11 +11508,13 @@
       </a:bgFillStyleLst>
     </a:fmtScheme>
   </a:themeElements>
+  <a:objectDefaults/>
+  <a:extraClrSchemeLst/>
 </a:theme>
 </file>
 
 <file path=ppt/theme/theme2.xml><?xml version="1.0" encoding="utf-8"?>
-<a:theme xmlns:a="http://schemas.openxmlformats.org/drawingml/2006/main" xmlns:r="http://schemas.openxmlformats.org/officeDocument/2006/relationships">
+<a:theme xmlns:a="http://schemas.openxmlformats.org/drawingml/2006/main">
   <a:themeElements>
     <a:clrScheme name="Default">
       <a:dk1>
@@ -11463,5 +11789,7 @@
       </a:bgFillStyleLst>
     </a:fmtScheme>
   </a:themeElements>
+  <a:objectDefaults/>
+  <a:extraClrSchemeLst/>
 </a:theme>
 </file>
--- a/files&pdfs/CSE111_ProjectUpdated.pptx
+++ b/files&pdfs/CSE111_ProjectUpdated.pptx
@@ -744,8 +744,8 @@
         </p:nvSpPr>
         <p:spPr>
           <a:xfrm>
-            <a:off x="381300" y="685800"/>
-            <a:ext cx="6096075" cy="3429000"/>
+            <a:off x="381000" y="685800"/>
+            <a:ext cx="6096000" cy="3429000"/>
           </a:xfrm>
           <a:custGeom>
             <a:avLst/>
@@ -6959,7 +6959,7 @@
         </p:nvSpPr>
         <p:spPr>
           <a:xfrm>
-            <a:off x="653850" y="840100"/>
+            <a:off x="653850" y="832665"/>
             <a:ext cx="7181400" cy="1872900"/>
           </a:xfrm>
           <a:prstGeom prst="rect">
@@ -6982,10 +6982,10 @@
               <a:buNone/>
             </a:pPr>
             <a:r>
-              <a:rPr lang="en"/>
+              <a:rPr lang="en" dirty="0"/>
               <a:t>Movie Recommendations</a:t>
             </a:r>
-            <a:endParaRPr/>
+            <a:endParaRPr dirty="0"/>
           </a:p>
         </p:txBody>
       </p:sp>
@@ -7194,8 +7194,21 @@
             </a:pPr>
             <a:r>
               <a:rPr lang="en" dirty="0"/>
-              <a:t>User can save movie(s) in list(s)</a:t>
+              <a:t>User can </a:t>
             </a:r>
+            <a:r>
+              <a:rPr lang="en"/>
+              <a:t>save and delete movie</a:t>
+            </a:r>
+            <a:r>
+              <a:rPr lang="en" dirty="0"/>
+              <a:t>(</a:t>
+            </a:r>
+            <a:r>
+              <a:rPr lang="en"/>
+              <a:t>s) in the list</a:t>
+            </a:r>
+            <a:endParaRPr lang="en" dirty="0"/>
           </a:p>
         </p:txBody>
       </p:sp>
@@ -7274,7 +7287,7 @@
         </p:nvSpPr>
         <p:spPr>
           <a:xfrm>
-            <a:off x="155215" y="1355400"/>
+            <a:off x="209328" y="2029123"/>
             <a:ext cx="771000" cy="490800"/>
           </a:xfrm>
           <a:prstGeom prst="ellipse">
@@ -7326,7 +7339,7 @@
         </p:nvCxnSpPr>
         <p:spPr>
           <a:xfrm>
-            <a:off x="540715" y="1846200"/>
+            <a:off x="594828" y="2519923"/>
             <a:ext cx="5700" cy="746700"/>
           </a:xfrm>
           <a:prstGeom prst="straightConnector1">
@@ -7352,7 +7365,7 @@
         </p:nvCxnSpPr>
         <p:spPr>
           <a:xfrm rot="10800000" flipH="1">
-            <a:off x="212751" y="2073584"/>
+            <a:off x="266864" y="2747307"/>
             <a:ext cx="724800" cy="6900"/>
           </a:xfrm>
           <a:prstGeom prst="straightConnector1">
@@ -7378,7 +7391,7 @@
         </p:nvCxnSpPr>
         <p:spPr>
           <a:xfrm flipH="1">
-            <a:off x="133003" y="2600495"/>
+            <a:off x="187116" y="3274218"/>
             <a:ext cx="401700" cy="183000"/>
           </a:xfrm>
           <a:prstGeom prst="straightConnector1">
@@ -7404,7 +7417,7 @@
         </p:nvCxnSpPr>
         <p:spPr>
           <a:xfrm>
-            <a:off x="546147" y="2600495"/>
+            <a:off x="600260" y="3274218"/>
             <a:ext cx="414300" cy="190200"/>
           </a:xfrm>
           <a:prstGeom prst="straightConnector1">
@@ -7480,7 +7493,7 @@
         </p:nvSpPr>
         <p:spPr>
           <a:xfrm>
-            <a:off x="4394138" y="1432350"/>
+            <a:off x="4341830" y="1134662"/>
             <a:ext cx="1425900" cy="492600"/>
           </a:xfrm>
           <a:prstGeom prst="ellipse">
@@ -7530,7 +7543,7 @@
         </p:nvSpPr>
         <p:spPr>
           <a:xfrm>
-            <a:off x="1762825" y="3380948"/>
+            <a:off x="4436930" y="3179418"/>
             <a:ext cx="1330800" cy="555600"/>
           </a:xfrm>
           <a:prstGeom prst="ellipse">
@@ -7565,10 +7578,10 @@
               <a:buNone/>
             </a:pPr>
             <a:r>
-              <a:rPr lang="en" sz="1200"/>
+              <a:rPr lang="en" sz="1200" dirty="0"/>
               <a:t>Personal Movie List</a:t>
             </a:r>
-            <a:endParaRPr sz="1200"/>
+            <a:endParaRPr sz="1200" dirty="0"/>
           </a:p>
         </p:txBody>
       </p:sp>
@@ -7579,9 +7592,9 @@
           <p:nvPr/>
         </p:nvSpPr>
         <p:spPr>
-          <a:xfrm rot="5400000">
-            <a:off x="1749450" y="2521925"/>
-            <a:ext cx="1230900" cy="270900"/>
+          <a:xfrm rot="19937669" flipH="1">
+            <a:off x="5962784" y="2724549"/>
+            <a:ext cx="1566678" cy="270900"/>
           </a:xfrm>
           <a:prstGeom prst="rightArrow">
             <a:avLst>
@@ -7618,10 +7631,10 @@
               <a:buNone/>
             </a:pPr>
             <a:r>
-              <a:rPr lang="en" sz="1000"/>
-              <a:t>View List</a:t>
+              <a:rPr lang="en" sz="1000" dirty="0"/>
+              <a:t>Send List </a:t>
             </a:r>
-            <a:endParaRPr sz="1000"/>
+            <a:endParaRPr sz="1000" dirty="0"/>
           </a:p>
         </p:txBody>
       </p:sp>
@@ -7633,8 +7646,8 @@
         </p:nvSpPr>
         <p:spPr>
           <a:xfrm rot="-5396108" flipH="1">
-            <a:off x="4301666" y="2551020"/>
-            <a:ext cx="1324801" cy="307500"/>
+            <a:off x="4281264" y="2148909"/>
+            <a:ext cx="1238130" cy="307500"/>
           </a:xfrm>
           <a:prstGeom prst="rightArrow">
             <a:avLst>
@@ -7671,10 +7684,10 @@
               <a:buNone/>
             </a:pPr>
             <a:r>
-              <a:rPr lang="en" sz="800"/>
+              <a:rPr lang="en" sz="800" dirty="0"/>
               <a:t>Add movie to List</a:t>
             </a:r>
-            <a:endParaRPr sz="800"/>
+            <a:endParaRPr sz="800" dirty="0"/>
           </a:p>
         </p:txBody>
       </p:sp>
@@ -7686,8 +7699,8 @@
         </p:nvSpPr>
         <p:spPr>
           <a:xfrm rot="-5396110" flipH="1">
-            <a:off x="4759092" y="2539474"/>
-            <a:ext cx="1325701" cy="330600"/>
+            <a:off x="4596750" y="2134906"/>
+            <a:ext cx="1242748" cy="330600"/>
           </a:xfrm>
           <a:prstGeom prst="rightArrow">
             <a:avLst>
@@ -7724,10 +7737,10 @@
               <a:buNone/>
             </a:pPr>
             <a:r>
-              <a:rPr lang="en" sz="800"/>
+              <a:rPr lang="en" sz="800" dirty="0"/>
               <a:t>Delete movie to List</a:t>
             </a:r>
-            <a:endParaRPr sz="800"/>
+            <a:endParaRPr sz="800" dirty="0"/>
           </a:p>
         </p:txBody>
       </p:sp>
@@ -7739,7 +7752,7 @@
         </p:nvSpPr>
         <p:spPr>
           <a:xfrm>
-            <a:off x="1623588" y="1432338"/>
+            <a:off x="1671782" y="2519923"/>
             <a:ext cx="1482600" cy="492600"/>
           </a:xfrm>
           <a:prstGeom prst="ellipse">
@@ -7836,63 +7849,13 @@
       </p:sp>
       <p:sp>
         <p:nvSpPr>
-          <p:cNvPr id="85" name="Google Shape;85;p15"/>
-          <p:cNvSpPr/>
-          <p:nvPr/>
-        </p:nvSpPr>
-        <p:spPr>
-          <a:xfrm>
-            <a:off x="4579575" y="3484600"/>
-            <a:ext cx="1330800" cy="348300"/>
-          </a:xfrm>
-          <a:prstGeom prst="ellipse">
-            <a:avLst/>
-          </a:prstGeom>
-          <a:solidFill>
-            <a:schemeClr val="lt2"/>
-          </a:solidFill>
-          <a:ln w="9525" cap="flat" cmpd="sng">
-            <a:solidFill>
-              <a:schemeClr val="dk2"/>
-            </a:solidFill>
-            <a:prstDash val="solid"/>
-            <a:round/>
-            <a:headEnd type="none" w="sm" len="sm"/>
-            <a:tailEnd type="none" w="sm" len="sm"/>
-          </a:ln>
-        </p:spPr>
-        <p:txBody>
-          <a:bodyPr spcFirstLastPara="1" wrap="square" lIns="91425" tIns="91425" rIns="91425" bIns="91425" anchor="ctr" anchorCtr="0">
-            <a:noAutofit/>
-          </a:bodyPr>
-          <a:lstStyle/>
-          <a:p>
-            <a:pPr marL="0" lvl="0" indent="0" algn="l" rtl="0">
-              <a:spcBef>
-                <a:spcPts val="0"/>
-              </a:spcBef>
-              <a:spcAft>
-                <a:spcPts val="0"/>
-              </a:spcAft>
-              <a:buNone/>
-            </a:pPr>
-            <a:r>
-              <a:rPr lang="en" sz="800"/>
-              <a:t>  Customization</a:t>
-            </a:r>
-            <a:endParaRPr sz="800"/>
-          </a:p>
-        </p:txBody>
-      </p:sp>
-      <p:sp>
-        <p:nvSpPr>
           <p:cNvPr id="86" name="Google Shape;86;p15"/>
           <p:cNvSpPr/>
           <p:nvPr/>
         </p:nvSpPr>
         <p:spPr>
           <a:xfrm rot="-2122">
-            <a:off x="1082479" y="1576940"/>
+            <a:off x="1118089" y="2646507"/>
             <a:ext cx="486000" cy="201600"/>
           </a:xfrm>
           <a:prstGeom prst="rightArrow">
@@ -7940,8 +7903,8 @@
           <p:nvPr/>
         </p:nvSpPr>
         <p:spPr>
-          <a:xfrm rot="-956" flipH="1">
-            <a:off x="3210624" y="1498062"/>
+          <a:xfrm rot="19504152" flipH="1">
+            <a:off x="3271249" y="2096006"/>
             <a:ext cx="1079100" cy="361200"/>
           </a:xfrm>
           <a:prstGeom prst="leftArrow">
@@ -7979,60 +7942,10 @@
               <a:buNone/>
             </a:pPr>
             <a:r>
-              <a:rPr lang="en" sz="800"/>
+              <a:rPr lang="en" sz="800" dirty="0"/>
               <a:t> Search Movies</a:t>
             </a:r>
-            <a:endParaRPr sz="800"/>
-          </a:p>
-        </p:txBody>
-      </p:sp>
-      <p:sp>
-        <p:nvSpPr>
-          <p:cNvPr id="88" name="Google Shape;88;p15"/>
-          <p:cNvSpPr/>
-          <p:nvPr/>
-        </p:nvSpPr>
-        <p:spPr>
-          <a:xfrm>
-            <a:off x="3093625" y="4271400"/>
-            <a:ext cx="1425900" cy="613200"/>
-          </a:xfrm>
-          <a:prstGeom prst="ellipse">
-            <a:avLst/>
-          </a:prstGeom>
-          <a:solidFill>
-            <a:schemeClr val="lt2"/>
-          </a:solidFill>
-          <a:ln w="9525" cap="flat" cmpd="sng">
-            <a:solidFill>
-              <a:schemeClr val="dk2"/>
-            </a:solidFill>
-            <a:prstDash val="solid"/>
-            <a:round/>
-            <a:headEnd type="none" w="sm" len="sm"/>
-            <a:tailEnd type="none" w="sm" len="sm"/>
-          </a:ln>
-        </p:spPr>
-        <p:txBody>
-          <a:bodyPr spcFirstLastPara="1" wrap="square" lIns="91425" tIns="91425" rIns="91425" bIns="91425" anchor="ctr" anchorCtr="0">
-            <a:noAutofit/>
-          </a:bodyPr>
-          <a:lstStyle/>
-          <a:p>
-            <a:pPr marL="0" lvl="0" indent="0" algn="ctr" rtl="0">
-              <a:spcBef>
-                <a:spcPts val="0"/>
-              </a:spcBef>
-              <a:spcAft>
-                <a:spcPts val="0"/>
-              </a:spcAft>
-              <a:buNone/>
-            </a:pPr>
-            <a:r>
-              <a:rPr lang="en" sz="1200" dirty="0"/>
-              <a:t>Categorized List</a:t>
-            </a:r>
-            <a:endParaRPr sz="1200" dirty="0"/>
+            <a:endParaRPr sz="800" dirty="0"/>
           </a:p>
         </p:txBody>
       </p:sp>
@@ -8043,9 +7956,9 @@
           <p:nvPr/>
         </p:nvSpPr>
         <p:spPr>
-          <a:xfrm rot="-925">
-            <a:off x="3279051" y="3516389"/>
-            <a:ext cx="1115100" cy="284700"/>
+          <a:xfrm rot="1461265" flipH="1">
+            <a:off x="3148093" y="3060305"/>
+            <a:ext cx="1245272" cy="238226"/>
           </a:xfrm>
           <a:prstGeom prst="leftArrow">
             <a:avLst>
@@ -8082,64 +7995,10 @@
               <a:buNone/>
             </a:pPr>
             <a:r>
-              <a:rPr lang="en" sz="1000"/>
-              <a:t>Add to</a:t>
+              <a:rPr lang="en" sz="1000" dirty="0"/>
+              <a:t>View List</a:t>
             </a:r>
-            <a:endParaRPr sz="1000"/>
-          </a:p>
-        </p:txBody>
-      </p:sp>
-      <p:sp>
-        <p:nvSpPr>
-          <p:cNvPr id="90" name="Google Shape;90;p15"/>
-          <p:cNvSpPr/>
-          <p:nvPr/>
-        </p:nvSpPr>
-        <p:spPr>
-          <a:xfrm rot="5407629">
-            <a:off x="2246849" y="4080825"/>
-            <a:ext cx="675902" cy="603600"/>
-          </a:xfrm>
-          <a:prstGeom prst="bentUpArrow">
-            <a:avLst>
-              <a:gd name="adj1" fmla="val 25000"/>
-              <a:gd name="adj2" fmla="val 20046"/>
-              <a:gd name="adj3" fmla="val 25000"/>
-            </a:avLst>
-          </a:prstGeom>
-          <a:solidFill>
-            <a:schemeClr val="lt2"/>
-          </a:solidFill>
-          <a:ln w="9525" cap="flat" cmpd="sng">
-            <a:solidFill>
-              <a:schemeClr val="dk2"/>
-            </a:solidFill>
-            <a:prstDash val="solid"/>
-            <a:round/>
-            <a:headEnd type="none" w="sm" len="sm"/>
-            <a:tailEnd type="none" w="sm" len="sm"/>
-          </a:ln>
-        </p:spPr>
-        <p:txBody>
-          <a:bodyPr spcFirstLastPara="1" wrap="square" lIns="91425" tIns="91425" rIns="91425" bIns="91425" anchor="ctr" anchorCtr="0">
-            <a:noAutofit/>
-          </a:bodyPr>
-          <a:lstStyle/>
-          <a:p>
-            <a:pPr marL="0" lvl="0" indent="0" algn="l" rtl="0">
-              <a:spcBef>
-                <a:spcPts val="0"/>
-              </a:spcBef>
-              <a:spcAft>
-                <a:spcPts val="0"/>
-              </a:spcAft>
-              <a:buNone/>
-            </a:pPr>
-            <a:r>
-              <a:rPr lang="en" sz="700" dirty="0"/>
-              <a:t>Can</a:t>
-            </a:r>
-            <a:endParaRPr sz="700" dirty="0"/>
+            <a:endParaRPr sz="1000" dirty="0"/>
           </a:p>
         </p:txBody>
       </p:sp>

--- a/files&pdfs/CSE111_ProjectUpdated.pptx
+++ b/files&pdfs/CSE111_ProjectUpdated.pptx
@@ -20,7 +20,7 @@
   <p:notesSz cx="6858000" cy="9144000"/>
   <p:embeddedFontLst>
     <p:embeddedFont>
-      <p:font typeface="Old Standard TT" panose="020B0604020202020204" charset="0"/>
+      <p:font typeface="Old Standard TT" pitchFamily="2" charset="77"/>
       <p:regular r:id="rId10"/>
       <p:bold r:id="rId11"/>
       <p:italic r:id="rId12"/>
@@ -8751,11 +8751,17 @@
         <p:nvGraphicFramePr>
           <p:cNvPr id="100" name="Google Shape;100;p16"/>
           <p:cNvGraphicFramePr/>
-          <p:nvPr/>
+          <p:nvPr>
+            <p:extLst>
+              <p:ext uri="{D42A27DB-BD31-4B8C-83A1-F6EECF244321}">
+                <p14:modId xmlns:p14="http://schemas.microsoft.com/office/powerpoint/2010/main" val="2867757740"/>
+              </p:ext>
+            </p:extLst>
+          </p:nvPr>
         </p:nvGraphicFramePr>
         <p:xfrm>
           <a:off x="7571163" y="2740588"/>
-          <a:ext cx="646125" cy="924125"/>
+          <a:ext cx="544800" cy="924125"/>
         </p:xfrm>
         <a:graphic>
           <a:graphicData uri="http://schemas.openxmlformats.org/drawingml/2006/table">
@@ -8765,7 +8771,7 @@
                 <a:tableStyleId>{2665D0F1-BE63-4A82-B196-FC7E924B4079}</a:tableStyleId>
               </a:tblPr>
               <a:tblGrid>
-                <a:gridCol w="646125">
+                <a:gridCol w="544800">
                   <a:extLst>
                     <a:ext uri="{9D8B030D-6E8A-4147-A177-3AD203B41FA5}">
                       <a16:colId xmlns:a16="http://schemas.microsoft.com/office/drawing/2014/main" val="20000"/>
@@ -8789,10 +8795,10 @@
                         <a:buNone/>
                       </a:pPr>
                       <a:r>
-                        <a:rPr lang="en" sz="600"/>
-                        <a:t>Rating</a:t>
+                        <a:rPr lang="en" sz="600" dirty="0"/>
+                        <a:t>Adult</a:t>
                       </a:r>
-                      <a:endParaRPr sz="600"/>
+                      <a:endParaRPr sz="600" dirty="0"/>
                     </a:p>
                   </a:txBody>
                   <a:tcPr marL="91425" marR="91425" marT="91425" marB="91425"/>
@@ -8819,10 +8825,10 @@
                         <a:buNone/>
                       </a:pPr>
                       <a:r>
-                        <a:rPr lang="en" sz="600" u="sng"/>
-                        <a:t>ra_id</a:t>
+                        <a:rPr lang="en" sz="600" u="sng" dirty="0" err="1"/>
+                        <a:t>ad_id</a:t>
                       </a:r>
-                      <a:endParaRPr sz="600" u="sng"/>
+                      <a:endParaRPr sz="600" u="sng" dirty="0"/>
                     </a:p>
                   </a:txBody>
                   <a:tcPr marL="91425" marR="91425" marT="91425" marB="91425"/>
@@ -8849,10 +8855,10 @@
                         <a:buNone/>
                       </a:pPr>
                       <a:r>
-                        <a:rPr lang="en" sz="600"/>
-                        <a:t>ra_ratings</a:t>
+                        <a:rPr lang="en" sz="600" dirty="0" err="1"/>
+                        <a:t>ad_ratings</a:t>
                       </a:r>
-                      <a:endParaRPr sz="600"/>
+                      <a:endParaRPr sz="600" dirty="0"/>
                     </a:p>
                   </a:txBody>
                   <a:tcPr marL="91425" marR="91425" marT="91425" marB="91425"/>
@@ -11074,6 +11080,57 @@
             <a:r>
               <a:rPr lang="en-US" dirty="0"/>
               <a:t>Demo</a:t>
+            </a:r>
+          </a:p>
+        </p:txBody>
+      </p:sp>
+      <p:sp>
+        <p:nvSpPr>
+          <p:cNvPr id="4" name="TextBox 3">
+            <a:extLst>
+              <a:ext uri="{FF2B5EF4-FFF2-40B4-BE49-F238E27FC236}">
+                <a16:creationId xmlns:a16="http://schemas.microsoft.com/office/drawing/2014/main" id="{0B9BB288-07F0-4EB1-67DA-19DD7F9919AE}"/>
+              </a:ext>
+            </a:extLst>
+          </p:cNvPr>
+          <p:cNvSpPr txBox="1"/>
+          <p:nvPr/>
+        </p:nvSpPr>
+        <p:spPr>
+          <a:xfrm>
+            <a:off x="2538430" y="3570135"/>
+            <a:ext cx="4067139" cy="307777"/>
+          </a:xfrm>
+          <a:prstGeom prst="rect">
+            <a:avLst/>
+          </a:prstGeom>
+          <a:noFill/>
+        </p:spPr>
+        <p:txBody>
+          <a:bodyPr wrap="none" rtlCol="0">
+            <a:spAutoFit/>
+          </a:bodyPr>
+          <a:lstStyle/>
+          <a:p>
+            <a:r>
+              <a:rPr lang="en-US" dirty="0"/>
+              <a:t>https://</a:t>
+            </a:r>
+            <a:r>
+              <a:rPr lang="en-US" dirty="0" err="1"/>
+              <a:t>github.com</a:t>
+            </a:r>
+            <a:r>
+              <a:rPr lang="en-US" dirty="0"/>
+              <a:t>/</a:t>
+            </a:r>
+            <a:r>
+              <a:rPr lang="en-US" dirty="0" err="1"/>
+              <a:t>winstonlou</a:t>
+            </a:r>
+            <a:r>
+              <a:rPr lang="en-US" dirty="0"/>
+              <a:t>/CSE111-Project.git</a:t>
             </a:r>
           </a:p>
         </p:txBody>
